--- a/Training Slides.pptx
+++ b/Training Slides.pptx
@@ -5,10 +5,10 @@
     <p:sldMasterId id="2147483731" r:id="rId1"/>
   </p:sldMasterIdLst>
   <p:notesMasterIdLst>
-    <p:notesMasterId r:id="rId83"/>
+    <p:notesMasterId r:id="rId79"/>
   </p:notesMasterIdLst>
   <p:handoutMasterIdLst>
-    <p:handoutMasterId r:id="rId84"/>
+    <p:handoutMasterId r:id="rId80"/>
   </p:handoutMasterIdLst>
   <p:sldIdLst>
     <p:sldId id="807" r:id="rId2"/>
@@ -29,69 +29,65 @@
     <p:sldId id="831" r:id="rId17"/>
     <p:sldId id="828" r:id="rId18"/>
     <p:sldId id="829" r:id="rId19"/>
-    <p:sldId id="827" r:id="rId20"/>
-    <p:sldId id="809" r:id="rId21"/>
-    <p:sldId id="811" r:id="rId22"/>
-    <p:sldId id="812" r:id="rId23"/>
-    <p:sldId id="810" r:id="rId24"/>
-    <p:sldId id="808" r:id="rId25"/>
-    <p:sldId id="826" r:id="rId26"/>
-    <p:sldId id="264" r:id="rId27"/>
-    <p:sldId id="707" r:id="rId28"/>
-    <p:sldId id="708" r:id="rId29"/>
-    <p:sldId id="419" r:id="rId30"/>
-    <p:sldId id="294" r:id="rId31"/>
-    <p:sldId id="296" r:id="rId32"/>
-    <p:sldId id="297" r:id="rId33"/>
-    <p:sldId id="298" r:id="rId34"/>
-    <p:sldId id="300" r:id="rId35"/>
-    <p:sldId id="301" r:id="rId36"/>
-    <p:sldId id="303" r:id="rId37"/>
-    <p:sldId id="306" r:id="rId38"/>
-    <p:sldId id="310" r:id="rId39"/>
-    <p:sldId id="709" r:id="rId40"/>
-    <p:sldId id="513" r:id="rId41"/>
-    <p:sldId id="425" r:id="rId42"/>
-    <p:sldId id="777" r:id="rId43"/>
-    <p:sldId id="535" r:id="rId44"/>
-    <p:sldId id="778" r:id="rId45"/>
-    <p:sldId id="779" r:id="rId46"/>
-    <p:sldId id="806" r:id="rId47"/>
-    <p:sldId id="337" r:id="rId48"/>
-    <p:sldId id="710" r:id="rId49"/>
-    <p:sldId id="344" r:id="rId50"/>
-    <p:sldId id="711" r:id="rId51"/>
-    <p:sldId id="557" r:id="rId52"/>
-    <p:sldId id="712" r:id="rId53"/>
-    <p:sldId id="346" r:id="rId54"/>
-    <p:sldId id="347" r:id="rId55"/>
-    <p:sldId id="640" r:id="rId56"/>
-    <p:sldId id="784" r:id="rId57"/>
-    <p:sldId id="781" r:id="rId58"/>
-    <p:sldId id="785" r:id="rId59"/>
-    <p:sldId id="783" r:id="rId60"/>
-    <p:sldId id="786" r:id="rId61"/>
-    <p:sldId id="653" r:id="rId62"/>
-    <p:sldId id="717" r:id="rId63"/>
-    <p:sldId id="273" r:id="rId64"/>
-    <p:sldId id="658" r:id="rId65"/>
-    <p:sldId id="661" r:id="rId66"/>
-    <p:sldId id="769" r:id="rId67"/>
-    <p:sldId id="770" r:id="rId68"/>
-    <p:sldId id="771" r:id="rId69"/>
-    <p:sldId id="772" r:id="rId70"/>
-    <p:sldId id="773" r:id="rId71"/>
-    <p:sldId id="774" r:id="rId72"/>
-    <p:sldId id="628" r:id="rId73"/>
-    <p:sldId id="751" r:id="rId74"/>
-    <p:sldId id="752" r:id="rId75"/>
-    <p:sldId id="804" r:id="rId76"/>
-    <p:sldId id="764" r:id="rId77"/>
-    <p:sldId id="765" r:id="rId78"/>
-    <p:sldId id="766" r:id="rId79"/>
-    <p:sldId id="790" r:id="rId80"/>
-    <p:sldId id="791" r:id="rId81"/>
-    <p:sldId id="792" r:id="rId82"/>
+    <p:sldId id="809" r:id="rId20"/>
+    <p:sldId id="811" r:id="rId21"/>
+    <p:sldId id="812" r:id="rId22"/>
+    <p:sldId id="810" r:id="rId23"/>
+    <p:sldId id="808" r:id="rId24"/>
+    <p:sldId id="826" r:id="rId25"/>
+    <p:sldId id="264" r:id="rId26"/>
+    <p:sldId id="707" r:id="rId27"/>
+    <p:sldId id="708" r:id="rId28"/>
+    <p:sldId id="419" r:id="rId29"/>
+    <p:sldId id="294" r:id="rId30"/>
+    <p:sldId id="296" r:id="rId31"/>
+    <p:sldId id="297" r:id="rId32"/>
+    <p:sldId id="298" r:id="rId33"/>
+    <p:sldId id="300" r:id="rId34"/>
+    <p:sldId id="301" r:id="rId35"/>
+    <p:sldId id="303" r:id="rId36"/>
+    <p:sldId id="306" r:id="rId37"/>
+    <p:sldId id="310" r:id="rId38"/>
+    <p:sldId id="709" r:id="rId39"/>
+    <p:sldId id="513" r:id="rId40"/>
+    <p:sldId id="425" r:id="rId41"/>
+    <p:sldId id="777" r:id="rId42"/>
+    <p:sldId id="535" r:id="rId43"/>
+    <p:sldId id="778" r:id="rId44"/>
+    <p:sldId id="779" r:id="rId45"/>
+    <p:sldId id="806" r:id="rId46"/>
+    <p:sldId id="337" r:id="rId47"/>
+    <p:sldId id="710" r:id="rId48"/>
+    <p:sldId id="344" r:id="rId49"/>
+    <p:sldId id="711" r:id="rId50"/>
+    <p:sldId id="557" r:id="rId51"/>
+    <p:sldId id="712" r:id="rId52"/>
+    <p:sldId id="346" r:id="rId53"/>
+    <p:sldId id="347" r:id="rId54"/>
+    <p:sldId id="784" r:id="rId55"/>
+    <p:sldId id="785" r:id="rId56"/>
+    <p:sldId id="783" r:id="rId57"/>
+    <p:sldId id="786" r:id="rId58"/>
+    <p:sldId id="653" r:id="rId59"/>
+    <p:sldId id="717" r:id="rId60"/>
+    <p:sldId id="273" r:id="rId61"/>
+    <p:sldId id="661" r:id="rId62"/>
+    <p:sldId id="769" r:id="rId63"/>
+    <p:sldId id="770" r:id="rId64"/>
+    <p:sldId id="771" r:id="rId65"/>
+    <p:sldId id="772" r:id="rId66"/>
+    <p:sldId id="773" r:id="rId67"/>
+    <p:sldId id="774" r:id="rId68"/>
+    <p:sldId id="832" r:id="rId69"/>
+    <p:sldId id="751" r:id="rId70"/>
+    <p:sldId id="752" r:id="rId71"/>
+    <p:sldId id="804" r:id="rId72"/>
+    <p:sldId id="764" r:id="rId73"/>
+    <p:sldId id="765" r:id="rId74"/>
+    <p:sldId id="766" r:id="rId75"/>
+    <p:sldId id="790" r:id="rId76"/>
+    <p:sldId id="791" r:id="rId77"/>
+    <p:sldId id="792" r:id="rId78"/>
   </p:sldIdLst>
   <p:sldSz cx="9144000" cy="5143500" type="screen16x9"/>
   <p:notesSz cx="6858000" cy="9144000"/>
@@ -350,6 +346,7 @@
 <p1510:revInfo xmlns:a="http://schemas.openxmlformats.org/drawingml/2006/main" xmlns:r="http://schemas.openxmlformats.org/officeDocument/2006/relationships" xmlns:p1510="http://schemas.microsoft.com/office/powerpoint/2015/10/main">
   <p1510:revLst>
     <p1510:client id="{AED1F914-8947-4539-88ED-AA3A4AFA4B13}" v="282" dt="2025-06-05T05:56:18.928"/>
+    <p1510:client id="{BD144F64-0913-4436-B07D-D326F00AD2A4}" v="7" dt="2025-06-05T13:35:02.735"/>
   </p1510:revLst>
 </p1510:revInfo>
 </file>
@@ -820,6 +817,177 @@
             <pc:docMk/>
             <pc:sldMk cId="1282660271" sldId="831"/>
             <ac:spMk id="2" creationId="{3D9F7BA8-E4FA-6951-E62F-5FC16BB20500}"/>
+          </ac:spMkLst>
+        </pc:spChg>
+      </pc:sldChg>
+    </pc:docChg>
+  </pc:docChgLst>
+  <pc:docChgLst>
+    <pc:chgData name="Vaidehi Nair" userId="0e58197b-de1f-4c3f-9f32-5d50c6e98ca9" providerId="ADAL" clId="{BD144F64-0913-4436-B07D-D326F00AD2A4}"/>
+    <pc:docChg chg="addSld delSld modSld">
+      <pc:chgData name="Vaidehi Nair" userId="0e58197b-de1f-4c3f-9f32-5d50c6e98ca9" providerId="ADAL" clId="{BD144F64-0913-4436-B07D-D326F00AD2A4}" dt="2025-06-05T13:37:09.636" v="88" actId="113"/>
+      <pc:docMkLst>
+        <pc:docMk/>
+      </pc:docMkLst>
+      <pc:sldChg chg="del">
+        <pc:chgData name="Vaidehi Nair" userId="0e58197b-de1f-4c3f-9f32-5d50c6e98ca9" providerId="ADAL" clId="{BD144F64-0913-4436-B07D-D326F00AD2A4}" dt="2025-06-05T13:26:48.554" v="4" actId="47"/>
+        <pc:sldMkLst>
+          <pc:docMk/>
+          <pc:sldMk cId="2002414211" sldId="628"/>
+        </pc:sldMkLst>
+      </pc:sldChg>
+      <pc:sldChg chg="del">
+        <pc:chgData name="Vaidehi Nair" userId="0e58197b-de1f-4c3f-9f32-5d50c6e98ca9" providerId="ADAL" clId="{BD144F64-0913-4436-B07D-D326F00AD2A4}" dt="2025-06-05T13:26:28.064" v="2" actId="47"/>
+        <pc:sldMkLst>
+          <pc:docMk/>
+          <pc:sldMk cId="1275830313" sldId="640"/>
+        </pc:sldMkLst>
+      </pc:sldChg>
+      <pc:sldChg chg="del">
+        <pc:chgData name="Vaidehi Nair" userId="0e58197b-de1f-4c3f-9f32-5d50c6e98ca9" providerId="ADAL" clId="{BD144F64-0913-4436-B07D-D326F00AD2A4}" dt="2025-06-05T13:26:44.016" v="3" actId="47"/>
+        <pc:sldMkLst>
+          <pc:docMk/>
+          <pc:sldMk cId="2806721475" sldId="658"/>
+        </pc:sldMkLst>
+      </pc:sldChg>
+      <pc:sldChg chg="del">
+        <pc:chgData name="Vaidehi Nair" userId="0e58197b-de1f-4c3f-9f32-5d50c6e98ca9" providerId="ADAL" clId="{BD144F64-0913-4436-B07D-D326F00AD2A4}" dt="2025-06-05T13:26:06.902" v="1" actId="47"/>
+        <pc:sldMkLst>
+          <pc:docMk/>
+          <pc:sldMk cId="3327095414" sldId="781"/>
+        </pc:sldMkLst>
+      </pc:sldChg>
+      <pc:sldChg chg="del">
+        <pc:chgData name="Vaidehi Nair" userId="0e58197b-de1f-4c3f-9f32-5d50c6e98ca9" providerId="ADAL" clId="{BD144F64-0913-4436-B07D-D326F00AD2A4}" dt="2025-06-05T13:23:31.840" v="0" actId="47"/>
+        <pc:sldMkLst>
+          <pc:docMk/>
+          <pc:sldMk cId="2459285994" sldId="827"/>
+        </pc:sldMkLst>
+      </pc:sldChg>
+      <pc:sldChg chg="addSp modSp new mod">
+        <pc:chgData name="Vaidehi Nair" userId="0e58197b-de1f-4c3f-9f32-5d50c6e98ca9" providerId="ADAL" clId="{BD144F64-0913-4436-B07D-D326F00AD2A4}" dt="2025-06-05T13:37:09.636" v="88" actId="113"/>
+        <pc:sldMkLst>
+          <pc:docMk/>
+          <pc:sldMk cId="2827677502" sldId="832"/>
+        </pc:sldMkLst>
+        <pc:spChg chg="mod">
+          <ac:chgData name="Vaidehi Nair" userId="0e58197b-de1f-4c3f-9f32-5d50c6e98ca9" providerId="ADAL" clId="{BD144F64-0913-4436-B07D-D326F00AD2A4}" dt="2025-06-05T13:37:09.636" v="88" actId="113"/>
+          <ac:spMkLst>
+            <pc:docMk/>
+            <pc:sldMk cId="2827677502" sldId="832"/>
+            <ac:spMk id="2" creationId="{3616309B-D81C-F2E2-7F70-F1437284685C}"/>
+          </ac:spMkLst>
+        </pc:spChg>
+        <pc:spChg chg="add">
+          <ac:chgData name="Vaidehi Nair" userId="0e58197b-de1f-4c3f-9f32-5d50c6e98ca9" providerId="ADAL" clId="{BD144F64-0913-4436-B07D-D326F00AD2A4}" dt="2025-06-05T13:34:28.975" v="14"/>
+          <ac:spMkLst>
+            <pc:docMk/>
+            <pc:sldMk cId="2827677502" sldId="832"/>
+            <ac:spMk id="3" creationId="{38E73D93-5646-4E4E-6E53-4BEC309BB09D}"/>
+          </ac:spMkLst>
+        </pc:spChg>
+        <pc:spChg chg="add">
+          <ac:chgData name="Vaidehi Nair" userId="0e58197b-de1f-4c3f-9f32-5d50c6e98ca9" providerId="ADAL" clId="{BD144F64-0913-4436-B07D-D326F00AD2A4}" dt="2025-06-05T13:34:28.975" v="14"/>
+          <ac:spMkLst>
+            <pc:docMk/>
+            <pc:sldMk cId="2827677502" sldId="832"/>
+            <ac:spMk id="4" creationId="{220669D6-7333-62F0-A2E7-841400265AA1}"/>
+          </ac:spMkLst>
+        </pc:spChg>
+        <pc:spChg chg="add">
+          <ac:chgData name="Vaidehi Nair" userId="0e58197b-de1f-4c3f-9f32-5d50c6e98ca9" providerId="ADAL" clId="{BD144F64-0913-4436-B07D-D326F00AD2A4}" dt="2025-06-05T13:34:28.975" v="14"/>
+          <ac:spMkLst>
+            <pc:docMk/>
+            <pc:sldMk cId="2827677502" sldId="832"/>
+            <ac:spMk id="5" creationId="{E17CD1E9-CD31-D6BB-6A61-5001B8B8D832}"/>
+          </ac:spMkLst>
+        </pc:spChg>
+        <pc:spChg chg="add">
+          <ac:chgData name="Vaidehi Nair" userId="0e58197b-de1f-4c3f-9f32-5d50c6e98ca9" providerId="ADAL" clId="{BD144F64-0913-4436-B07D-D326F00AD2A4}" dt="2025-06-05T13:34:28.975" v="14"/>
+          <ac:spMkLst>
+            <pc:docMk/>
+            <pc:sldMk cId="2827677502" sldId="832"/>
+            <ac:spMk id="6" creationId="{10DF95C0-5E46-B36D-05C3-DBF18955BF48}"/>
+          </ac:spMkLst>
+        </pc:spChg>
+        <pc:spChg chg="add">
+          <ac:chgData name="Vaidehi Nair" userId="0e58197b-de1f-4c3f-9f32-5d50c6e98ca9" providerId="ADAL" clId="{BD144F64-0913-4436-B07D-D326F00AD2A4}" dt="2025-06-05T13:34:28.975" v="14"/>
+          <ac:spMkLst>
+            <pc:docMk/>
+            <pc:sldMk cId="2827677502" sldId="832"/>
+            <ac:spMk id="7" creationId="{AA603157-2805-57F7-FB8A-A624739E4138}"/>
+          </ac:spMkLst>
+        </pc:spChg>
+        <pc:spChg chg="add">
+          <ac:chgData name="Vaidehi Nair" userId="0e58197b-de1f-4c3f-9f32-5d50c6e98ca9" providerId="ADAL" clId="{BD144F64-0913-4436-B07D-D326F00AD2A4}" dt="2025-06-05T13:34:28.975" v="14"/>
+          <ac:spMkLst>
+            <pc:docMk/>
+            <pc:sldMk cId="2827677502" sldId="832"/>
+            <ac:spMk id="8" creationId="{7A66725A-BE06-026E-8495-DBF4A529BD03}"/>
+          </ac:spMkLst>
+        </pc:spChg>
+        <pc:spChg chg="add">
+          <ac:chgData name="Vaidehi Nair" userId="0e58197b-de1f-4c3f-9f32-5d50c6e98ca9" providerId="ADAL" clId="{BD144F64-0913-4436-B07D-D326F00AD2A4}" dt="2025-06-05T13:34:28.975" v="14"/>
+          <ac:spMkLst>
+            <pc:docMk/>
+            <pc:sldMk cId="2827677502" sldId="832"/>
+            <ac:spMk id="9" creationId="{A11D9F78-7F00-D0FF-0222-C01CA7876A51}"/>
+          </ac:spMkLst>
+        </pc:spChg>
+        <pc:spChg chg="add">
+          <ac:chgData name="Vaidehi Nair" userId="0e58197b-de1f-4c3f-9f32-5d50c6e98ca9" providerId="ADAL" clId="{BD144F64-0913-4436-B07D-D326F00AD2A4}" dt="2025-06-05T13:34:44.430" v="19"/>
+          <ac:spMkLst>
+            <pc:docMk/>
+            <pc:sldMk cId="2827677502" sldId="832"/>
+            <ac:spMk id="10" creationId="{6DB0E861-60B2-DD23-ACB2-8C40AD40E3BD}"/>
+          </ac:spMkLst>
+        </pc:spChg>
+        <pc:spChg chg="add">
+          <ac:chgData name="Vaidehi Nair" userId="0e58197b-de1f-4c3f-9f32-5d50c6e98ca9" providerId="ADAL" clId="{BD144F64-0913-4436-B07D-D326F00AD2A4}" dt="2025-06-05T13:34:44.430" v="19"/>
+          <ac:spMkLst>
+            <pc:docMk/>
+            <pc:sldMk cId="2827677502" sldId="832"/>
+            <ac:spMk id="11" creationId="{87034716-F1E0-C1EF-1A49-87E6FDA0EBA3}"/>
+          </ac:spMkLst>
+        </pc:spChg>
+        <pc:spChg chg="add">
+          <ac:chgData name="Vaidehi Nair" userId="0e58197b-de1f-4c3f-9f32-5d50c6e98ca9" providerId="ADAL" clId="{BD144F64-0913-4436-B07D-D326F00AD2A4}" dt="2025-06-05T13:34:44.430" v="19"/>
+          <ac:spMkLst>
+            <pc:docMk/>
+            <pc:sldMk cId="2827677502" sldId="832"/>
+            <ac:spMk id="12" creationId="{7D10FFAF-4BA7-481A-4828-0B7939EAF7A3}"/>
+          </ac:spMkLst>
+        </pc:spChg>
+        <pc:spChg chg="add">
+          <ac:chgData name="Vaidehi Nair" userId="0e58197b-de1f-4c3f-9f32-5d50c6e98ca9" providerId="ADAL" clId="{BD144F64-0913-4436-B07D-D326F00AD2A4}" dt="2025-06-05T13:34:44.430" v="19"/>
+          <ac:spMkLst>
+            <pc:docMk/>
+            <pc:sldMk cId="2827677502" sldId="832"/>
+            <ac:spMk id="13" creationId="{4FF515C1-DA52-A51D-E44B-E2CF7EFB6BB4}"/>
+          </ac:spMkLst>
+        </pc:spChg>
+        <pc:spChg chg="add">
+          <ac:chgData name="Vaidehi Nair" userId="0e58197b-de1f-4c3f-9f32-5d50c6e98ca9" providerId="ADAL" clId="{BD144F64-0913-4436-B07D-D326F00AD2A4}" dt="2025-06-05T13:34:44.430" v="19"/>
+          <ac:spMkLst>
+            <pc:docMk/>
+            <pc:sldMk cId="2827677502" sldId="832"/>
+            <ac:spMk id="14" creationId="{425FAD4C-138C-E4AE-E4BD-C8C4002AB5F1}"/>
+          </ac:spMkLst>
+        </pc:spChg>
+        <pc:spChg chg="add">
+          <ac:chgData name="Vaidehi Nair" userId="0e58197b-de1f-4c3f-9f32-5d50c6e98ca9" providerId="ADAL" clId="{BD144F64-0913-4436-B07D-D326F00AD2A4}" dt="2025-06-05T13:34:44.430" v="19"/>
+          <ac:spMkLst>
+            <pc:docMk/>
+            <pc:sldMk cId="2827677502" sldId="832"/>
+            <ac:spMk id="15" creationId="{6A294D3F-7976-06A3-13D5-1F9A1AD521AD}"/>
+          </ac:spMkLst>
+        </pc:spChg>
+        <pc:spChg chg="add">
+          <ac:chgData name="Vaidehi Nair" userId="0e58197b-de1f-4c3f-9f32-5d50c6e98ca9" providerId="ADAL" clId="{BD144F64-0913-4436-B07D-D326F00AD2A4}" dt="2025-06-05T13:34:44.430" v="19"/>
+          <ac:spMkLst>
+            <pc:docMk/>
+            <pc:sldMk cId="2827677502" sldId="832"/>
+            <ac:spMk id="16" creationId="{EA2B3B66-78C9-150A-2F09-2127DD6C8CA6}"/>
           </ac:spMkLst>
         </pc:spChg>
       </pc:sldChg>
@@ -20794,10 +20962,10 @@
       </p:grpSpPr>
       <p:sp>
         <p:nvSpPr>
-          <p:cNvPr id="2" name="Content Placeholder 1">
+          <p:cNvPr id="3" name="Content Placeholder 2">
             <a:extLst>
               <a:ext uri="{FF2B5EF4-FFF2-40B4-BE49-F238E27FC236}">
-                <a16:creationId xmlns:a16="http://schemas.microsoft.com/office/drawing/2014/main" id="{932B4C7E-137F-4770-586D-F6C37C6E9274}"/>
+                <a16:creationId xmlns:a16="http://schemas.microsoft.com/office/drawing/2014/main" id="{384CEEB5-BC71-DDD5-F6D1-2392E397E6BA}"/>
               </a:ext>
             </a:extLst>
           </p:cNvPr>
@@ -20813,6 +20981,182 @@
           <a:bodyPr/>
           <a:lstStyle/>
           <a:p>
+            <a:pPr marL="0" indent="0">
+              <a:spcAft>
+                <a:spcPts val="600"/>
+              </a:spcAft>
+              <a:buNone/>
+            </a:pPr>
+            <a:r>
+              <a:rPr lang="en-GB" b="1" dirty="0"/>
+              <a:t>Definition</a:t>
+            </a:r>
+          </a:p>
+          <a:p>
+            <a:pPr lvl="1">
+              <a:spcAft>
+                <a:spcPts val="600"/>
+              </a:spcAft>
+            </a:pPr>
+            <a:r>
+              <a:rPr lang="en-GB" dirty="0"/>
+              <a:t>AI in Excel refers to Artificial Intelligence features built into Microsoft Excel that help users </a:t>
+            </a:r>
+            <a:r>
+              <a:rPr lang="en-GB" dirty="0" err="1"/>
+              <a:t>analyze</a:t>
+            </a:r>
+            <a:r>
+              <a:rPr lang="en-GB" dirty="0"/>
+              <a:t>, clean, visualize, and understand data faster and smarter.</a:t>
+            </a:r>
+          </a:p>
+          <a:p>
+            <a:pPr marL="0" indent="0">
+              <a:spcAft>
+                <a:spcPts val="600"/>
+              </a:spcAft>
+              <a:buNone/>
+            </a:pPr>
+            <a:r>
+              <a:rPr lang="en-GB" b="1" dirty="0"/>
+              <a:t>Key AI-Powered Features</a:t>
+            </a:r>
+          </a:p>
+          <a:p>
+            <a:pPr lvl="1">
+              <a:spcAft>
+                <a:spcPts val="600"/>
+              </a:spcAft>
+            </a:pPr>
+            <a:r>
+              <a:rPr lang="en-GB" b="1" dirty="0"/>
+              <a:t>Ideas (</a:t>
+            </a:r>
+            <a:r>
+              <a:rPr lang="en-GB" b="1" dirty="0" err="1"/>
+              <a:t>Analyze</a:t>
+            </a:r>
+            <a:r>
+              <a:rPr lang="en-GB" b="1" dirty="0"/>
+              <a:t> Data): </a:t>
+            </a:r>
+            <a:r>
+              <a:rPr lang="en-GB" dirty="0"/>
+              <a:t>Automatically suggests charts, trends, and summaries from your data.</a:t>
+            </a:r>
+          </a:p>
+          <a:p>
+            <a:pPr lvl="1">
+              <a:spcAft>
+                <a:spcPts val="600"/>
+              </a:spcAft>
+            </a:pPr>
+            <a:r>
+              <a:rPr lang="en-GB" b="1" dirty="0"/>
+              <a:t>Data Types:</a:t>
+            </a:r>
+            <a:r>
+              <a:rPr lang="en-GB" dirty="0"/>
+              <a:t> Converts text into rich, linked data (e.g., geography, stocks).</a:t>
+            </a:r>
+          </a:p>
+          <a:p>
+            <a:pPr lvl="1">
+              <a:spcAft>
+                <a:spcPts val="600"/>
+              </a:spcAft>
+            </a:pPr>
+            <a:r>
+              <a:rPr lang="en-GB" b="1" dirty="0"/>
+              <a:t>Natural Language Queries: </a:t>
+            </a:r>
+            <a:r>
+              <a:rPr lang="en-GB" dirty="0"/>
+              <a:t>Ask Excel questions like “What’s the average sales?” in plain English.</a:t>
+            </a:r>
+          </a:p>
+          <a:p>
+            <a:pPr lvl="1">
+              <a:spcAft>
+                <a:spcPts val="600"/>
+              </a:spcAft>
+            </a:pPr>
+            <a:r>
+              <a:rPr lang="en-GB" b="1" dirty="0"/>
+              <a:t>Smart Fill / Flash Fill:</a:t>
+            </a:r>
+            <a:r>
+              <a:rPr lang="en-GB" dirty="0"/>
+              <a:t> Automatically recognizes and completes patterns in your data.</a:t>
+            </a:r>
+          </a:p>
+          <a:p>
+            <a:pPr lvl="1">
+              <a:spcAft>
+                <a:spcPts val="600"/>
+              </a:spcAft>
+            </a:pPr>
+            <a:r>
+              <a:rPr lang="en-GB" b="1" dirty="0"/>
+              <a:t>Copilot in Excel (for Microsoft 365): </a:t>
+            </a:r>
+            <a:r>
+              <a:rPr lang="en-GB" dirty="0"/>
+              <a:t>AI assistant that helps write formulas, create models, and summarize data.</a:t>
+            </a:r>
+          </a:p>
+          <a:p>
+            <a:pPr marL="0" indent="0">
+              <a:spcAft>
+                <a:spcPts val="600"/>
+              </a:spcAft>
+              <a:buNone/>
+            </a:pPr>
+            <a:r>
+              <a:rPr lang="en-GB" b="1" dirty="0"/>
+              <a:t>Why It Matters</a:t>
+            </a:r>
+          </a:p>
+          <a:p>
+            <a:pPr lvl="1">
+              <a:spcAft>
+                <a:spcPts val="600"/>
+              </a:spcAft>
+            </a:pPr>
+            <a:r>
+              <a:rPr lang="en-GB" dirty="0"/>
+              <a:t>AI makes Excel more intuitive and powerful, helping users of all skill levels unlock insights and save time on complex tasks.</a:t>
+            </a:r>
+            <a:endParaRPr lang="en-IN" dirty="0"/>
+          </a:p>
+        </p:txBody>
+      </p:sp>
+      <p:sp>
+        <p:nvSpPr>
+          <p:cNvPr id="4" name="Text Placeholder 3">
+            <a:extLst>
+              <a:ext uri="{FF2B5EF4-FFF2-40B4-BE49-F238E27FC236}">
+                <a16:creationId xmlns:a16="http://schemas.microsoft.com/office/drawing/2014/main" id="{D923000D-BABE-BBE0-6C2A-C3923EF6AB09}"/>
+              </a:ext>
+            </a:extLst>
+          </p:cNvPr>
+          <p:cNvSpPr>
+            <a:spLocks noGrp="1"/>
+          </p:cNvSpPr>
+          <p:nvPr>
+            <p:ph type="body" sz="quarter" idx="10"/>
+          </p:nvPr>
+        </p:nvSpPr>
+        <p:spPr/>
+        <p:txBody>
+          <a:bodyPr/>
+          <a:lstStyle/>
+          <a:p>
+            <a:r>
+              <a:rPr lang="en-IN"/>
+              <a:t>AI in Excel</a:t>
+            </a:r>
             <a:endParaRPr lang="en-IN" dirty="0"/>
           </a:p>
         </p:txBody>
@@ -20820,7 +21164,7 @@
     </p:spTree>
     <p:extLst>
       <p:ext uri="{BB962C8B-B14F-4D97-AF65-F5344CB8AC3E}">
-        <p14:creationId xmlns:p14="http://schemas.microsoft.com/office/powerpoint/2010/main" val="2459285994"/>
+        <p14:creationId xmlns:p14="http://schemas.microsoft.com/office/powerpoint/2010/main" val="2573095427"/>
       </p:ext>
     </p:extLst>
   </p:cSld>
@@ -20907,237 +21251,6 @@
       </p:grpSpPr>
       <p:sp>
         <p:nvSpPr>
-          <p:cNvPr id="3" name="Content Placeholder 2">
-            <a:extLst>
-              <a:ext uri="{FF2B5EF4-FFF2-40B4-BE49-F238E27FC236}">
-                <a16:creationId xmlns:a16="http://schemas.microsoft.com/office/drawing/2014/main" id="{384CEEB5-BC71-DDD5-F6D1-2392E397E6BA}"/>
-              </a:ext>
-            </a:extLst>
-          </p:cNvPr>
-          <p:cNvSpPr>
-            <a:spLocks noGrp="1"/>
-          </p:cNvSpPr>
-          <p:nvPr>
-            <p:ph idx="1"/>
-          </p:nvPr>
-        </p:nvSpPr>
-        <p:spPr/>
-        <p:txBody>
-          <a:bodyPr/>
-          <a:lstStyle/>
-          <a:p>
-            <a:pPr marL="0" indent="0">
-              <a:spcAft>
-                <a:spcPts val="600"/>
-              </a:spcAft>
-              <a:buNone/>
-            </a:pPr>
-            <a:r>
-              <a:rPr lang="en-GB" b="1" dirty="0"/>
-              <a:t>Definition</a:t>
-            </a:r>
-          </a:p>
-          <a:p>
-            <a:pPr lvl="1">
-              <a:spcAft>
-                <a:spcPts val="600"/>
-              </a:spcAft>
-            </a:pPr>
-            <a:r>
-              <a:rPr lang="en-GB" dirty="0"/>
-              <a:t>AI in Excel refers to Artificial Intelligence features built into Microsoft Excel that help users </a:t>
-            </a:r>
-            <a:r>
-              <a:rPr lang="en-GB" dirty="0" err="1"/>
-              <a:t>analyze</a:t>
-            </a:r>
-            <a:r>
-              <a:rPr lang="en-GB" dirty="0"/>
-              <a:t>, clean, visualize, and understand data faster and smarter.</a:t>
-            </a:r>
-          </a:p>
-          <a:p>
-            <a:pPr marL="0" indent="0">
-              <a:spcAft>
-                <a:spcPts val="600"/>
-              </a:spcAft>
-              <a:buNone/>
-            </a:pPr>
-            <a:r>
-              <a:rPr lang="en-GB" b="1" dirty="0"/>
-              <a:t>Key AI-Powered Features</a:t>
-            </a:r>
-          </a:p>
-          <a:p>
-            <a:pPr lvl="1">
-              <a:spcAft>
-                <a:spcPts val="600"/>
-              </a:spcAft>
-            </a:pPr>
-            <a:r>
-              <a:rPr lang="en-GB" b="1" dirty="0"/>
-              <a:t>Ideas (</a:t>
-            </a:r>
-            <a:r>
-              <a:rPr lang="en-GB" b="1" dirty="0" err="1"/>
-              <a:t>Analyze</a:t>
-            </a:r>
-            <a:r>
-              <a:rPr lang="en-GB" b="1" dirty="0"/>
-              <a:t> Data): </a:t>
-            </a:r>
-            <a:r>
-              <a:rPr lang="en-GB" dirty="0"/>
-              <a:t>Automatically suggests charts, trends, and summaries from your data.</a:t>
-            </a:r>
-          </a:p>
-          <a:p>
-            <a:pPr lvl="1">
-              <a:spcAft>
-                <a:spcPts val="600"/>
-              </a:spcAft>
-            </a:pPr>
-            <a:r>
-              <a:rPr lang="en-GB" b="1" dirty="0"/>
-              <a:t>Data Types:</a:t>
-            </a:r>
-            <a:r>
-              <a:rPr lang="en-GB" dirty="0"/>
-              <a:t> Converts text into rich, linked data (e.g., geography, stocks).</a:t>
-            </a:r>
-          </a:p>
-          <a:p>
-            <a:pPr lvl="1">
-              <a:spcAft>
-                <a:spcPts val="600"/>
-              </a:spcAft>
-            </a:pPr>
-            <a:r>
-              <a:rPr lang="en-GB" b="1" dirty="0"/>
-              <a:t>Natural Language Queries: </a:t>
-            </a:r>
-            <a:r>
-              <a:rPr lang="en-GB" dirty="0"/>
-              <a:t>Ask Excel questions like “What’s the average sales?” in plain English.</a:t>
-            </a:r>
-          </a:p>
-          <a:p>
-            <a:pPr lvl="1">
-              <a:spcAft>
-                <a:spcPts val="600"/>
-              </a:spcAft>
-            </a:pPr>
-            <a:r>
-              <a:rPr lang="en-GB" b="1" dirty="0"/>
-              <a:t>Smart Fill / Flash Fill:</a:t>
-            </a:r>
-            <a:r>
-              <a:rPr lang="en-GB" dirty="0"/>
-              <a:t> Automatically recognizes and completes patterns in your data.</a:t>
-            </a:r>
-          </a:p>
-          <a:p>
-            <a:pPr lvl="1">
-              <a:spcAft>
-                <a:spcPts val="600"/>
-              </a:spcAft>
-            </a:pPr>
-            <a:r>
-              <a:rPr lang="en-GB" b="1" dirty="0"/>
-              <a:t>Copilot in Excel (for Microsoft 365): </a:t>
-            </a:r>
-            <a:r>
-              <a:rPr lang="en-GB" dirty="0"/>
-              <a:t>AI assistant that helps write formulas, create models, and summarize data.</a:t>
-            </a:r>
-          </a:p>
-          <a:p>
-            <a:pPr marL="0" indent="0">
-              <a:spcAft>
-                <a:spcPts val="600"/>
-              </a:spcAft>
-              <a:buNone/>
-            </a:pPr>
-            <a:r>
-              <a:rPr lang="en-GB" b="1" dirty="0"/>
-              <a:t>Why It Matters</a:t>
-            </a:r>
-          </a:p>
-          <a:p>
-            <a:pPr lvl="1">
-              <a:spcAft>
-                <a:spcPts val="600"/>
-              </a:spcAft>
-            </a:pPr>
-            <a:r>
-              <a:rPr lang="en-GB" dirty="0"/>
-              <a:t>AI makes Excel more intuitive and powerful, helping users of all skill levels unlock insights and save time on complex tasks.</a:t>
-            </a:r>
-            <a:endParaRPr lang="en-IN" dirty="0"/>
-          </a:p>
-        </p:txBody>
-      </p:sp>
-      <p:sp>
-        <p:nvSpPr>
-          <p:cNvPr id="4" name="Text Placeholder 3">
-            <a:extLst>
-              <a:ext uri="{FF2B5EF4-FFF2-40B4-BE49-F238E27FC236}">
-                <a16:creationId xmlns:a16="http://schemas.microsoft.com/office/drawing/2014/main" id="{D923000D-BABE-BBE0-6C2A-C3923EF6AB09}"/>
-              </a:ext>
-            </a:extLst>
-          </p:cNvPr>
-          <p:cNvSpPr>
-            <a:spLocks noGrp="1"/>
-          </p:cNvSpPr>
-          <p:nvPr>
-            <p:ph type="body" sz="quarter" idx="10"/>
-          </p:nvPr>
-        </p:nvSpPr>
-        <p:spPr/>
-        <p:txBody>
-          <a:bodyPr/>
-          <a:lstStyle/>
-          <a:p>
-            <a:r>
-              <a:rPr lang="en-IN"/>
-              <a:t>AI in Excel</a:t>
-            </a:r>
-            <a:endParaRPr lang="en-IN" dirty="0"/>
-          </a:p>
-        </p:txBody>
-      </p:sp>
-    </p:spTree>
-    <p:extLst>
-      <p:ext uri="{BB962C8B-B14F-4D97-AF65-F5344CB8AC3E}">
-        <p14:creationId xmlns:p14="http://schemas.microsoft.com/office/powerpoint/2010/main" val="2573095427"/>
-      </p:ext>
-    </p:extLst>
-  </p:cSld>
-  <p:clrMapOvr>
-    <a:masterClrMapping/>
-  </p:clrMapOvr>
-</p:sld>
-</file>
-
-<file path=ppt/slides/slide21.xml><?xml version="1.0" encoding="utf-8"?>
-<p:sld xmlns:a="http://schemas.openxmlformats.org/drawingml/2006/main" xmlns:r="http://schemas.openxmlformats.org/officeDocument/2006/relationships" xmlns:p="http://schemas.openxmlformats.org/presentationml/2006/main">
-  <p:cSld>
-    <p:spTree>
-      <p:nvGrpSpPr>
-        <p:cNvPr id="1" name=""/>
-        <p:cNvGrpSpPr/>
-        <p:nvPr/>
-      </p:nvGrpSpPr>
-      <p:grpSpPr>
-        <a:xfrm>
-          <a:off x="0" y="0"/>
-          <a:ext cx="0" cy="0"/>
-          <a:chOff x="0" y="0"/>
-          <a:chExt cx="0" cy="0"/>
-        </a:xfrm>
-      </p:grpSpPr>
-      <p:sp>
-        <p:nvSpPr>
           <p:cNvPr id="2" name="Content Placeholder 1">
             <a:extLst>
               <a:ext uri="{FF2B5EF4-FFF2-40B4-BE49-F238E27FC236}">
@@ -21398,7 +21511,7 @@
 </p:sld>
 </file>
 
-<file path=ppt/slides/slide22.xml><?xml version="1.0" encoding="utf-8"?>
+<file path=ppt/slides/slide21.xml><?xml version="1.0" encoding="utf-8"?>
 <p:sld xmlns:a="http://schemas.openxmlformats.org/drawingml/2006/main" xmlns:r="http://schemas.openxmlformats.org/officeDocument/2006/relationships" xmlns:p="http://schemas.openxmlformats.org/presentationml/2006/main">
   <p:cSld>
     <p:spTree>
@@ -21634,7 +21747,7 @@
 </p:sld>
 </file>
 
-<file path=ppt/slides/slide23.xml><?xml version="1.0" encoding="utf-8"?>
+<file path=ppt/slides/slide22.xml><?xml version="1.0" encoding="utf-8"?>
 <p:sld xmlns:a="http://schemas.openxmlformats.org/drawingml/2006/main" xmlns:r="http://schemas.openxmlformats.org/officeDocument/2006/relationships" xmlns:p="http://schemas.openxmlformats.org/presentationml/2006/main">
   <p:cSld>
     <p:spTree>
@@ -22212,7 +22325,7 @@
 </p:sld>
 </file>
 
-<file path=ppt/slides/slide24.xml><?xml version="1.0" encoding="utf-8"?>
+<file path=ppt/slides/slide23.xml><?xml version="1.0" encoding="utf-8"?>
 <p:sld xmlns:a="http://schemas.openxmlformats.org/drawingml/2006/main" xmlns:r="http://schemas.openxmlformats.org/officeDocument/2006/relationships" xmlns:p="http://schemas.openxmlformats.org/presentationml/2006/main">
   <p:cSld>
     <p:spTree>
@@ -22417,7 +22530,7 @@
 </p:sld>
 </file>
 
-<file path=ppt/slides/slide25.xml><?xml version="1.0" encoding="utf-8"?>
+<file path=ppt/slides/slide24.xml><?xml version="1.0" encoding="utf-8"?>
 <p:sld xmlns:a="http://schemas.openxmlformats.org/drawingml/2006/main" xmlns:r="http://schemas.openxmlformats.org/officeDocument/2006/relationships" xmlns:p="http://schemas.openxmlformats.org/presentationml/2006/main">
   <p:cSld>
     <p:spTree>
@@ -22609,7 +22722,7 @@
 </p:sld>
 </file>
 
-<file path=ppt/slides/slide26.xml><?xml version="1.0" encoding="utf-8"?>
+<file path=ppt/slides/slide25.xml><?xml version="1.0" encoding="utf-8"?>
 <p:sld xmlns:a="http://schemas.openxmlformats.org/drawingml/2006/main" xmlns:r="http://schemas.openxmlformats.org/officeDocument/2006/relationships" xmlns:p="http://schemas.openxmlformats.org/presentationml/2006/main">
   <p:cSld>
     <p:spTree>
@@ -22807,7 +22920,7 @@
 </p:sld>
 </file>
 
-<file path=ppt/slides/slide27.xml><?xml version="1.0" encoding="utf-8"?>
+<file path=ppt/slides/slide26.xml><?xml version="1.0" encoding="utf-8"?>
 <p:sld xmlns:a="http://schemas.openxmlformats.org/drawingml/2006/main" xmlns:r="http://schemas.openxmlformats.org/officeDocument/2006/relationships" xmlns:p="http://schemas.openxmlformats.org/presentationml/2006/main">
   <p:cSld>
     <p:spTree>
@@ -22974,7 +23087,7 @@
 </p:sld>
 </file>
 
-<file path=ppt/slides/slide28.xml><?xml version="1.0" encoding="utf-8"?>
+<file path=ppt/slides/slide27.xml><?xml version="1.0" encoding="utf-8"?>
 <p:sld xmlns:a="http://schemas.openxmlformats.org/drawingml/2006/main" xmlns:r="http://schemas.openxmlformats.org/officeDocument/2006/relationships" xmlns:p="http://schemas.openxmlformats.org/presentationml/2006/main">
   <p:cSld>
     <p:spTree>
@@ -23141,7 +23254,7 @@
 </p:sld>
 </file>
 
-<file path=ppt/slides/slide29.xml><?xml version="1.0" encoding="utf-8"?>
+<file path=ppt/slides/slide28.xml><?xml version="1.0" encoding="utf-8"?>
 <p:sld xmlns:a="http://schemas.openxmlformats.org/drawingml/2006/main" xmlns:r="http://schemas.openxmlformats.org/officeDocument/2006/relationships" xmlns:p="http://schemas.openxmlformats.org/presentationml/2006/main">
   <p:cSld>
     <p:spTree>
@@ -23342,6 +23455,61 @@
         <p14:creationId xmlns:p14="http://schemas.microsoft.com/office/powerpoint/2010/main" val="718035545"/>
       </p:ext>
     </p:extLst>
+  </p:cSld>
+  <p:clrMapOvr>
+    <a:masterClrMapping/>
+  </p:clrMapOvr>
+</p:sld>
+</file>
+
+<file path=ppt/slides/slide29.xml><?xml version="1.0" encoding="utf-8"?>
+<p:sld xmlns:a="http://schemas.openxmlformats.org/drawingml/2006/main" xmlns:r="http://schemas.openxmlformats.org/officeDocument/2006/relationships" xmlns:p="http://schemas.openxmlformats.org/presentationml/2006/main">
+  <p:cSld>
+    <p:spTree>
+      <p:nvGrpSpPr>
+        <p:cNvPr id="1" name="Shape 360"/>
+        <p:cNvGrpSpPr/>
+        <p:nvPr/>
+      </p:nvGrpSpPr>
+      <p:grpSpPr>
+        <a:xfrm>
+          <a:off x="0" y="0"/>
+          <a:ext cx="0" cy="0"/>
+          <a:chOff x="0" y="0"/>
+          <a:chExt cx="0" cy="0"/>
+        </a:xfrm>
+      </p:grpSpPr>
+      <p:sp>
+        <p:nvSpPr>
+          <p:cNvPr id="361" name="Google Shape;361;p61"/>
+          <p:cNvSpPr txBox="1">
+            <a:spLocks noGrp="1"/>
+          </p:cNvSpPr>
+          <p:nvPr>
+            <p:ph type="ctrTitle"/>
+          </p:nvPr>
+        </p:nvSpPr>
+        <p:spPr>
+          <a:xfrm>
+            <a:off x="1454002" y="2226621"/>
+            <a:ext cx="6235995" cy="690258"/>
+          </a:xfrm>
+        </p:spPr>
+        <p:txBody>
+          <a:bodyPr spcFirstLastPara="1" wrap="square" lIns="34300" tIns="17150" rIns="34300" bIns="17150" anchor="ctr" anchorCtr="0">
+            <a:noAutofit/>
+          </a:bodyPr>
+          <a:lstStyle/>
+          <a:p>
+            <a:pPr lvl="0"/>
+            <a:r>
+              <a:rPr lang="en-GB"/>
+              <a:t>Power BI Interface</a:t>
+            </a:r>
+          </a:p>
+        </p:txBody>
+      </p:sp>
+    </p:spTree>
   </p:cSld>
   <p:clrMapOvr>
     <a:masterClrMapping/>
@@ -23586,61 +23754,6 @@
 </file>
 
 <file path=ppt/slides/slide30.xml><?xml version="1.0" encoding="utf-8"?>
-<p:sld xmlns:a="http://schemas.openxmlformats.org/drawingml/2006/main" xmlns:r="http://schemas.openxmlformats.org/officeDocument/2006/relationships" xmlns:p="http://schemas.openxmlformats.org/presentationml/2006/main">
-  <p:cSld>
-    <p:spTree>
-      <p:nvGrpSpPr>
-        <p:cNvPr id="1" name="Shape 360"/>
-        <p:cNvGrpSpPr/>
-        <p:nvPr/>
-      </p:nvGrpSpPr>
-      <p:grpSpPr>
-        <a:xfrm>
-          <a:off x="0" y="0"/>
-          <a:ext cx="0" cy="0"/>
-          <a:chOff x="0" y="0"/>
-          <a:chExt cx="0" cy="0"/>
-        </a:xfrm>
-      </p:grpSpPr>
-      <p:sp>
-        <p:nvSpPr>
-          <p:cNvPr id="361" name="Google Shape;361;p61"/>
-          <p:cNvSpPr txBox="1">
-            <a:spLocks noGrp="1"/>
-          </p:cNvSpPr>
-          <p:nvPr>
-            <p:ph type="ctrTitle"/>
-          </p:nvPr>
-        </p:nvSpPr>
-        <p:spPr>
-          <a:xfrm>
-            <a:off x="1454002" y="2226621"/>
-            <a:ext cx="6235995" cy="690258"/>
-          </a:xfrm>
-        </p:spPr>
-        <p:txBody>
-          <a:bodyPr spcFirstLastPara="1" wrap="square" lIns="34300" tIns="17150" rIns="34300" bIns="17150" anchor="ctr" anchorCtr="0">
-            <a:noAutofit/>
-          </a:bodyPr>
-          <a:lstStyle/>
-          <a:p>
-            <a:pPr lvl="0"/>
-            <a:r>
-              <a:rPr lang="en-GB"/>
-              <a:t>Power BI Interface</a:t>
-            </a:r>
-          </a:p>
-        </p:txBody>
-      </p:sp>
-    </p:spTree>
-  </p:cSld>
-  <p:clrMapOvr>
-    <a:masterClrMapping/>
-  </p:clrMapOvr>
-</p:sld>
-</file>
-
-<file path=ppt/slides/slide31.xml><?xml version="1.0" encoding="utf-8"?>
 <p:sld xmlns:a="http://schemas.openxmlformats.org/drawingml/2006/main" xmlns:r="http://schemas.openxmlformats.org/officeDocument/2006/relationships" xmlns:p="http://schemas.openxmlformats.org/presentationml/2006/main">
   <p:cSld>
     <p:spTree>
@@ -23942,7 +24055,7 @@
 </p:sld>
 </file>
 
-<file path=ppt/slides/slide32.xml><?xml version="1.0" encoding="utf-8"?>
+<file path=ppt/slides/slide31.xml><?xml version="1.0" encoding="utf-8"?>
 <p:sld xmlns:a="http://schemas.openxmlformats.org/drawingml/2006/main" xmlns:r="http://schemas.openxmlformats.org/officeDocument/2006/relationships" xmlns:p="http://schemas.openxmlformats.org/presentationml/2006/main">
   <p:cSld>
     <p:spTree>
@@ -24197,7 +24310,7 @@
 </p:sld>
 </file>
 
-<file path=ppt/slides/slide33.xml><?xml version="1.0" encoding="utf-8"?>
+<file path=ppt/slides/slide32.xml><?xml version="1.0" encoding="utf-8"?>
 <p:sld xmlns:a="http://schemas.openxmlformats.org/drawingml/2006/main" xmlns:r="http://schemas.openxmlformats.org/officeDocument/2006/relationships" xmlns:p="http://schemas.openxmlformats.org/presentationml/2006/main">
   <p:cSld>
     <p:spTree>
@@ -24676,7 +24789,7 @@
 </p:sld>
 </file>
 
-<file path=ppt/slides/slide34.xml><?xml version="1.0" encoding="utf-8"?>
+<file path=ppt/slides/slide33.xml><?xml version="1.0" encoding="utf-8"?>
 <p:sld xmlns:a="http://schemas.openxmlformats.org/drawingml/2006/main" xmlns:r="http://schemas.openxmlformats.org/officeDocument/2006/relationships" xmlns:p="http://schemas.openxmlformats.org/presentationml/2006/main">
   <p:cSld>
     <p:spTree>
@@ -25094,7 +25207,7 @@
 </p:sld>
 </file>
 
-<file path=ppt/slides/slide35.xml><?xml version="1.0" encoding="utf-8"?>
+<file path=ppt/slides/slide34.xml><?xml version="1.0" encoding="utf-8"?>
 <p:sld xmlns:a="http://schemas.openxmlformats.org/drawingml/2006/main" xmlns:r="http://schemas.openxmlformats.org/officeDocument/2006/relationships" xmlns:p="http://schemas.openxmlformats.org/presentationml/2006/main">
   <p:cSld>
     <p:spTree>
@@ -25506,7 +25619,7 @@
 </p:sld>
 </file>
 
-<file path=ppt/slides/slide36.xml><?xml version="1.0" encoding="utf-8"?>
+<file path=ppt/slides/slide35.xml><?xml version="1.0" encoding="utf-8"?>
 <p:sld xmlns:a="http://schemas.openxmlformats.org/drawingml/2006/main" xmlns:r="http://schemas.openxmlformats.org/officeDocument/2006/relationships" xmlns:p="http://schemas.openxmlformats.org/presentationml/2006/main">
   <p:cSld>
     <p:spTree>
@@ -25921,7 +26034,7 @@
 </p:sld>
 </file>
 
-<file path=ppt/slides/slide37.xml><?xml version="1.0" encoding="utf-8"?>
+<file path=ppt/slides/slide36.xml><?xml version="1.0" encoding="utf-8"?>
 <p:sld xmlns:a="http://schemas.openxmlformats.org/drawingml/2006/main" xmlns:r="http://schemas.openxmlformats.org/officeDocument/2006/relationships" xmlns:p="http://schemas.openxmlformats.org/presentationml/2006/main">
   <p:cSld>
     <p:spTree>
@@ -26484,7 +26597,7 @@
 </p:sld>
 </file>
 
-<file path=ppt/slides/slide38.xml><?xml version="1.0" encoding="utf-8"?>
+<file path=ppt/slides/slide37.xml><?xml version="1.0" encoding="utf-8"?>
 <p:sld xmlns:a="http://schemas.openxmlformats.org/drawingml/2006/main" xmlns:r="http://schemas.openxmlformats.org/officeDocument/2006/relationships" xmlns:p="http://schemas.openxmlformats.org/presentationml/2006/main">
   <p:cSld>
     <p:spTree>
@@ -26767,7 +26880,7 @@
 </p:sld>
 </file>
 
-<file path=ppt/slides/slide39.xml><?xml version="1.0" encoding="utf-8"?>
+<file path=ppt/slides/slide38.xml><?xml version="1.0" encoding="utf-8"?>
 <p:sld xmlns:a="http://schemas.openxmlformats.org/drawingml/2006/main" xmlns:r="http://schemas.openxmlformats.org/officeDocument/2006/relationships" xmlns:p="http://schemas.openxmlformats.org/presentationml/2006/main">
   <p:cSld>
     <p:spTree>
@@ -26830,253 +26943,7 @@
 </p:sld>
 </file>
 
-<file path=ppt/slides/slide4.xml><?xml version="1.0" encoding="utf-8"?>
-<p:sld xmlns:a="http://schemas.openxmlformats.org/drawingml/2006/main" xmlns:r="http://schemas.openxmlformats.org/officeDocument/2006/relationships" xmlns:p="http://schemas.openxmlformats.org/presentationml/2006/main">
-  <p:cSld>
-    <p:spTree>
-      <p:nvGrpSpPr>
-        <p:cNvPr id="1" name="">
-          <a:extLst>
-            <a:ext uri="{FF2B5EF4-FFF2-40B4-BE49-F238E27FC236}">
-              <a16:creationId xmlns:a16="http://schemas.microsoft.com/office/drawing/2014/main" id="{91335E55-C890-640E-CE03-B22D638F3EA2}"/>
-            </a:ext>
-          </a:extLst>
-        </p:cNvPr>
-        <p:cNvGrpSpPr/>
-        <p:nvPr/>
-      </p:nvGrpSpPr>
-      <p:grpSpPr>
-        <a:xfrm>
-          <a:off x="0" y="0"/>
-          <a:ext cx="0" cy="0"/>
-          <a:chOff x="0" y="0"/>
-          <a:chExt cx="0" cy="0"/>
-        </a:xfrm>
-      </p:grpSpPr>
-      <p:sp>
-        <p:nvSpPr>
-          <p:cNvPr id="2" name="Content Placeholder 1">
-            <a:extLst>
-              <a:ext uri="{FF2B5EF4-FFF2-40B4-BE49-F238E27FC236}">
-                <a16:creationId xmlns:a16="http://schemas.microsoft.com/office/drawing/2014/main" id="{AEDF0A56-CBA4-CF78-FA72-82375F15986E}"/>
-              </a:ext>
-            </a:extLst>
-          </p:cNvPr>
-          <p:cNvSpPr>
-            <a:spLocks noGrp="1"/>
-          </p:cNvSpPr>
-          <p:nvPr>
-            <p:ph idx="1"/>
-          </p:nvPr>
-        </p:nvSpPr>
-        <p:spPr/>
-        <p:txBody>
-          <a:bodyPr/>
-          <a:lstStyle/>
-          <a:p>
-            <a:pPr>
-              <a:buNone/>
-            </a:pPr>
-            <a:r>
-              <a:rPr lang="en-GB" b="1" dirty="0"/>
-              <a:t>Topics Covered:</a:t>
-            </a:r>
-            <a:endParaRPr lang="en-GB" dirty="0"/>
-          </a:p>
-          <a:p>
-            <a:pPr>
-              <a:buFont typeface="Arial" panose="020B0604020202020204" pitchFamily="34" charset="0"/>
-              <a:buChar char="•"/>
-            </a:pPr>
-            <a:r>
-              <a:rPr lang="en-GB" b="1" dirty="0"/>
-              <a:t>Introduction to Power BI</a:t>
-            </a:r>
-            <a:endParaRPr lang="en-GB" dirty="0"/>
-          </a:p>
-          <a:p>
-            <a:pPr marL="742950" lvl="1" indent="-285750">
-              <a:buFont typeface="Arial" panose="020B0604020202020204" pitchFamily="34" charset="0"/>
-              <a:buChar char="•"/>
-            </a:pPr>
-            <a:r>
-              <a:rPr lang="en-GB" dirty="0"/>
-              <a:t>Power BI Interface, Data Loading, and Relationships</a:t>
-            </a:r>
-          </a:p>
-          <a:p>
-            <a:pPr marL="742950" lvl="1" indent="-285750">
-              <a:buFont typeface="Arial" panose="020B0604020202020204" pitchFamily="34" charset="0"/>
-              <a:buChar char="•"/>
-            </a:pPr>
-            <a:r>
-              <a:rPr lang="en-GB" dirty="0"/>
-              <a:t>Basics of DAX for calculated fields</a:t>
-            </a:r>
-          </a:p>
-          <a:p>
-            <a:pPr>
-              <a:buFont typeface="Arial" panose="020B0604020202020204" pitchFamily="34" charset="0"/>
-              <a:buChar char="•"/>
-            </a:pPr>
-            <a:r>
-              <a:rPr lang="en-GB" b="1" dirty="0"/>
-              <a:t>Data </a:t>
-            </a:r>
-            <a:r>
-              <a:rPr lang="en-GB" b="1" dirty="0" err="1"/>
-              <a:t>Modeling</a:t>
-            </a:r>
-            <a:r>
-              <a:rPr lang="en-GB" b="1" dirty="0"/>
-              <a:t> and Measures</a:t>
-            </a:r>
-            <a:endParaRPr lang="en-GB" dirty="0"/>
-          </a:p>
-          <a:p>
-            <a:pPr marL="742950" lvl="1" indent="-285750">
-              <a:buFont typeface="Arial" panose="020B0604020202020204" pitchFamily="34" charset="0"/>
-              <a:buChar char="•"/>
-            </a:pPr>
-            <a:r>
-              <a:rPr lang="en-GB" dirty="0"/>
-              <a:t>Creating Measures and Calculated Columns</a:t>
-            </a:r>
-          </a:p>
-          <a:p>
-            <a:pPr marL="742950" lvl="1" indent="-285750">
-              <a:buFont typeface="Arial" panose="020B0604020202020204" pitchFamily="34" charset="0"/>
-              <a:buChar char="•"/>
-            </a:pPr>
-            <a:r>
-              <a:rPr lang="en-GB" dirty="0"/>
-              <a:t>Understanding filter context and row context</a:t>
-            </a:r>
-          </a:p>
-          <a:p>
-            <a:pPr>
-              <a:buFont typeface="Arial" panose="020B0604020202020204" pitchFamily="34" charset="0"/>
-              <a:buChar char="•"/>
-            </a:pPr>
-            <a:r>
-              <a:rPr lang="en-GB" b="1" dirty="0"/>
-              <a:t>Report Building and Dashboards</a:t>
-            </a:r>
-            <a:endParaRPr lang="en-GB" dirty="0"/>
-          </a:p>
-          <a:p>
-            <a:pPr marL="742950" lvl="1" indent="-285750">
-              <a:buFont typeface="Arial" panose="020B0604020202020204" pitchFamily="34" charset="0"/>
-              <a:buChar char="•"/>
-            </a:pPr>
-            <a:r>
-              <a:rPr lang="en-GB" dirty="0"/>
-              <a:t>Visualizations, Bookmarks, Tooltips, and </a:t>
-            </a:r>
-            <a:r>
-              <a:rPr lang="en-GB" dirty="0" err="1"/>
-              <a:t>Drillthrough</a:t>
-            </a:r>
-            <a:endParaRPr lang="en-GB" dirty="0"/>
-          </a:p>
-          <a:p>
-            <a:pPr marL="742950" lvl="1" indent="-285750">
-              <a:buFont typeface="Arial" panose="020B0604020202020204" pitchFamily="34" charset="0"/>
-              <a:buChar char="•"/>
-            </a:pPr>
-            <a:r>
-              <a:rPr lang="en-GB" dirty="0"/>
-              <a:t>Dashboard storytelling with slicers and interactivity</a:t>
-            </a:r>
-          </a:p>
-          <a:p>
-            <a:pPr>
-              <a:buFont typeface="Arial" panose="020B0604020202020204" pitchFamily="34" charset="0"/>
-              <a:buChar char="•"/>
-            </a:pPr>
-            <a:r>
-              <a:rPr lang="en-GB" b="1" dirty="0"/>
-              <a:t>Excel &amp; Power BI Integration</a:t>
-            </a:r>
-            <a:endParaRPr lang="en-GB" dirty="0"/>
-          </a:p>
-          <a:p>
-            <a:pPr marL="742950" lvl="1" indent="-285750">
-              <a:buFont typeface="Arial" panose="020B0604020202020204" pitchFamily="34" charset="0"/>
-              <a:buChar char="•"/>
-            </a:pPr>
-            <a:r>
-              <a:rPr lang="en-GB" dirty="0"/>
-              <a:t>Connecting Excel to Power BI datasets</a:t>
-            </a:r>
-          </a:p>
-          <a:p>
-            <a:pPr marL="742950" lvl="1" indent="-285750">
-              <a:buFont typeface="Arial" panose="020B0604020202020204" pitchFamily="34" charset="0"/>
-              <a:buChar char="•"/>
-            </a:pPr>
-            <a:r>
-              <a:rPr lang="en-GB" dirty="0"/>
-              <a:t>Using Excel PivotTables with Power BI data</a:t>
-            </a:r>
-          </a:p>
-          <a:p>
-            <a:pPr marL="742950" lvl="1" indent="-285750">
-              <a:buFont typeface="Arial" panose="020B0604020202020204" pitchFamily="34" charset="0"/>
-              <a:buChar char="•"/>
-            </a:pPr>
-            <a:r>
-              <a:rPr lang="en-GB" dirty="0"/>
-              <a:t>Exporting Excel visuals into Power BI</a:t>
-            </a:r>
-          </a:p>
-          <a:p>
-            <a:endParaRPr lang="en-IN" dirty="0"/>
-          </a:p>
-        </p:txBody>
-      </p:sp>
-      <p:sp>
-        <p:nvSpPr>
-          <p:cNvPr id="3" name="Text Placeholder 2">
-            <a:extLst>
-              <a:ext uri="{FF2B5EF4-FFF2-40B4-BE49-F238E27FC236}">
-                <a16:creationId xmlns:a16="http://schemas.microsoft.com/office/drawing/2014/main" id="{49E1F653-9C39-B882-545F-7B627B07F7A5}"/>
-              </a:ext>
-            </a:extLst>
-          </p:cNvPr>
-          <p:cNvSpPr>
-            <a:spLocks noGrp="1"/>
-          </p:cNvSpPr>
-          <p:nvPr>
-            <p:ph type="body" sz="quarter" idx="10"/>
-          </p:nvPr>
-        </p:nvSpPr>
-        <p:spPr/>
-        <p:txBody>
-          <a:bodyPr/>
-          <a:lstStyle/>
-          <a:p>
-            <a:r>
-              <a:rPr lang="en-GB" b="1" dirty="0"/>
-              <a:t>Day 2 – Power BI &amp; Excel Integration</a:t>
-            </a:r>
-          </a:p>
-        </p:txBody>
-      </p:sp>
-    </p:spTree>
-    <p:extLst>
-      <p:ext uri="{BB962C8B-B14F-4D97-AF65-F5344CB8AC3E}">
-        <p14:creationId xmlns:p14="http://schemas.microsoft.com/office/powerpoint/2010/main" val="2678049303"/>
-      </p:ext>
-    </p:extLst>
-  </p:cSld>
-  <p:clrMapOvr>
-    <a:masterClrMapping/>
-  </p:clrMapOvr>
-</p:sld>
-</file>
-
-<file path=ppt/slides/slide40.xml><?xml version="1.0" encoding="utf-8"?>
+<file path=ppt/slides/slide39.xml><?xml version="1.0" encoding="utf-8"?>
 <p:sld xmlns:a="http://schemas.openxmlformats.org/drawingml/2006/main" xmlns:r="http://schemas.openxmlformats.org/officeDocument/2006/relationships" xmlns:p="http://schemas.openxmlformats.org/presentationml/2006/main">
   <p:cSld>
     <p:spTree>
@@ -27283,7 +27150,253 @@
 </p:sld>
 </file>
 
-<file path=ppt/slides/slide41.xml><?xml version="1.0" encoding="utf-8"?>
+<file path=ppt/slides/slide4.xml><?xml version="1.0" encoding="utf-8"?>
+<p:sld xmlns:a="http://schemas.openxmlformats.org/drawingml/2006/main" xmlns:r="http://schemas.openxmlformats.org/officeDocument/2006/relationships" xmlns:p="http://schemas.openxmlformats.org/presentationml/2006/main">
+  <p:cSld>
+    <p:spTree>
+      <p:nvGrpSpPr>
+        <p:cNvPr id="1" name="">
+          <a:extLst>
+            <a:ext uri="{FF2B5EF4-FFF2-40B4-BE49-F238E27FC236}">
+              <a16:creationId xmlns:a16="http://schemas.microsoft.com/office/drawing/2014/main" id="{91335E55-C890-640E-CE03-B22D638F3EA2}"/>
+            </a:ext>
+          </a:extLst>
+        </p:cNvPr>
+        <p:cNvGrpSpPr/>
+        <p:nvPr/>
+      </p:nvGrpSpPr>
+      <p:grpSpPr>
+        <a:xfrm>
+          <a:off x="0" y="0"/>
+          <a:ext cx="0" cy="0"/>
+          <a:chOff x="0" y="0"/>
+          <a:chExt cx="0" cy="0"/>
+        </a:xfrm>
+      </p:grpSpPr>
+      <p:sp>
+        <p:nvSpPr>
+          <p:cNvPr id="2" name="Content Placeholder 1">
+            <a:extLst>
+              <a:ext uri="{FF2B5EF4-FFF2-40B4-BE49-F238E27FC236}">
+                <a16:creationId xmlns:a16="http://schemas.microsoft.com/office/drawing/2014/main" id="{AEDF0A56-CBA4-CF78-FA72-82375F15986E}"/>
+              </a:ext>
+            </a:extLst>
+          </p:cNvPr>
+          <p:cNvSpPr>
+            <a:spLocks noGrp="1"/>
+          </p:cNvSpPr>
+          <p:nvPr>
+            <p:ph idx="1"/>
+          </p:nvPr>
+        </p:nvSpPr>
+        <p:spPr/>
+        <p:txBody>
+          <a:bodyPr/>
+          <a:lstStyle/>
+          <a:p>
+            <a:pPr>
+              <a:buNone/>
+            </a:pPr>
+            <a:r>
+              <a:rPr lang="en-GB" b="1" dirty="0"/>
+              <a:t>Topics Covered:</a:t>
+            </a:r>
+            <a:endParaRPr lang="en-GB" dirty="0"/>
+          </a:p>
+          <a:p>
+            <a:pPr>
+              <a:buFont typeface="Arial" panose="020B0604020202020204" pitchFamily="34" charset="0"/>
+              <a:buChar char="•"/>
+            </a:pPr>
+            <a:r>
+              <a:rPr lang="en-GB" b="1" dirty="0"/>
+              <a:t>Introduction to Power BI</a:t>
+            </a:r>
+            <a:endParaRPr lang="en-GB" dirty="0"/>
+          </a:p>
+          <a:p>
+            <a:pPr marL="742950" lvl="1" indent="-285750">
+              <a:buFont typeface="Arial" panose="020B0604020202020204" pitchFamily="34" charset="0"/>
+              <a:buChar char="•"/>
+            </a:pPr>
+            <a:r>
+              <a:rPr lang="en-GB" dirty="0"/>
+              <a:t>Power BI Interface, Data Loading, and Relationships</a:t>
+            </a:r>
+          </a:p>
+          <a:p>
+            <a:pPr marL="742950" lvl="1" indent="-285750">
+              <a:buFont typeface="Arial" panose="020B0604020202020204" pitchFamily="34" charset="0"/>
+              <a:buChar char="•"/>
+            </a:pPr>
+            <a:r>
+              <a:rPr lang="en-GB" dirty="0"/>
+              <a:t>Basics of DAX for calculated fields</a:t>
+            </a:r>
+          </a:p>
+          <a:p>
+            <a:pPr>
+              <a:buFont typeface="Arial" panose="020B0604020202020204" pitchFamily="34" charset="0"/>
+              <a:buChar char="•"/>
+            </a:pPr>
+            <a:r>
+              <a:rPr lang="en-GB" b="1" dirty="0"/>
+              <a:t>Data </a:t>
+            </a:r>
+            <a:r>
+              <a:rPr lang="en-GB" b="1" dirty="0" err="1"/>
+              <a:t>Modeling</a:t>
+            </a:r>
+            <a:r>
+              <a:rPr lang="en-GB" b="1" dirty="0"/>
+              <a:t> and Measures</a:t>
+            </a:r>
+            <a:endParaRPr lang="en-GB" dirty="0"/>
+          </a:p>
+          <a:p>
+            <a:pPr marL="742950" lvl="1" indent="-285750">
+              <a:buFont typeface="Arial" panose="020B0604020202020204" pitchFamily="34" charset="0"/>
+              <a:buChar char="•"/>
+            </a:pPr>
+            <a:r>
+              <a:rPr lang="en-GB" dirty="0"/>
+              <a:t>Creating Measures and Calculated Columns</a:t>
+            </a:r>
+          </a:p>
+          <a:p>
+            <a:pPr marL="742950" lvl="1" indent="-285750">
+              <a:buFont typeface="Arial" panose="020B0604020202020204" pitchFamily="34" charset="0"/>
+              <a:buChar char="•"/>
+            </a:pPr>
+            <a:r>
+              <a:rPr lang="en-GB" dirty="0"/>
+              <a:t>Understanding filter context and row context</a:t>
+            </a:r>
+          </a:p>
+          <a:p>
+            <a:pPr>
+              <a:buFont typeface="Arial" panose="020B0604020202020204" pitchFamily="34" charset="0"/>
+              <a:buChar char="•"/>
+            </a:pPr>
+            <a:r>
+              <a:rPr lang="en-GB" b="1" dirty="0"/>
+              <a:t>Report Building and Dashboards</a:t>
+            </a:r>
+            <a:endParaRPr lang="en-GB" dirty="0"/>
+          </a:p>
+          <a:p>
+            <a:pPr marL="742950" lvl="1" indent="-285750">
+              <a:buFont typeface="Arial" panose="020B0604020202020204" pitchFamily="34" charset="0"/>
+              <a:buChar char="•"/>
+            </a:pPr>
+            <a:r>
+              <a:rPr lang="en-GB" dirty="0"/>
+              <a:t>Visualizations, Bookmarks, Tooltips, and </a:t>
+            </a:r>
+            <a:r>
+              <a:rPr lang="en-GB" dirty="0" err="1"/>
+              <a:t>Drillthrough</a:t>
+            </a:r>
+            <a:endParaRPr lang="en-GB" dirty="0"/>
+          </a:p>
+          <a:p>
+            <a:pPr marL="742950" lvl="1" indent="-285750">
+              <a:buFont typeface="Arial" panose="020B0604020202020204" pitchFamily="34" charset="0"/>
+              <a:buChar char="•"/>
+            </a:pPr>
+            <a:r>
+              <a:rPr lang="en-GB" dirty="0"/>
+              <a:t>Dashboard storytelling with slicers and interactivity</a:t>
+            </a:r>
+          </a:p>
+          <a:p>
+            <a:pPr>
+              <a:buFont typeface="Arial" panose="020B0604020202020204" pitchFamily="34" charset="0"/>
+              <a:buChar char="•"/>
+            </a:pPr>
+            <a:r>
+              <a:rPr lang="en-GB" b="1" dirty="0"/>
+              <a:t>Excel &amp; Power BI Integration</a:t>
+            </a:r>
+            <a:endParaRPr lang="en-GB" dirty="0"/>
+          </a:p>
+          <a:p>
+            <a:pPr marL="742950" lvl="1" indent="-285750">
+              <a:buFont typeface="Arial" panose="020B0604020202020204" pitchFamily="34" charset="0"/>
+              <a:buChar char="•"/>
+            </a:pPr>
+            <a:r>
+              <a:rPr lang="en-GB" dirty="0"/>
+              <a:t>Connecting Excel to Power BI datasets</a:t>
+            </a:r>
+          </a:p>
+          <a:p>
+            <a:pPr marL="742950" lvl="1" indent="-285750">
+              <a:buFont typeface="Arial" panose="020B0604020202020204" pitchFamily="34" charset="0"/>
+              <a:buChar char="•"/>
+            </a:pPr>
+            <a:r>
+              <a:rPr lang="en-GB" dirty="0"/>
+              <a:t>Using Excel PivotTables with Power BI data</a:t>
+            </a:r>
+          </a:p>
+          <a:p>
+            <a:pPr marL="742950" lvl="1" indent="-285750">
+              <a:buFont typeface="Arial" panose="020B0604020202020204" pitchFamily="34" charset="0"/>
+              <a:buChar char="•"/>
+            </a:pPr>
+            <a:r>
+              <a:rPr lang="en-GB" dirty="0"/>
+              <a:t>Exporting Excel visuals into Power BI</a:t>
+            </a:r>
+          </a:p>
+          <a:p>
+            <a:endParaRPr lang="en-IN" dirty="0"/>
+          </a:p>
+        </p:txBody>
+      </p:sp>
+      <p:sp>
+        <p:nvSpPr>
+          <p:cNvPr id="3" name="Text Placeholder 2">
+            <a:extLst>
+              <a:ext uri="{FF2B5EF4-FFF2-40B4-BE49-F238E27FC236}">
+                <a16:creationId xmlns:a16="http://schemas.microsoft.com/office/drawing/2014/main" id="{49E1F653-9C39-B882-545F-7B627B07F7A5}"/>
+              </a:ext>
+            </a:extLst>
+          </p:cNvPr>
+          <p:cNvSpPr>
+            <a:spLocks noGrp="1"/>
+          </p:cNvSpPr>
+          <p:nvPr>
+            <p:ph type="body" sz="quarter" idx="10"/>
+          </p:nvPr>
+        </p:nvSpPr>
+        <p:spPr/>
+        <p:txBody>
+          <a:bodyPr/>
+          <a:lstStyle/>
+          <a:p>
+            <a:r>
+              <a:rPr lang="en-GB" b="1" dirty="0"/>
+              <a:t>Day 2 – Power BI &amp; Excel Integration</a:t>
+            </a:r>
+          </a:p>
+        </p:txBody>
+      </p:sp>
+    </p:spTree>
+    <p:extLst>
+      <p:ext uri="{BB962C8B-B14F-4D97-AF65-F5344CB8AC3E}">
+        <p14:creationId xmlns:p14="http://schemas.microsoft.com/office/powerpoint/2010/main" val="2678049303"/>
+      </p:ext>
+    </p:extLst>
+  </p:cSld>
+  <p:clrMapOvr>
+    <a:masterClrMapping/>
+  </p:clrMapOvr>
+</p:sld>
+</file>
+
+<file path=ppt/slides/slide40.xml><?xml version="1.0" encoding="utf-8"?>
 <p:sld xmlns:a="http://schemas.openxmlformats.org/drawingml/2006/main" xmlns:r="http://schemas.openxmlformats.org/officeDocument/2006/relationships" xmlns:p="http://schemas.openxmlformats.org/presentationml/2006/main">
   <p:cSld>
     <p:spTree>
@@ -27507,7 +27620,7 @@
 </p:sld>
 </file>
 
-<file path=ppt/slides/slide42.xml><?xml version="1.0" encoding="utf-8"?>
+<file path=ppt/slides/slide41.xml><?xml version="1.0" encoding="utf-8"?>
 <p:sld xmlns:a="http://schemas.openxmlformats.org/drawingml/2006/main" xmlns:r="http://schemas.openxmlformats.org/officeDocument/2006/relationships" xmlns:p="http://schemas.openxmlformats.org/presentationml/2006/main">
   <p:cSld>
     <p:spTree>
@@ -27813,7 +27926,7 @@
 </p:sld>
 </file>
 
-<file path=ppt/slides/slide43.xml><?xml version="1.0" encoding="utf-8"?>
+<file path=ppt/slides/slide42.xml><?xml version="1.0" encoding="utf-8"?>
 <p:sld xmlns:a="http://schemas.openxmlformats.org/drawingml/2006/main" xmlns:r="http://schemas.openxmlformats.org/officeDocument/2006/relationships" xmlns:p="http://schemas.openxmlformats.org/presentationml/2006/main">
   <p:cSld>
     <p:spTree>
@@ -27977,7 +28090,7 @@
 </p:sld>
 </file>
 
-<file path=ppt/slides/slide44.xml><?xml version="1.0" encoding="utf-8"?>
+<file path=ppt/slides/slide43.xml><?xml version="1.0" encoding="utf-8"?>
 <p:sld xmlns:a="http://schemas.openxmlformats.org/drawingml/2006/main" xmlns:r="http://schemas.openxmlformats.org/officeDocument/2006/relationships" xmlns:p="http://schemas.openxmlformats.org/presentationml/2006/main">
   <p:cSld>
     <p:spTree>
@@ -28172,7 +28285,7 @@
 </p:sld>
 </file>
 
-<file path=ppt/slides/slide45.xml><?xml version="1.0" encoding="utf-8"?>
+<file path=ppt/slides/slide44.xml><?xml version="1.0" encoding="utf-8"?>
 <p:sld xmlns:a="http://schemas.openxmlformats.org/drawingml/2006/main" xmlns:r="http://schemas.openxmlformats.org/officeDocument/2006/relationships" xmlns:p="http://schemas.openxmlformats.org/presentationml/2006/main">
   <p:cSld>
     <p:spTree>
@@ -28491,7 +28604,7 @@
 </p:sld>
 </file>
 
-<file path=ppt/slides/slide46.xml><?xml version="1.0" encoding="utf-8"?>
+<file path=ppt/slides/slide45.xml><?xml version="1.0" encoding="utf-8"?>
 <p:sld xmlns:a="http://schemas.openxmlformats.org/drawingml/2006/main" xmlns:r="http://schemas.openxmlformats.org/officeDocument/2006/relationships" xmlns:p="http://schemas.openxmlformats.org/presentationml/2006/main">
   <p:cSld>
     <p:spTree>
@@ -28671,7 +28784,7 @@
 </p:sld>
 </file>
 
-<file path=ppt/slides/slide47.xml><?xml version="1.0" encoding="utf-8"?>
+<file path=ppt/slides/slide46.xml><?xml version="1.0" encoding="utf-8"?>
 <p:sld xmlns:a="http://schemas.openxmlformats.org/drawingml/2006/main" xmlns:r="http://schemas.openxmlformats.org/officeDocument/2006/relationships" xmlns:p="http://schemas.openxmlformats.org/presentationml/2006/main">
   <p:cSld>
     <p:spTree>
@@ -28725,7 +28838,7 @@
 </p:sld>
 </file>
 
-<file path=ppt/slides/slide48.xml><?xml version="1.0" encoding="utf-8"?>
+<file path=ppt/slides/slide47.xml><?xml version="1.0" encoding="utf-8"?>
 <p:sld xmlns:a="http://schemas.openxmlformats.org/drawingml/2006/main" xmlns:r="http://schemas.openxmlformats.org/officeDocument/2006/relationships" xmlns:p="http://schemas.openxmlformats.org/presentationml/2006/main">
   <p:cSld>
     <p:spTree>
@@ -28984,7 +29097,7 @@
 </p:sld>
 </file>
 
-<file path=ppt/slides/slide49.xml><?xml version="1.0" encoding="utf-8"?>
+<file path=ppt/slides/slide48.xml><?xml version="1.0" encoding="utf-8"?>
 <p:sld xmlns:a="http://schemas.openxmlformats.org/drawingml/2006/main" xmlns:r="http://schemas.openxmlformats.org/officeDocument/2006/relationships" xmlns:p="http://schemas.openxmlformats.org/presentationml/2006/main">
   <p:cSld>
     <p:spTree>
@@ -29199,68 +29312,7 @@
 </p:sld>
 </file>
 
-<file path=ppt/slides/slide5.xml><?xml version="1.0" encoding="utf-8"?>
-<p:sld xmlns:a="http://schemas.openxmlformats.org/drawingml/2006/main" xmlns:r="http://schemas.openxmlformats.org/officeDocument/2006/relationships" xmlns:p="http://schemas.openxmlformats.org/presentationml/2006/main">
-  <p:cSld>
-    <p:spTree>
-      <p:nvGrpSpPr>
-        <p:cNvPr id="1" name=""/>
-        <p:cNvGrpSpPr/>
-        <p:nvPr/>
-      </p:nvGrpSpPr>
-      <p:grpSpPr>
-        <a:xfrm>
-          <a:off x="0" y="0"/>
-          <a:ext cx="0" cy="0"/>
-          <a:chOff x="0" y="0"/>
-          <a:chExt cx="0" cy="0"/>
-        </a:xfrm>
-      </p:grpSpPr>
-      <p:sp>
-        <p:nvSpPr>
-          <p:cNvPr id="2" name="Title 1">
-            <a:extLst>
-              <a:ext uri="{FF2B5EF4-FFF2-40B4-BE49-F238E27FC236}">
-                <a16:creationId xmlns:a16="http://schemas.microsoft.com/office/drawing/2014/main" id="{3E3DE1A6-CF3A-6F2A-BEED-41F087DCEE9C}"/>
-              </a:ext>
-            </a:extLst>
-          </p:cNvPr>
-          <p:cNvSpPr>
-            <a:spLocks noGrp="1"/>
-          </p:cNvSpPr>
-          <p:nvPr>
-            <p:ph type="ctrTitle"/>
-          </p:nvPr>
-        </p:nvSpPr>
-        <p:spPr/>
-        <p:txBody>
-          <a:bodyPr>
-            <a:normAutofit/>
-          </a:bodyPr>
-          <a:lstStyle/>
-          <a:p>
-            <a:r>
-              <a:rPr lang="en-GB" dirty="0"/>
-              <a:t>Day 1 – Advanced Excel &amp; AI Integration</a:t>
-            </a:r>
-            <a:endParaRPr lang="en-IN" dirty="0"/>
-          </a:p>
-        </p:txBody>
-      </p:sp>
-    </p:spTree>
-    <p:extLst>
-      <p:ext uri="{BB962C8B-B14F-4D97-AF65-F5344CB8AC3E}">
-        <p14:creationId xmlns:p14="http://schemas.microsoft.com/office/powerpoint/2010/main" val="1648495929"/>
-      </p:ext>
-    </p:extLst>
-  </p:cSld>
-  <p:clrMapOvr>
-    <a:masterClrMapping/>
-  </p:clrMapOvr>
-</p:sld>
-</file>
-
-<file path=ppt/slides/slide50.xml><?xml version="1.0" encoding="utf-8"?>
+<file path=ppt/slides/slide49.xml><?xml version="1.0" encoding="utf-8"?>
 <p:sld xmlns:a="http://schemas.openxmlformats.org/drawingml/2006/main" xmlns:r="http://schemas.openxmlformats.org/officeDocument/2006/relationships" xmlns:p="http://schemas.openxmlformats.org/presentationml/2006/main">
   <p:cSld>
     <p:spTree>
@@ -29470,7 +29522,68 @@
 </p:sld>
 </file>
 
-<file path=ppt/slides/slide51.xml><?xml version="1.0" encoding="utf-8"?>
+<file path=ppt/slides/slide5.xml><?xml version="1.0" encoding="utf-8"?>
+<p:sld xmlns:a="http://schemas.openxmlformats.org/drawingml/2006/main" xmlns:r="http://schemas.openxmlformats.org/officeDocument/2006/relationships" xmlns:p="http://schemas.openxmlformats.org/presentationml/2006/main">
+  <p:cSld>
+    <p:spTree>
+      <p:nvGrpSpPr>
+        <p:cNvPr id="1" name=""/>
+        <p:cNvGrpSpPr/>
+        <p:nvPr/>
+      </p:nvGrpSpPr>
+      <p:grpSpPr>
+        <a:xfrm>
+          <a:off x="0" y="0"/>
+          <a:ext cx="0" cy="0"/>
+          <a:chOff x="0" y="0"/>
+          <a:chExt cx="0" cy="0"/>
+        </a:xfrm>
+      </p:grpSpPr>
+      <p:sp>
+        <p:nvSpPr>
+          <p:cNvPr id="2" name="Title 1">
+            <a:extLst>
+              <a:ext uri="{FF2B5EF4-FFF2-40B4-BE49-F238E27FC236}">
+                <a16:creationId xmlns:a16="http://schemas.microsoft.com/office/drawing/2014/main" id="{3E3DE1A6-CF3A-6F2A-BEED-41F087DCEE9C}"/>
+              </a:ext>
+            </a:extLst>
+          </p:cNvPr>
+          <p:cNvSpPr>
+            <a:spLocks noGrp="1"/>
+          </p:cNvSpPr>
+          <p:nvPr>
+            <p:ph type="ctrTitle"/>
+          </p:nvPr>
+        </p:nvSpPr>
+        <p:spPr/>
+        <p:txBody>
+          <a:bodyPr>
+            <a:normAutofit/>
+          </a:bodyPr>
+          <a:lstStyle/>
+          <a:p>
+            <a:r>
+              <a:rPr lang="en-GB" dirty="0"/>
+              <a:t>Day 1 – Advanced Excel &amp; AI Integration</a:t>
+            </a:r>
+            <a:endParaRPr lang="en-IN" dirty="0"/>
+          </a:p>
+        </p:txBody>
+      </p:sp>
+    </p:spTree>
+    <p:extLst>
+      <p:ext uri="{BB962C8B-B14F-4D97-AF65-F5344CB8AC3E}">
+        <p14:creationId xmlns:p14="http://schemas.microsoft.com/office/powerpoint/2010/main" val="1648495929"/>
+      </p:ext>
+    </p:extLst>
+  </p:cSld>
+  <p:clrMapOvr>
+    <a:masterClrMapping/>
+  </p:clrMapOvr>
+</p:sld>
+</file>
+
+<file path=ppt/slides/slide50.xml><?xml version="1.0" encoding="utf-8"?>
 <p:sld xmlns:a="http://schemas.openxmlformats.org/drawingml/2006/main" xmlns:r="http://schemas.openxmlformats.org/officeDocument/2006/relationships" xmlns:p="http://schemas.openxmlformats.org/presentationml/2006/main">
   <p:cSld>
     <p:spTree>
@@ -30145,7 +30258,7 @@
 </p:sld>
 </file>
 
-<file path=ppt/slides/slide52.xml><?xml version="1.0" encoding="utf-8"?>
+<file path=ppt/slides/slide51.xml><?xml version="1.0" encoding="utf-8"?>
 <p:sld xmlns:a="http://schemas.openxmlformats.org/drawingml/2006/main" xmlns:r="http://schemas.openxmlformats.org/officeDocument/2006/relationships" xmlns:p="http://schemas.openxmlformats.org/presentationml/2006/main">
   <p:cSld>
     <p:spTree>
@@ -30806,7 +30919,7 @@
 </p:sld>
 </file>
 
-<file path=ppt/slides/slide53.xml><?xml version="1.0" encoding="utf-8"?>
+<file path=ppt/slides/slide52.xml><?xml version="1.0" encoding="utf-8"?>
 <p:sld xmlns:a="http://schemas.openxmlformats.org/drawingml/2006/main" xmlns:r="http://schemas.openxmlformats.org/officeDocument/2006/relationships" xmlns:p="http://schemas.openxmlformats.org/presentationml/2006/main">
   <p:cSld>
     <p:spTree>
@@ -31041,7 +31154,7 @@
 </p:sld>
 </file>
 
-<file path=ppt/slides/slide54.xml><?xml version="1.0" encoding="utf-8"?>
+<file path=ppt/slides/slide53.xml><?xml version="1.0" encoding="utf-8"?>
 <p:sld xmlns:a="http://schemas.openxmlformats.org/drawingml/2006/main" xmlns:r="http://schemas.openxmlformats.org/officeDocument/2006/relationships" xmlns:p="http://schemas.openxmlformats.org/presentationml/2006/main">
   <p:cSld>
     <p:spTree>
@@ -31795,97 +31908,7 @@
 </p:sld>
 </file>
 
-<file path=ppt/slides/slide55.xml><?xml version="1.0" encoding="utf-8"?>
-<p:sld xmlns:a="http://schemas.openxmlformats.org/drawingml/2006/main" xmlns:r="http://schemas.openxmlformats.org/officeDocument/2006/relationships" xmlns:p="http://schemas.openxmlformats.org/presentationml/2006/main">
-  <p:cSld>
-    <p:spTree>
-      <p:nvGrpSpPr>
-        <p:cNvPr id="1" name=""/>
-        <p:cNvGrpSpPr/>
-        <p:nvPr/>
-      </p:nvGrpSpPr>
-      <p:grpSpPr>
-        <a:xfrm>
-          <a:off x="0" y="0"/>
-          <a:ext cx="0" cy="0"/>
-          <a:chOff x="0" y="0"/>
-          <a:chExt cx="0" cy="0"/>
-        </a:xfrm>
-      </p:grpSpPr>
-      <p:sp>
-        <p:nvSpPr>
-          <p:cNvPr id="2" name="Content Placeholder 1">
-            <a:extLst>
-              <a:ext uri="{FF2B5EF4-FFF2-40B4-BE49-F238E27FC236}">
-                <a16:creationId xmlns:a16="http://schemas.microsoft.com/office/drawing/2014/main" id="{DA8A5C30-2CF0-C3DE-22A5-8695D153E38C}"/>
-              </a:ext>
-            </a:extLst>
-          </p:cNvPr>
-          <p:cNvSpPr>
-            <a:spLocks noGrp="1"/>
-          </p:cNvSpPr>
-          <p:nvPr>
-            <p:ph idx="1"/>
-          </p:nvPr>
-        </p:nvSpPr>
-        <p:spPr/>
-        <p:txBody>
-          <a:bodyPr>
-            <a:normAutofit/>
-          </a:bodyPr>
-          <a:lstStyle/>
-          <a:p>
-            <a:pPr>
-              <a:lnSpc>
-                <a:spcPct val="200000"/>
-              </a:lnSpc>
-            </a:pPr>
-            <a:r>
-              <a:rPr lang="en-US" dirty="0"/>
-              <a:t>Example : Use GDP dataset for following examples – </a:t>
-            </a:r>
-          </a:p>
-          <a:p>
-            <a:pPr lvl="1">
-              <a:lnSpc>
-                <a:spcPct val="200000"/>
-              </a:lnSpc>
-            </a:pPr>
-            <a:r>
-              <a:rPr lang="en-US" dirty="0"/>
-              <a:t>Connect to file Country GDP by Year.csv </a:t>
-            </a:r>
-          </a:p>
-          <a:p>
-            <a:pPr lvl="1">
-              <a:lnSpc>
-                <a:spcPct val="200000"/>
-              </a:lnSpc>
-            </a:pPr>
-            <a:r>
-              <a:rPr lang="en-US" dirty="0"/>
-              <a:t>Convert to unpivot the columns to analyze  GDP over the years.</a:t>
-            </a:r>
-          </a:p>
-          <a:p>
-            <a:endParaRPr lang="en-US" dirty="0"/>
-          </a:p>
-        </p:txBody>
-      </p:sp>
-    </p:spTree>
-    <p:extLst>
-      <p:ext uri="{BB962C8B-B14F-4D97-AF65-F5344CB8AC3E}">
-        <p14:creationId xmlns:p14="http://schemas.microsoft.com/office/powerpoint/2010/main" val="1275830313"/>
-      </p:ext>
-    </p:extLst>
-  </p:cSld>
-  <p:clrMapOvr>
-    <a:masterClrMapping/>
-  </p:clrMapOvr>
-</p:sld>
-</file>
-
-<file path=ppt/slides/slide56.xml><?xml version="1.0" encoding="utf-8"?>
+<file path=ppt/slides/slide54.xml><?xml version="1.0" encoding="utf-8"?>
 <p:sld xmlns:a="http://schemas.openxmlformats.org/drawingml/2006/main" xmlns:r="http://schemas.openxmlformats.org/officeDocument/2006/relationships" xmlns:p="http://schemas.openxmlformats.org/presentationml/2006/main">
   <p:cSld>
     <p:spTree>
@@ -32093,125 +32116,7 @@
 </p:sld>
 </file>
 
-<file path=ppt/slides/slide57.xml><?xml version="1.0" encoding="utf-8"?>
-<p:sld xmlns:a="http://schemas.openxmlformats.org/drawingml/2006/main" xmlns:r="http://schemas.openxmlformats.org/officeDocument/2006/relationships" xmlns:p="http://schemas.openxmlformats.org/presentationml/2006/main">
-  <p:cSld>
-    <p:spTree>
-      <p:nvGrpSpPr>
-        <p:cNvPr id="1" name="">
-          <a:extLst>
-            <a:ext uri="{FF2B5EF4-FFF2-40B4-BE49-F238E27FC236}">
-              <a16:creationId xmlns:a16="http://schemas.microsoft.com/office/drawing/2014/main" id="{0A2AD80E-A34E-043C-FB9F-3FB2F974A1A8}"/>
-            </a:ext>
-          </a:extLst>
-        </p:cNvPr>
-        <p:cNvGrpSpPr/>
-        <p:nvPr/>
-      </p:nvGrpSpPr>
-      <p:grpSpPr>
-        <a:xfrm>
-          <a:off x="0" y="0"/>
-          <a:ext cx="0" cy="0"/>
-          <a:chOff x="0" y="0"/>
-          <a:chExt cx="0" cy="0"/>
-        </a:xfrm>
-      </p:grpSpPr>
-      <p:sp>
-        <p:nvSpPr>
-          <p:cNvPr id="2" name="Content Placeholder 1">
-            <a:extLst>
-              <a:ext uri="{FF2B5EF4-FFF2-40B4-BE49-F238E27FC236}">
-                <a16:creationId xmlns:a16="http://schemas.microsoft.com/office/drawing/2014/main" id="{55C09E87-0B43-4A9E-F926-42D18F40F141}"/>
-              </a:ext>
-            </a:extLst>
-          </p:cNvPr>
-          <p:cNvSpPr>
-            <a:spLocks noGrp="1"/>
-          </p:cNvSpPr>
-          <p:nvPr>
-            <p:ph idx="1"/>
-          </p:nvPr>
-        </p:nvSpPr>
-        <p:spPr>
-          <a:xfrm>
-            <a:off x="165768" y="823512"/>
-            <a:ext cx="8844548" cy="4251134"/>
-          </a:xfrm>
-        </p:spPr>
-        <p:txBody>
-          <a:bodyPr>
-            <a:normAutofit/>
-          </a:bodyPr>
-          <a:lstStyle/>
-          <a:p>
-            <a:pPr marL="0" indent="0">
-              <a:lnSpc>
-                <a:spcPct val="200000"/>
-              </a:lnSpc>
-              <a:buNone/>
-            </a:pPr>
-            <a:r>
-              <a:rPr lang="en-US" b="1" dirty="0"/>
-              <a:t>Example: Use Stock Data for following examples – </a:t>
-            </a:r>
-          </a:p>
-          <a:p>
-            <a:pPr>
-              <a:lnSpc>
-                <a:spcPct val="200000"/>
-              </a:lnSpc>
-            </a:pPr>
-            <a:r>
-              <a:rPr lang="en-US" dirty="0"/>
-              <a:t>Create a chart to see the monthly change in volumes of stocks, beginning of 2010 to the end of 2014. Which two consecutive months saw the least fluctuation in increase or decrease?</a:t>
-            </a:r>
-          </a:p>
-          <a:p>
-            <a:pPr>
-              <a:lnSpc>
-                <a:spcPct val="200000"/>
-              </a:lnSpc>
-            </a:pPr>
-            <a:r>
-              <a:rPr lang="en-US" dirty="0"/>
-              <a:t>Compare avg open value for all the company across 2010 to 2014. Which company saw a drop in value in 2013?</a:t>
-            </a:r>
-          </a:p>
-          <a:p>
-            <a:pPr>
-              <a:lnSpc>
-                <a:spcPct val="200000"/>
-              </a:lnSpc>
-            </a:pPr>
-            <a:r>
-              <a:rPr lang="en-US" dirty="0"/>
-              <a:t>Create a table chart showing the sum of Volume per Company per Year. What was the total volume for Apple in 2013 and the total volume for Apple for 2010 through 2014, respectively?</a:t>
-            </a:r>
-          </a:p>
-          <a:p>
-            <a:pPr>
-              <a:lnSpc>
-                <a:spcPct val="200000"/>
-              </a:lnSpc>
-            </a:pPr>
-            <a:endParaRPr lang="en-US" dirty="0"/>
-          </a:p>
-        </p:txBody>
-      </p:sp>
-    </p:spTree>
-    <p:extLst>
-      <p:ext uri="{BB962C8B-B14F-4D97-AF65-F5344CB8AC3E}">
-        <p14:creationId xmlns:p14="http://schemas.microsoft.com/office/powerpoint/2010/main" val="3327095414"/>
-      </p:ext>
-    </p:extLst>
-  </p:cSld>
-  <p:clrMapOvr>
-    <a:masterClrMapping/>
-  </p:clrMapOvr>
-</p:sld>
-</file>
-
-<file path=ppt/slides/slide58.xml><?xml version="1.0" encoding="utf-8"?>
+<file path=ppt/slides/slide55.xml><?xml version="1.0" encoding="utf-8"?>
 <p:sld xmlns:a="http://schemas.openxmlformats.org/drawingml/2006/main" xmlns:r="http://schemas.openxmlformats.org/officeDocument/2006/relationships" xmlns:p="http://schemas.openxmlformats.org/presentationml/2006/main">
   <p:cSld>
     <p:spTree>
@@ -32404,7 +32309,7 @@
 </p:sld>
 </file>
 
-<file path=ppt/slides/slide59.xml><?xml version="1.0" encoding="utf-8"?>
+<file path=ppt/slides/slide56.xml><?xml version="1.0" encoding="utf-8"?>
 <p:sld xmlns:a="http://schemas.openxmlformats.org/drawingml/2006/main" xmlns:r="http://schemas.openxmlformats.org/officeDocument/2006/relationships" xmlns:p="http://schemas.openxmlformats.org/presentationml/2006/main">
   <p:cSld>
     <p:spTree>
@@ -34787,213 +34692,7 @@
 </p:sld>
 </file>
 
-<file path=ppt/slides/slide6.xml><?xml version="1.0" encoding="utf-8"?>
-<p:sld xmlns:a="http://schemas.openxmlformats.org/drawingml/2006/main" xmlns:r="http://schemas.openxmlformats.org/officeDocument/2006/relationships" xmlns:p="http://schemas.openxmlformats.org/presentationml/2006/main">
-  <p:cSld>
-    <p:spTree>
-      <p:nvGrpSpPr>
-        <p:cNvPr id="1" name=""/>
-        <p:cNvGrpSpPr/>
-        <p:nvPr/>
-      </p:nvGrpSpPr>
-      <p:grpSpPr>
-        <a:xfrm>
-          <a:off x="0" y="0"/>
-          <a:ext cx="0" cy="0"/>
-          <a:chOff x="0" y="0"/>
-          <a:chExt cx="0" cy="0"/>
-        </a:xfrm>
-      </p:grpSpPr>
-      <p:sp>
-        <p:nvSpPr>
-          <p:cNvPr id="2" name="Content Placeholder 1">
-            <a:extLst>
-              <a:ext uri="{FF2B5EF4-FFF2-40B4-BE49-F238E27FC236}">
-                <a16:creationId xmlns:a16="http://schemas.microsoft.com/office/drawing/2014/main" id="{1DD005ED-3F24-3504-1833-D3B02B3BD4B3}"/>
-              </a:ext>
-            </a:extLst>
-          </p:cNvPr>
-          <p:cNvSpPr>
-            <a:spLocks noGrp="1"/>
-          </p:cNvSpPr>
-          <p:nvPr>
-            <p:ph idx="1"/>
-          </p:nvPr>
-        </p:nvSpPr>
-        <p:spPr/>
-        <p:txBody>
-          <a:bodyPr/>
-          <a:lstStyle/>
-          <a:p>
-            <a:pPr marL="0" indent="0">
-              <a:spcAft>
-                <a:spcPts val="600"/>
-              </a:spcAft>
-              <a:buNone/>
-            </a:pPr>
-            <a:r>
-              <a:rPr lang="en-GB" b="1" dirty="0"/>
-              <a:t>Why Advanced Excel Matters</a:t>
-            </a:r>
-          </a:p>
-          <a:p>
-            <a:pPr>
-              <a:spcAft>
-                <a:spcPts val="600"/>
-              </a:spcAft>
-            </a:pPr>
-            <a:r>
-              <a:rPr lang="en-GB" dirty="0"/>
-              <a:t>Advanced Excel skills go beyond basic spreadsheets — they enable professionals to manage, </a:t>
-            </a:r>
-            <a:r>
-              <a:rPr lang="en-GB" dirty="0" err="1"/>
-              <a:t>analyze</a:t>
-            </a:r>
-            <a:r>
-              <a:rPr lang="en-GB" dirty="0"/>
-              <a:t>, and visualize data efficiently, making informed decisions faster.</a:t>
-            </a:r>
-          </a:p>
-          <a:p>
-            <a:pPr marL="0" indent="0">
-              <a:spcAft>
-                <a:spcPts val="600"/>
-              </a:spcAft>
-              <a:buNone/>
-            </a:pPr>
-            <a:endParaRPr lang="en-GB" b="1" dirty="0"/>
-          </a:p>
-          <a:p>
-            <a:pPr marL="0" indent="0">
-              <a:spcAft>
-                <a:spcPts val="600"/>
-              </a:spcAft>
-              <a:buNone/>
-            </a:pPr>
-            <a:r>
-              <a:rPr lang="en-GB" b="1" dirty="0"/>
-              <a:t>The Role of AI in Excel</a:t>
-            </a:r>
-          </a:p>
-          <a:p>
-            <a:pPr>
-              <a:spcAft>
-                <a:spcPts val="600"/>
-              </a:spcAft>
-            </a:pPr>
-            <a:r>
-              <a:rPr lang="en-GB" dirty="0"/>
-              <a:t>Excel now integrates intelligent features such as </a:t>
-            </a:r>
-            <a:r>
-              <a:rPr lang="en-GB" dirty="0" err="1"/>
-              <a:t>Analyze</a:t>
-            </a:r>
-            <a:r>
-              <a:rPr lang="en-GB" dirty="0"/>
-              <a:t> Data (Ideas) and Forecast Sheets, allowing users to automatically generate insights, trends, and predictions from raw data.</a:t>
-            </a:r>
-          </a:p>
-          <a:p>
-            <a:pPr marL="0" indent="0">
-              <a:spcAft>
-                <a:spcPts val="600"/>
-              </a:spcAft>
-              <a:buNone/>
-            </a:pPr>
-            <a:endParaRPr lang="en-GB" b="1" dirty="0"/>
-          </a:p>
-          <a:p>
-            <a:pPr marL="0" indent="0">
-              <a:spcAft>
-                <a:spcPts val="600"/>
-              </a:spcAft>
-              <a:buNone/>
-            </a:pPr>
-            <a:r>
-              <a:rPr lang="en-GB" b="1" dirty="0"/>
-              <a:t>What You Will Learn Today</a:t>
-            </a:r>
-          </a:p>
-          <a:p>
-            <a:pPr>
-              <a:spcAft>
-                <a:spcPts val="600"/>
-              </a:spcAft>
-            </a:pPr>
-            <a:r>
-              <a:rPr lang="en-GB" dirty="0"/>
-              <a:t>Master powerful Excel tools like advanced formulas, lookups, and PivotTables.</a:t>
-            </a:r>
-          </a:p>
-          <a:p>
-            <a:pPr>
-              <a:spcAft>
-                <a:spcPts val="600"/>
-              </a:spcAft>
-            </a:pPr>
-            <a:r>
-              <a:rPr lang="en-GB" dirty="0"/>
-              <a:t>Use AI features to extract meaningful insights with minimal effort.</a:t>
-            </a:r>
-          </a:p>
-          <a:p>
-            <a:pPr>
-              <a:spcAft>
-                <a:spcPts val="600"/>
-              </a:spcAft>
-            </a:pPr>
-            <a:r>
-              <a:rPr lang="en-GB" dirty="0"/>
-              <a:t>Design interactive dashboards using charts, slicers, and timelines.</a:t>
-            </a:r>
-            <a:endParaRPr lang="en-IN" dirty="0"/>
-          </a:p>
-        </p:txBody>
-      </p:sp>
-      <p:sp>
-        <p:nvSpPr>
-          <p:cNvPr id="3" name="Text Placeholder 2">
-            <a:extLst>
-              <a:ext uri="{FF2B5EF4-FFF2-40B4-BE49-F238E27FC236}">
-                <a16:creationId xmlns:a16="http://schemas.microsoft.com/office/drawing/2014/main" id="{7560B990-2197-6456-59D7-05BB4DEFA4E6}"/>
-              </a:ext>
-            </a:extLst>
-          </p:cNvPr>
-          <p:cNvSpPr>
-            <a:spLocks noGrp="1"/>
-          </p:cNvSpPr>
-          <p:nvPr>
-            <p:ph type="body" sz="quarter" idx="10"/>
-          </p:nvPr>
-        </p:nvSpPr>
-        <p:spPr/>
-        <p:txBody>
-          <a:bodyPr/>
-          <a:lstStyle/>
-          <a:p>
-            <a:r>
-              <a:rPr lang="en-GB" b="1" dirty="0"/>
-              <a:t>Introduction – Advanced Excel &amp; AI Integration</a:t>
-            </a:r>
-          </a:p>
-        </p:txBody>
-      </p:sp>
-    </p:spTree>
-    <p:extLst>
-      <p:ext uri="{BB962C8B-B14F-4D97-AF65-F5344CB8AC3E}">
-        <p14:creationId xmlns:p14="http://schemas.microsoft.com/office/powerpoint/2010/main" val="930630266"/>
-      </p:ext>
-    </p:extLst>
-  </p:cSld>
-  <p:clrMapOvr>
-    <a:masterClrMapping/>
-  </p:clrMapOvr>
-</p:sld>
-</file>
-
-<file path=ppt/slides/slide60.xml><?xml version="1.0" encoding="utf-8"?>
+<file path=ppt/slides/slide57.xml><?xml version="1.0" encoding="utf-8"?>
 <p:sld xmlns:a="http://schemas.openxmlformats.org/drawingml/2006/main" xmlns:r="http://schemas.openxmlformats.org/officeDocument/2006/relationships" xmlns:p="http://schemas.openxmlformats.org/presentationml/2006/main">
   <p:cSld>
     <p:spTree>
@@ -36186,7 +35885,7 @@
 </p:sld>
 </file>
 
-<file path=ppt/slides/slide61.xml><?xml version="1.0" encoding="utf-8"?>
+<file path=ppt/slides/slide58.xml><?xml version="1.0" encoding="utf-8"?>
 <p:sld xmlns:a="http://schemas.openxmlformats.org/drawingml/2006/main" xmlns:r="http://schemas.openxmlformats.org/officeDocument/2006/relationships" xmlns:p="http://schemas.openxmlformats.org/presentationml/2006/main">
   <p:cSld>
     <p:spTree>
@@ -36249,7 +35948,7 @@
 </p:sld>
 </file>
 
-<file path=ppt/slides/slide62.xml><?xml version="1.0" encoding="utf-8"?>
+<file path=ppt/slides/slide59.xml><?xml version="1.0" encoding="utf-8"?>
 <p:sld xmlns:a="http://schemas.openxmlformats.org/drawingml/2006/main" xmlns:r="http://schemas.openxmlformats.org/officeDocument/2006/relationships" xmlns:p="http://schemas.openxmlformats.org/presentationml/2006/main">
   <p:cSld>
     <p:spTree>
@@ -36452,7 +36151,213 @@
 </p:sld>
 </file>
 
-<file path=ppt/slides/slide63.xml><?xml version="1.0" encoding="utf-8"?>
+<file path=ppt/slides/slide6.xml><?xml version="1.0" encoding="utf-8"?>
+<p:sld xmlns:a="http://schemas.openxmlformats.org/drawingml/2006/main" xmlns:r="http://schemas.openxmlformats.org/officeDocument/2006/relationships" xmlns:p="http://schemas.openxmlformats.org/presentationml/2006/main">
+  <p:cSld>
+    <p:spTree>
+      <p:nvGrpSpPr>
+        <p:cNvPr id="1" name=""/>
+        <p:cNvGrpSpPr/>
+        <p:nvPr/>
+      </p:nvGrpSpPr>
+      <p:grpSpPr>
+        <a:xfrm>
+          <a:off x="0" y="0"/>
+          <a:ext cx="0" cy="0"/>
+          <a:chOff x="0" y="0"/>
+          <a:chExt cx="0" cy="0"/>
+        </a:xfrm>
+      </p:grpSpPr>
+      <p:sp>
+        <p:nvSpPr>
+          <p:cNvPr id="2" name="Content Placeholder 1">
+            <a:extLst>
+              <a:ext uri="{FF2B5EF4-FFF2-40B4-BE49-F238E27FC236}">
+                <a16:creationId xmlns:a16="http://schemas.microsoft.com/office/drawing/2014/main" id="{1DD005ED-3F24-3504-1833-D3B02B3BD4B3}"/>
+              </a:ext>
+            </a:extLst>
+          </p:cNvPr>
+          <p:cNvSpPr>
+            <a:spLocks noGrp="1"/>
+          </p:cNvSpPr>
+          <p:nvPr>
+            <p:ph idx="1"/>
+          </p:nvPr>
+        </p:nvSpPr>
+        <p:spPr/>
+        <p:txBody>
+          <a:bodyPr/>
+          <a:lstStyle/>
+          <a:p>
+            <a:pPr marL="0" indent="0">
+              <a:spcAft>
+                <a:spcPts val="600"/>
+              </a:spcAft>
+              <a:buNone/>
+            </a:pPr>
+            <a:r>
+              <a:rPr lang="en-GB" b="1" dirty="0"/>
+              <a:t>Why Advanced Excel Matters</a:t>
+            </a:r>
+          </a:p>
+          <a:p>
+            <a:pPr>
+              <a:spcAft>
+                <a:spcPts val="600"/>
+              </a:spcAft>
+            </a:pPr>
+            <a:r>
+              <a:rPr lang="en-GB" dirty="0"/>
+              <a:t>Advanced Excel skills go beyond basic spreadsheets — they enable professionals to manage, </a:t>
+            </a:r>
+            <a:r>
+              <a:rPr lang="en-GB" dirty="0" err="1"/>
+              <a:t>analyze</a:t>
+            </a:r>
+            <a:r>
+              <a:rPr lang="en-GB" dirty="0"/>
+              <a:t>, and visualize data efficiently, making informed decisions faster.</a:t>
+            </a:r>
+          </a:p>
+          <a:p>
+            <a:pPr marL="0" indent="0">
+              <a:spcAft>
+                <a:spcPts val="600"/>
+              </a:spcAft>
+              <a:buNone/>
+            </a:pPr>
+            <a:endParaRPr lang="en-GB" b="1" dirty="0"/>
+          </a:p>
+          <a:p>
+            <a:pPr marL="0" indent="0">
+              <a:spcAft>
+                <a:spcPts val="600"/>
+              </a:spcAft>
+              <a:buNone/>
+            </a:pPr>
+            <a:r>
+              <a:rPr lang="en-GB" b="1" dirty="0"/>
+              <a:t>The Role of AI in Excel</a:t>
+            </a:r>
+          </a:p>
+          <a:p>
+            <a:pPr>
+              <a:spcAft>
+                <a:spcPts val="600"/>
+              </a:spcAft>
+            </a:pPr>
+            <a:r>
+              <a:rPr lang="en-GB" dirty="0"/>
+              <a:t>Excel now integrates intelligent features such as </a:t>
+            </a:r>
+            <a:r>
+              <a:rPr lang="en-GB" dirty="0" err="1"/>
+              <a:t>Analyze</a:t>
+            </a:r>
+            <a:r>
+              <a:rPr lang="en-GB" dirty="0"/>
+              <a:t> Data (Ideas) and Forecast Sheets, allowing users to automatically generate insights, trends, and predictions from raw data.</a:t>
+            </a:r>
+          </a:p>
+          <a:p>
+            <a:pPr marL="0" indent="0">
+              <a:spcAft>
+                <a:spcPts val="600"/>
+              </a:spcAft>
+              <a:buNone/>
+            </a:pPr>
+            <a:endParaRPr lang="en-GB" b="1" dirty="0"/>
+          </a:p>
+          <a:p>
+            <a:pPr marL="0" indent="0">
+              <a:spcAft>
+                <a:spcPts val="600"/>
+              </a:spcAft>
+              <a:buNone/>
+            </a:pPr>
+            <a:r>
+              <a:rPr lang="en-GB" b="1" dirty="0"/>
+              <a:t>What You Will Learn Today</a:t>
+            </a:r>
+          </a:p>
+          <a:p>
+            <a:pPr>
+              <a:spcAft>
+                <a:spcPts val="600"/>
+              </a:spcAft>
+            </a:pPr>
+            <a:r>
+              <a:rPr lang="en-GB" dirty="0"/>
+              <a:t>Master powerful Excel tools like advanced formulas, lookups, and PivotTables.</a:t>
+            </a:r>
+          </a:p>
+          <a:p>
+            <a:pPr>
+              <a:spcAft>
+                <a:spcPts val="600"/>
+              </a:spcAft>
+            </a:pPr>
+            <a:r>
+              <a:rPr lang="en-GB" dirty="0"/>
+              <a:t>Use AI features to extract meaningful insights with minimal effort.</a:t>
+            </a:r>
+          </a:p>
+          <a:p>
+            <a:pPr>
+              <a:spcAft>
+                <a:spcPts val="600"/>
+              </a:spcAft>
+            </a:pPr>
+            <a:r>
+              <a:rPr lang="en-GB" dirty="0"/>
+              <a:t>Design interactive dashboards using charts, slicers, and timelines.</a:t>
+            </a:r>
+            <a:endParaRPr lang="en-IN" dirty="0"/>
+          </a:p>
+        </p:txBody>
+      </p:sp>
+      <p:sp>
+        <p:nvSpPr>
+          <p:cNvPr id="3" name="Text Placeholder 2">
+            <a:extLst>
+              <a:ext uri="{FF2B5EF4-FFF2-40B4-BE49-F238E27FC236}">
+                <a16:creationId xmlns:a16="http://schemas.microsoft.com/office/drawing/2014/main" id="{7560B990-2197-6456-59D7-05BB4DEFA4E6}"/>
+              </a:ext>
+            </a:extLst>
+          </p:cNvPr>
+          <p:cNvSpPr>
+            <a:spLocks noGrp="1"/>
+          </p:cNvSpPr>
+          <p:nvPr>
+            <p:ph type="body" sz="quarter" idx="10"/>
+          </p:nvPr>
+        </p:nvSpPr>
+        <p:spPr/>
+        <p:txBody>
+          <a:bodyPr/>
+          <a:lstStyle/>
+          <a:p>
+            <a:r>
+              <a:rPr lang="en-GB" b="1" dirty="0"/>
+              <a:t>Introduction – Advanced Excel &amp; AI Integration</a:t>
+            </a:r>
+          </a:p>
+        </p:txBody>
+      </p:sp>
+    </p:spTree>
+    <p:extLst>
+      <p:ext uri="{BB962C8B-B14F-4D97-AF65-F5344CB8AC3E}">
+        <p14:creationId xmlns:p14="http://schemas.microsoft.com/office/powerpoint/2010/main" val="930630266"/>
+      </p:ext>
+    </p:extLst>
+  </p:cSld>
+  <p:clrMapOvr>
+    <a:masterClrMapping/>
+  </p:clrMapOvr>
+</p:sld>
+</file>
+
+<file path=ppt/slides/slide60.xml><?xml version="1.0" encoding="utf-8"?>
 <p:sld xmlns:a="http://schemas.openxmlformats.org/drawingml/2006/main" xmlns:r="http://schemas.openxmlformats.org/officeDocument/2006/relationships" xmlns:p="http://schemas.openxmlformats.org/presentationml/2006/main">
   <p:cSld>
     <p:spTree>
@@ -36668,78 +36573,7 @@
 </p:sld>
 </file>
 
-<file path=ppt/slides/slide64.xml><?xml version="1.0" encoding="utf-8"?>
-<p:sld xmlns:a="http://schemas.openxmlformats.org/drawingml/2006/main" xmlns:r="http://schemas.openxmlformats.org/officeDocument/2006/relationships" xmlns:p="http://schemas.openxmlformats.org/presentationml/2006/main">
-  <p:cSld>
-    <p:spTree>
-      <p:nvGrpSpPr>
-        <p:cNvPr id="1" name=""/>
-        <p:cNvGrpSpPr/>
-        <p:nvPr/>
-      </p:nvGrpSpPr>
-      <p:grpSpPr>
-        <a:xfrm>
-          <a:off x="0" y="0"/>
-          <a:ext cx="0" cy="0"/>
-          <a:chOff x="0" y="0"/>
-          <a:chExt cx="0" cy="0"/>
-        </a:xfrm>
-      </p:grpSpPr>
-      <p:sp>
-        <p:nvSpPr>
-          <p:cNvPr id="2" name="Content Placeholder 1">
-            <a:extLst>
-              <a:ext uri="{FF2B5EF4-FFF2-40B4-BE49-F238E27FC236}">
-                <a16:creationId xmlns:a16="http://schemas.microsoft.com/office/drawing/2014/main" id="{DF9F7991-947C-B334-356B-9FF7B1CFA72B}"/>
-              </a:ext>
-            </a:extLst>
-          </p:cNvPr>
-          <p:cNvSpPr>
-            <a:spLocks noGrp="1"/>
-          </p:cNvSpPr>
-          <p:nvPr>
-            <p:ph idx="1"/>
-          </p:nvPr>
-        </p:nvSpPr>
-        <p:spPr>
-          <a:xfrm>
-            <a:off x="165768" y="823512"/>
-            <a:ext cx="8844548" cy="4251134"/>
-          </a:xfrm>
-        </p:spPr>
-        <p:txBody>
-          <a:bodyPr>
-            <a:normAutofit/>
-          </a:bodyPr>
-          <a:lstStyle/>
-          <a:p>
-            <a:endParaRPr lang="en-US" dirty="0"/>
-          </a:p>
-          <a:p>
-            <a:endParaRPr lang="en-US" dirty="0"/>
-          </a:p>
-          <a:p>
-            <a:endParaRPr lang="en-US" dirty="0"/>
-          </a:p>
-          <a:p>
-            <a:endParaRPr lang="en-US" dirty="0"/>
-          </a:p>
-        </p:txBody>
-      </p:sp>
-    </p:spTree>
-    <p:extLst>
-      <p:ext uri="{BB962C8B-B14F-4D97-AF65-F5344CB8AC3E}">
-        <p14:creationId xmlns:p14="http://schemas.microsoft.com/office/powerpoint/2010/main" val="2806721475"/>
-      </p:ext>
-    </p:extLst>
-  </p:cSld>
-  <p:clrMapOvr>
-    <a:masterClrMapping/>
-  </p:clrMapOvr>
-</p:sld>
-</file>
-
-<file path=ppt/slides/slide65.xml><?xml version="1.0" encoding="utf-8"?>
+<file path=ppt/slides/slide61.xml><?xml version="1.0" encoding="utf-8"?>
 <p:sld xmlns:a="http://schemas.openxmlformats.org/drawingml/2006/main" xmlns:r="http://schemas.openxmlformats.org/officeDocument/2006/relationships" xmlns:p="http://schemas.openxmlformats.org/presentationml/2006/main">
   <p:cSld>
     <p:spTree>
@@ -36804,7 +36638,7 @@
 </p:sld>
 </file>
 
-<file path=ppt/slides/slide66.xml><?xml version="1.0" encoding="utf-8"?>
+<file path=ppt/slides/slide62.xml><?xml version="1.0" encoding="utf-8"?>
 <p:sld xmlns:a="http://schemas.openxmlformats.org/drawingml/2006/main" xmlns:r="http://schemas.openxmlformats.org/officeDocument/2006/relationships" xmlns:p="http://schemas.openxmlformats.org/presentationml/2006/main">
   <p:cSld>
     <p:spTree>
@@ -37009,7 +36843,7 @@
 </p:sld>
 </file>
 
-<file path=ppt/slides/slide67.xml><?xml version="1.0" encoding="utf-8"?>
+<file path=ppt/slides/slide63.xml><?xml version="1.0" encoding="utf-8"?>
 <p:sld xmlns:a="http://schemas.openxmlformats.org/drawingml/2006/main" xmlns:r="http://schemas.openxmlformats.org/officeDocument/2006/relationships" xmlns:p="http://schemas.openxmlformats.org/presentationml/2006/main">
   <p:cSld>
     <p:spTree>
@@ -37203,7 +37037,7 @@
 </p:sld>
 </file>
 
-<file path=ppt/slides/slide68.xml><?xml version="1.0" encoding="utf-8"?>
+<file path=ppt/slides/slide64.xml><?xml version="1.0" encoding="utf-8"?>
 <p:sld xmlns:a="http://schemas.openxmlformats.org/drawingml/2006/main" xmlns:r="http://schemas.openxmlformats.org/officeDocument/2006/relationships" xmlns:p="http://schemas.openxmlformats.org/presentationml/2006/main">
   <p:cSld>
     <p:spTree>
@@ -37404,7 +37238,7 @@
 </p:sld>
 </file>
 
-<file path=ppt/slides/slide69.xml><?xml version="1.0" encoding="utf-8"?>
+<file path=ppt/slides/slide65.xml><?xml version="1.0" encoding="utf-8"?>
 <p:sld xmlns:a="http://schemas.openxmlformats.org/drawingml/2006/main" xmlns:r="http://schemas.openxmlformats.org/officeDocument/2006/relationships" xmlns:p="http://schemas.openxmlformats.org/presentationml/2006/main">
   <p:cSld>
     <p:spTree>
@@ -37597,6 +37431,840 @@
     <p:extLst>
       <p:ext uri="{BB962C8B-B14F-4D97-AF65-F5344CB8AC3E}">
         <p14:creationId xmlns:p14="http://schemas.microsoft.com/office/powerpoint/2010/main" val="1207078896"/>
+      </p:ext>
+    </p:extLst>
+  </p:cSld>
+  <p:clrMapOvr>
+    <a:masterClrMapping/>
+  </p:clrMapOvr>
+</p:sld>
+</file>
+
+<file path=ppt/slides/slide66.xml><?xml version="1.0" encoding="utf-8"?>
+<p:sld xmlns:a="http://schemas.openxmlformats.org/drawingml/2006/main" xmlns:r="http://schemas.openxmlformats.org/officeDocument/2006/relationships" xmlns:p="http://schemas.openxmlformats.org/presentationml/2006/main">
+  <p:cSld>
+    <p:spTree>
+      <p:nvGrpSpPr>
+        <p:cNvPr id="1" name=""/>
+        <p:cNvGrpSpPr/>
+        <p:nvPr/>
+      </p:nvGrpSpPr>
+      <p:grpSpPr>
+        <a:xfrm>
+          <a:off x="0" y="0"/>
+          <a:ext cx="0" cy="0"/>
+          <a:chOff x="0" y="0"/>
+          <a:chExt cx="0" cy="0"/>
+        </a:xfrm>
+      </p:grpSpPr>
+      <p:sp>
+        <p:nvSpPr>
+          <p:cNvPr id="2" name="Content Placeholder 1">
+            <a:extLst>
+              <a:ext uri="{FF2B5EF4-FFF2-40B4-BE49-F238E27FC236}">
+                <a16:creationId xmlns:a16="http://schemas.microsoft.com/office/drawing/2014/main" id="{39ED2E8C-DC46-988C-E4FE-131FE6CC4406}"/>
+              </a:ext>
+            </a:extLst>
+          </p:cNvPr>
+          <p:cNvSpPr>
+            <a:spLocks noGrp="1"/>
+          </p:cNvSpPr>
+          <p:nvPr>
+            <p:ph idx="1"/>
+          </p:nvPr>
+        </p:nvSpPr>
+        <p:spPr/>
+        <p:txBody>
+          <a:bodyPr/>
+          <a:lstStyle/>
+          <a:p>
+            <a:pPr marL="0" indent="0">
+              <a:spcAft>
+                <a:spcPts val="1200"/>
+              </a:spcAft>
+              <a:buNone/>
+            </a:pPr>
+            <a:r>
+              <a:rPr lang="en-GB" b="1" dirty="0"/>
+              <a:t>Using Images and Shapes:</a:t>
+            </a:r>
+          </a:p>
+          <a:p>
+            <a:pPr>
+              <a:spcAft>
+                <a:spcPts val="1200"/>
+              </a:spcAft>
+            </a:pPr>
+            <a:r>
+              <a:rPr lang="en-GB" dirty="0"/>
+              <a:t>Insert logos, icons, or shapes to brand your report and improve aesthetics.</a:t>
+            </a:r>
+          </a:p>
+          <a:p>
+            <a:pPr>
+              <a:spcAft>
+                <a:spcPts val="1200"/>
+              </a:spcAft>
+            </a:pPr>
+            <a:r>
+              <a:rPr lang="en-GB" dirty="0"/>
+              <a:t>Images can also act as clickable buttons with assigned actions.</a:t>
+            </a:r>
+          </a:p>
+          <a:p>
+            <a:pPr marL="0" indent="0">
+              <a:spcAft>
+                <a:spcPts val="1200"/>
+              </a:spcAft>
+              <a:buNone/>
+            </a:pPr>
+            <a:r>
+              <a:rPr lang="en-GB" b="1" dirty="0"/>
+              <a:t>Custom Buttons:  </a:t>
+            </a:r>
+            <a:r>
+              <a:rPr lang="en-GB" dirty="0"/>
+              <a:t>Create custom navigation buttons and assign actions like:</a:t>
+            </a:r>
+          </a:p>
+          <a:p>
+            <a:pPr lvl="1">
+              <a:spcAft>
+                <a:spcPts val="1200"/>
+              </a:spcAft>
+            </a:pPr>
+            <a:r>
+              <a:rPr lang="en-GB" b="1" dirty="0"/>
+              <a:t>Bookmark:</a:t>
+            </a:r>
+            <a:r>
+              <a:rPr lang="en-GB" dirty="0"/>
+              <a:t> Show/hide visuals or toggle filters.</a:t>
+            </a:r>
+          </a:p>
+          <a:p>
+            <a:pPr lvl="1">
+              <a:spcAft>
+                <a:spcPts val="1200"/>
+              </a:spcAft>
+            </a:pPr>
+            <a:r>
+              <a:rPr lang="en-GB" b="1" dirty="0"/>
+              <a:t>Page Navigation:</a:t>
+            </a:r>
+            <a:r>
+              <a:rPr lang="en-GB" dirty="0"/>
+              <a:t> Move to other report pages.</a:t>
+            </a:r>
+          </a:p>
+          <a:p>
+            <a:pPr lvl="1">
+              <a:spcAft>
+                <a:spcPts val="1200"/>
+              </a:spcAft>
+            </a:pPr>
+            <a:r>
+              <a:rPr lang="en-GB" b="1" dirty="0"/>
+              <a:t>Web URL:</a:t>
+            </a:r>
+            <a:r>
+              <a:rPr lang="en-GB" dirty="0"/>
+              <a:t> Link to external websites or documents.</a:t>
+            </a:r>
+          </a:p>
+          <a:p>
+            <a:pPr>
+              <a:spcAft>
+                <a:spcPts val="1200"/>
+              </a:spcAft>
+            </a:pPr>
+            <a:endParaRPr lang="en-IN" dirty="0"/>
+          </a:p>
+        </p:txBody>
+      </p:sp>
+      <p:sp>
+        <p:nvSpPr>
+          <p:cNvPr id="3" name="Text Placeholder 2">
+            <a:extLst>
+              <a:ext uri="{FF2B5EF4-FFF2-40B4-BE49-F238E27FC236}">
+                <a16:creationId xmlns:a16="http://schemas.microsoft.com/office/drawing/2014/main" id="{1123EE6D-B355-6709-2BCA-B15E6D3FB25B}"/>
+              </a:ext>
+            </a:extLst>
+          </p:cNvPr>
+          <p:cNvSpPr>
+            <a:spLocks noGrp="1"/>
+          </p:cNvSpPr>
+          <p:nvPr>
+            <p:ph type="body" sz="quarter" idx="10"/>
+          </p:nvPr>
+        </p:nvSpPr>
+        <p:spPr/>
+        <p:txBody>
+          <a:bodyPr/>
+          <a:lstStyle/>
+          <a:p>
+            <a:r>
+              <a:rPr lang="en-GB" dirty="0"/>
+              <a:t>Enhancing User Experience with Visual Elements</a:t>
+            </a:r>
+            <a:endParaRPr lang="en-IN" dirty="0"/>
+          </a:p>
+        </p:txBody>
+      </p:sp>
+    </p:spTree>
+    <p:extLst>
+      <p:ext uri="{BB962C8B-B14F-4D97-AF65-F5344CB8AC3E}">
+        <p14:creationId xmlns:p14="http://schemas.microsoft.com/office/powerpoint/2010/main" val="2797790653"/>
+      </p:ext>
+    </p:extLst>
+  </p:cSld>
+  <p:clrMapOvr>
+    <a:masterClrMapping/>
+  </p:clrMapOvr>
+</p:sld>
+</file>
+
+<file path=ppt/slides/slide67.xml><?xml version="1.0" encoding="utf-8"?>
+<p:sld xmlns:a="http://schemas.openxmlformats.org/drawingml/2006/main" xmlns:r="http://schemas.openxmlformats.org/officeDocument/2006/relationships" xmlns:p="http://schemas.openxmlformats.org/presentationml/2006/main">
+  <p:cSld>
+    <p:spTree>
+      <p:nvGrpSpPr>
+        <p:cNvPr id="1" name=""/>
+        <p:cNvGrpSpPr/>
+        <p:nvPr/>
+      </p:nvGrpSpPr>
+      <p:grpSpPr>
+        <a:xfrm>
+          <a:off x="0" y="0"/>
+          <a:ext cx="0" cy="0"/>
+          <a:chOff x="0" y="0"/>
+          <a:chExt cx="0" cy="0"/>
+        </a:xfrm>
+      </p:grpSpPr>
+      <p:sp>
+        <p:nvSpPr>
+          <p:cNvPr id="2" name="Content Placeholder 1">
+            <a:extLst>
+              <a:ext uri="{FF2B5EF4-FFF2-40B4-BE49-F238E27FC236}">
+                <a16:creationId xmlns:a16="http://schemas.microsoft.com/office/drawing/2014/main" id="{459CEFB4-99CA-ED75-EEDE-B3EE019238D8}"/>
+              </a:ext>
+            </a:extLst>
+          </p:cNvPr>
+          <p:cNvSpPr>
+            <a:spLocks noGrp="1"/>
+          </p:cNvSpPr>
+          <p:nvPr>
+            <p:ph idx="1"/>
+          </p:nvPr>
+        </p:nvSpPr>
+        <p:spPr>
+          <a:xfrm>
+            <a:off x="165768" y="812801"/>
+            <a:ext cx="8844548" cy="4261845"/>
+          </a:xfrm>
+        </p:spPr>
+        <p:txBody>
+          <a:bodyPr>
+            <a:normAutofit/>
+          </a:bodyPr>
+          <a:lstStyle/>
+          <a:p>
+            <a:pPr>
+              <a:lnSpc>
+                <a:spcPct val="150000"/>
+              </a:lnSpc>
+              <a:spcBef>
+                <a:spcPts val="0"/>
+              </a:spcBef>
+            </a:pPr>
+            <a:r>
+              <a:rPr lang="en-GB" b="1" dirty="0"/>
+              <a:t>Keep navigation intuitive and consistent</a:t>
+            </a:r>
+          </a:p>
+          <a:p>
+            <a:pPr lvl="1">
+              <a:lnSpc>
+                <a:spcPct val="150000"/>
+              </a:lnSpc>
+              <a:spcBef>
+                <a:spcPts val="0"/>
+              </a:spcBef>
+            </a:pPr>
+            <a:r>
+              <a:rPr lang="en-GB" dirty="0"/>
+              <a:t>Use clearly </a:t>
+            </a:r>
+            <a:r>
+              <a:rPr lang="en-GB" dirty="0" err="1"/>
+              <a:t>labeled</a:t>
+            </a:r>
+            <a:r>
+              <a:rPr lang="en-GB" dirty="0"/>
+              <a:t> buttons (e.g., “Home”, “Back”) and maintain their position across pages.</a:t>
+            </a:r>
+          </a:p>
+          <a:p>
+            <a:pPr>
+              <a:lnSpc>
+                <a:spcPct val="150000"/>
+              </a:lnSpc>
+              <a:spcBef>
+                <a:spcPts val="0"/>
+              </a:spcBef>
+            </a:pPr>
+            <a:r>
+              <a:rPr lang="en-GB" b="1" dirty="0"/>
+              <a:t>Use tooltips and button text to guide users</a:t>
+            </a:r>
+          </a:p>
+          <a:p>
+            <a:pPr lvl="1">
+              <a:lnSpc>
+                <a:spcPct val="150000"/>
+              </a:lnSpc>
+              <a:spcBef>
+                <a:spcPts val="0"/>
+              </a:spcBef>
+            </a:pPr>
+            <a:r>
+              <a:rPr lang="en-GB" dirty="0"/>
+              <a:t>Enable tooltips for visuals and navigation elements to help users understand purpose without clutter.</a:t>
+            </a:r>
+          </a:p>
+          <a:p>
+            <a:pPr>
+              <a:lnSpc>
+                <a:spcPct val="150000"/>
+              </a:lnSpc>
+              <a:spcBef>
+                <a:spcPts val="0"/>
+              </a:spcBef>
+            </a:pPr>
+            <a:r>
+              <a:rPr lang="en-GB" b="1" dirty="0"/>
+              <a:t>Combine bookmarks and buttons</a:t>
+            </a:r>
+          </a:p>
+          <a:p>
+            <a:pPr lvl="1">
+              <a:lnSpc>
+                <a:spcPct val="150000"/>
+              </a:lnSpc>
+              <a:spcBef>
+                <a:spcPts val="0"/>
+              </a:spcBef>
+            </a:pPr>
+            <a:r>
+              <a:rPr lang="en-GB" dirty="0"/>
+              <a:t>Create interactive reports where users can toggle views (e.g., show/hide visuals or switch between summaries and details).</a:t>
+            </a:r>
+          </a:p>
+          <a:p>
+            <a:pPr>
+              <a:lnSpc>
+                <a:spcPct val="150000"/>
+              </a:lnSpc>
+              <a:spcBef>
+                <a:spcPts val="0"/>
+              </a:spcBef>
+            </a:pPr>
+            <a:r>
+              <a:rPr lang="en-GB" b="1" dirty="0"/>
+              <a:t>Avoid clutter – less is more</a:t>
+            </a:r>
+          </a:p>
+          <a:p>
+            <a:pPr lvl="1">
+              <a:lnSpc>
+                <a:spcPct val="150000"/>
+              </a:lnSpc>
+              <a:spcBef>
+                <a:spcPts val="0"/>
+              </a:spcBef>
+            </a:pPr>
+            <a:r>
+              <a:rPr lang="en-GB" dirty="0"/>
+              <a:t>Show only essential visuals on a page. Use bookmarks or </a:t>
+            </a:r>
+            <a:r>
+              <a:rPr lang="en-GB" dirty="0" err="1"/>
+              <a:t>drillthroughs</a:t>
+            </a:r>
+            <a:r>
+              <a:rPr lang="en-GB" dirty="0"/>
+              <a:t> to display more when needed.</a:t>
+            </a:r>
+          </a:p>
+          <a:p>
+            <a:pPr>
+              <a:lnSpc>
+                <a:spcPct val="150000"/>
+              </a:lnSpc>
+              <a:spcBef>
+                <a:spcPts val="0"/>
+              </a:spcBef>
+            </a:pPr>
+            <a:r>
+              <a:rPr lang="en-GB" b="1" dirty="0"/>
+              <a:t>Group and align visuals properly</a:t>
+            </a:r>
+          </a:p>
+          <a:p>
+            <a:pPr lvl="1">
+              <a:lnSpc>
+                <a:spcPct val="150000"/>
+              </a:lnSpc>
+              <a:spcBef>
+                <a:spcPts val="0"/>
+              </a:spcBef>
+            </a:pPr>
+            <a:r>
+              <a:rPr lang="en-GB" dirty="0"/>
+              <a:t>Use the alignment tools to maintain visual consistency and a professional layout.</a:t>
+            </a:r>
+          </a:p>
+          <a:p>
+            <a:pPr>
+              <a:lnSpc>
+                <a:spcPct val="150000"/>
+              </a:lnSpc>
+              <a:spcBef>
+                <a:spcPts val="0"/>
+              </a:spcBef>
+            </a:pPr>
+            <a:r>
+              <a:rPr lang="en-GB" b="1" dirty="0"/>
+              <a:t>Use slicers for key filters</a:t>
+            </a:r>
+          </a:p>
+          <a:p>
+            <a:pPr lvl="1">
+              <a:lnSpc>
+                <a:spcPct val="150000"/>
+              </a:lnSpc>
+              <a:spcBef>
+                <a:spcPts val="0"/>
+              </a:spcBef>
+            </a:pPr>
+            <a:r>
+              <a:rPr lang="en-GB" dirty="0"/>
+              <a:t>Empower users with slicers for commonly changed filters like date, region, or product category.</a:t>
+            </a:r>
+          </a:p>
+          <a:p>
+            <a:pPr>
+              <a:lnSpc>
+                <a:spcPct val="150000"/>
+              </a:lnSpc>
+              <a:spcBef>
+                <a:spcPts val="0"/>
+              </a:spcBef>
+            </a:pPr>
+            <a:r>
+              <a:rPr lang="en-GB" b="1" dirty="0"/>
+              <a:t>Use themes and </a:t>
+            </a:r>
+            <a:r>
+              <a:rPr lang="en-GB" b="1" dirty="0" err="1"/>
+              <a:t>color</a:t>
+            </a:r>
+            <a:r>
+              <a:rPr lang="en-GB" b="1" dirty="0"/>
+              <a:t> schemes wisely</a:t>
+            </a:r>
+          </a:p>
+          <a:p>
+            <a:pPr lvl="1">
+              <a:lnSpc>
+                <a:spcPct val="150000"/>
+              </a:lnSpc>
+              <a:spcBef>
+                <a:spcPts val="0"/>
+              </a:spcBef>
+            </a:pPr>
+            <a:r>
+              <a:rPr lang="en-GB" dirty="0"/>
+              <a:t>Apply consistent </a:t>
+            </a:r>
+            <a:r>
+              <a:rPr lang="en-GB" dirty="0" err="1"/>
+              <a:t>color</a:t>
+            </a:r>
+            <a:r>
+              <a:rPr lang="en-GB" dirty="0"/>
+              <a:t> palettes (match brand guidelines) to improve readability and aesthetics.</a:t>
+            </a:r>
+          </a:p>
+          <a:p>
+            <a:pPr>
+              <a:lnSpc>
+                <a:spcPct val="150000"/>
+              </a:lnSpc>
+              <a:spcBef>
+                <a:spcPts val="0"/>
+              </a:spcBef>
+            </a:pPr>
+            <a:r>
+              <a:rPr lang="en-GB" b="1" dirty="0"/>
+              <a:t>Add a 'Reset Filters' or 'Clear Selection' button</a:t>
+            </a:r>
+          </a:p>
+          <a:p>
+            <a:pPr lvl="1">
+              <a:lnSpc>
+                <a:spcPct val="150000"/>
+              </a:lnSpc>
+              <a:spcBef>
+                <a:spcPts val="0"/>
+              </a:spcBef>
+            </a:pPr>
+            <a:r>
+              <a:rPr lang="en-GB" dirty="0"/>
+              <a:t>Use bookmarks to return all slicers and filters to their default state, making exploration easier.</a:t>
+            </a:r>
+          </a:p>
+          <a:p>
+            <a:pPr>
+              <a:lnSpc>
+                <a:spcPct val="150000"/>
+              </a:lnSpc>
+              <a:spcBef>
+                <a:spcPts val="0"/>
+              </a:spcBef>
+            </a:pPr>
+            <a:endParaRPr lang="en-IN" dirty="0"/>
+          </a:p>
+        </p:txBody>
+      </p:sp>
+      <p:sp>
+        <p:nvSpPr>
+          <p:cNvPr id="3" name="Text Placeholder 2">
+            <a:extLst>
+              <a:ext uri="{FF2B5EF4-FFF2-40B4-BE49-F238E27FC236}">
+                <a16:creationId xmlns:a16="http://schemas.microsoft.com/office/drawing/2014/main" id="{B9216EE1-3F9A-6753-4568-F27970E62305}"/>
+              </a:ext>
+            </a:extLst>
+          </p:cNvPr>
+          <p:cNvSpPr>
+            <a:spLocks noGrp="1"/>
+          </p:cNvSpPr>
+          <p:nvPr>
+            <p:ph type="body" sz="quarter" idx="10"/>
+          </p:nvPr>
+        </p:nvSpPr>
+        <p:spPr>
+          <a:xfrm>
+            <a:off x="667720" y="208546"/>
+            <a:ext cx="8342596" cy="426321"/>
+          </a:xfrm>
+        </p:spPr>
+        <p:txBody>
+          <a:bodyPr/>
+          <a:lstStyle/>
+          <a:p>
+            <a:r>
+              <a:rPr lang="en-IN" dirty="0"/>
+              <a:t>Better User Experience</a:t>
+            </a:r>
+          </a:p>
+        </p:txBody>
+      </p:sp>
+    </p:spTree>
+    <p:extLst>
+      <p:ext uri="{BB962C8B-B14F-4D97-AF65-F5344CB8AC3E}">
+        <p14:creationId xmlns:p14="http://schemas.microsoft.com/office/powerpoint/2010/main" val="3219133696"/>
+      </p:ext>
+    </p:extLst>
+  </p:cSld>
+  <p:clrMapOvr>
+    <a:masterClrMapping/>
+  </p:clrMapOvr>
+</p:sld>
+</file>
+
+<file path=ppt/slides/slide68.xml><?xml version="1.0" encoding="utf-8"?>
+<p:sld xmlns:a="http://schemas.openxmlformats.org/drawingml/2006/main" xmlns:r="http://schemas.openxmlformats.org/officeDocument/2006/relationships" xmlns:p="http://schemas.openxmlformats.org/presentationml/2006/main">
+  <p:cSld>
+    <p:spTree>
+      <p:nvGrpSpPr>
+        <p:cNvPr id="1" name=""/>
+        <p:cNvGrpSpPr/>
+        <p:nvPr/>
+      </p:nvGrpSpPr>
+      <p:grpSpPr>
+        <a:xfrm>
+          <a:off x="0" y="0"/>
+          <a:ext cx="0" cy="0"/>
+          <a:chOff x="0" y="0"/>
+          <a:chExt cx="0" cy="0"/>
+        </a:xfrm>
+      </p:grpSpPr>
+      <p:sp>
+        <p:nvSpPr>
+          <p:cNvPr id="2" name="Content Placeholder 1">
+            <a:extLst>
+              <a:ext uri="{FF2B5EF4-FFF2-40B4-BE49-F238E27FC236}">
+                <a16:creationId xmlns:a16="http://schemas.microsoft.com/office/drawing/2014/main" id="{3616309B-D81C-F2E2-7F70-F1437284685C}"/>
+              </a:ext>
+            </a:extLst>
+          </p:cNvPr>
+          <p:cNvSpPr>
+            <a:spLocks noGrp="1"/>
+          </p:cNvSpPr>
+          <p:nvPr>
+            <p:ph idx="1"/>
+          </p:nvPr>
+        </p:nvSpPr>
+        <p:spPr/>
+        <p:txBody>
+          <a:bodyPr/>
+          <a:lstStyle/>
+          <a:p>
+            <a:pPr>
+              <a:lnSpc>
+                <a:spcPct val="150000"/>
+              </a:lnSpc>
+            </a:pPr>
+            <a:r>
+              <a:rPr lang="en-GB" dirty="0"/>
+              <a:t>Ex. What is the total profit by each </a:t>
+            </a:r>
+            <a:r>
+              <a:rPr lang="en-GB" i="1" dirty="0"/>
+              <a:t>Product Category</a:t>
+            </a:r>
+            <a:r>
+              <a:rPr lang="en-GB" dirty="0"/>
+              <a:t>? </a:t>
+            </a:r>
+            <a:r>
+              <a:rPr lang="en-GB" i="1" dirty="0"/>
+              <a:t>(Use a bar chart)</a:t>
+            </a:r>
+            <a:endParaRPr lang="en-GB" dirty="0"/>
+          </a:p>
+          <a:p>
+            <a:pPr>
+              <a:lnSpc>
+                <a:spcPct val="150000"/>
+              </a:lnSpc>
+            </a:pPr>
+            <a:r>
+              <a:rPr lang="en-GB" dirty="0"/>
+              <a:t>Ex. How does </a:t>
+            </a:r>
+            <a:r>
+              <a:rPr lang="en-GB" i="1" dirty="0"/>
+              <a:t>Discount</a:t>
+            </a:r>
+            <a:r>
+              <a:rPr lang="en-GB" dirty="0"/>
+              <a:t> impact </a:t>
+            </a:r>
+            <a:r>
+              <a:rPr lang="en-GB" i="1" dirty="0"/>
+              <a:t>Profit</a:t>
+            </a:r>
+            <a:r>
+              <a:rPr lang="en-GB" dirty="0"/>
+              <a:t>? </a:t>
+            </a:r>
+            <a:r>
+              <a:rPr lang="en-GB" i="1" dirty="0"/>
+              <a:t>(Use a scatter plot)</a:t>
+            </a:r>
+            <a:endParaRPr lang="en-GB" dirty="0"/>
+          </a:p>
+          <a:p>
+            <a:pPr>
+              <a:lnSpc>
+                <a:spcPct val="150000"/>
+              </a:lnSpc>
+            </a:pPr>
+            <a:r>
+              <a:rPr lang="en-GB" dirty="0"/>
+              <a:t>Ex. What is the average </a:t>
+            </a:r>
+            <a:r>
+              <a:rPr lang="en-GB" i="1" dirty="0"/>
+              <a:t>Unit Price</a:t>
+            </a:r>
+            <a:r>
+              <a:rPr lang="en-GB" dirty="0"/>
+              <a:t> for each </a:t>
+            </a:r>
+            <a:r>
+              <a:rPr lang="en-GB" i="1" dirty="0"/>
+              <a:t>Product Sub-Category</a:t>
+            </a:r>
+            <a:r>
+              <a:rPr lang="en-GB" dirty="0"/>
+              <a:t>? </a:t>
+            </a:r>
+            <a:r>
+              <a:rPr lang="en-GB" i="1" dirty="0"/>
+              <a:t>(Use a column or bar chart)</a:t>
+            </a:r>
+            <a:endParaRPr lang="en-GB" dirty="0"/>
+          </a:p>
+          <a:p>
+            <a:pPr>
+              <a:lnSpc>
+                <a:spcPct val="150000"/>
+              </a:lnSpc>
+            </a:pPr>
+            <a:r>
+              <a:rPr lang="en-GB" dirty="0"/>
+              <a:t>Ex. What is the distribution of Sales across different Customer Segments? (Use a pie or bar chart)</a:t>
+            </a:r>
+          </a:p>
+          <a:p>
+            <a:pPr>
+              <a:lnSpc>
+                <a:spcPct val="150000"/>
+              </a:lnSpc>
+            </a:pPr>
+            <a:r>
+              <a:rPr lang="en-GB" dirty="0"/>
+              <a:t>Ex. What is the average Profit per Customer Segment? (Use a bar chart or box plot)</a:t>
+            </a:r>
+          </a:p>
+          <a:p>
+            <a:pPr>
+              <a:lnSpc>
+                <a:spcPct val="150000"/>
+              </a:lnSpc>
+            </a:pPr>
+            <a:r>
+              <a:rPr lang="en-GB" dirty="0"/>
+              <a:t>Ex. How does Shipping Cost vary by Region? (Use a bar chart or line chart)</a:t>
+            </a:r>
+          </a:p>
+          <a:p>
+            <a:pPr>
+              <a:lnSpc>
+                <a:spcPct val="150000"/>
+              </a:lnSpc>
+            </a:pPr>
+            <a:r>
+              <a:rPr lang="en-GB" dirty="0"/>
+              <a:t>Ex. What is the average Shipping Cost by Ship Mode? (Use a column chart)</a:t>
+            </a:r>
+          </a:p>
+          <a:p>
+            <a:pPr>
+              <a:lnSpc>
+                <a:spcPct val="150000"/>
+              </a:lnSpc>
+            </a:pPr>
+            <a:r>
+              <a:rPr lang="en-GB" dirty="0"/>
+              <a:t>Ex. What is the delivery time (days between Order Date and Ship Date) across Regions? (Use a box plot or line chart)</a:t>
+            </a:r>
+          </a:p>
+          <a:p>
+            <a:pPr>
+              <a:lnSpc>
+                <a:spcPct val="150000"/>
+              </a:lnSpc>
+            </a:pPr>
+            <a:r>
+              <a:rPr lang="en-GB" dirty="0"/>
+              <a:t>Ex. Which Product Sub-Categories have the highest Sales? (Use a horizontal bar chart)</a:t>
+            </a:r>
+          </a:p>
+          <a:p>
+            <a:pPr>
+              <a:lnSpc>
+                <a:spcPct val="150000"/>
+              </a:lnSpc>
+            </a:pPr>
+            <a:r>
+              <a:rPr lang="en-GB" dirty="0"/>
+              <a:t>Ex. Which Products are most profitable overall? (Use a top N bar chart)</a:t>
+            </a:r>
+          </a:p>
+          <a:p>
+            <a:pPr>
+              <a:lnSpc>
+                <a:spcPct val="150000"/>
+              </a:lnSpc>
+            </a:pPr>
+            <a:r>
+              <a:rPr lang="en-GB" dirty="0"/>
+              <a:t>Ex. How do monthly Sales and Profit trend over time? (Use a line chart or area chart with Order Date)</a:t>
+            </a:r>
+          </a:p>
+        </p:txBody>
+      </p:sp>
+    </p:spTree>
+    <p:extLst>
+      <p:ext uri="{BB962C8B-B14F-4D97-AF65-F5344CB8AC3E}">
+        <p14:creationId xmlns:p14="http://schemas.microsoft.com/office/powerpoint/2010/main" val="2827677502"/>
+      </p:ext>
+    </p:extLst>
+  </p:cSld>
+  <p:clrMapOvr>
+    <a:masterClrMapping/>
+  </p:clrMapOvr>
+</p:sld>
+</file>
+
+<file path=ppt/slides/slide69.xml><?xml version="1.0" encoding="utf-8"?>
+<p:sld xmlns:a="http://schemas.openxmlformats.org/drawingml/2006/main" xmlns:r="http://schemas.openxmlformats.org/officeDocument/2006/relationships" xmlns:p="http://schemas.openxmlformats.org/presentationml/2006/main">
+  <p:cSld>
+    <p:spTree>
+      <p:nvGrpSpPr>
+        <p:cNvPr id="1" name=""/>
+        <p:cNvGrpSpPr/>
+        <p:nvPr/>
+      </p:nvGrpSpPr>
+      <p:grpSpPr>
+        <a:xfrm>
+          <a:off x="0" y="0"/>
+          <a:ext cx="0" cy="0"/>
+          <a:chOff x="0" y="0"/>
+          <a:chExt cx="0" cy="0"/>
+        </a:xfrm>
+      </p:grpSpPr>
+      <p:sp>
+        <p:nvSpPr>
+          <p:cNvPr id="2" name="Title 1">
+            <a:extLst>
+              <a:ext uri="{FF2B5EF4-FFF2-40B4-BE49-F238E27FC236}">
+                <a16:creationId xmlns:a16="http://schemas.microsoft.com/office/drawing/2014/main" id="{452608B5-51DB-5D71-7F04-E06E4BF7EB1F}"/>
+              </a:ext>
+            </a:extLst>
+          </p:cNvPr>
+          <p:cNvSpPr>
+            <a:spLocks noGrp="1"/>
+          </p:cNvSpPr>
+          <p:nvPr>
+            <p:ph type="ctrTitle"/>
+          </p:nvPr>
+        </p:nvSpPr>
+        <p:spPr>
+          <a:xfrm>
+            <a:off x="1454002" y="2226621"/>
+            <a:ext cx="6235995" cy="690258"/>
+          </a:xfrm>
+        </p:spPr>
+        <p:txBody>
+          <a:bodyPr/>
+          <a:lstStyle/>
+          <a:p>
+            <a:r>
+              <a:rPr lang="en-IN" dirty="0"/>
+              <a:t>Power BI Service</a:t>
+            </a:r>
+          </a:p>
+        </p:txBody>
+      </p:sp>
+    </p:spTree>
+    <p:extLst>
+      <p:ext uri="{BB962C8B-B14F-4D97-AF65-F5344CB8AC3E}">
+        <p14:creationId xmlns:p14="http://schemas.microsoft.com/office/powerpoint/2010/main" val="3208737695"/>
       </p:ext>
     </p:extLst>
   </p:cSld>
@@ -37686,667 +38354,6 @@
           <p:cNvPr id="2" name="Content Placeholder 1">
             <a:extLst>
               <a:ext uri="{FF2B5EF4-FFF2-40B4-BE49-F238E27FC236}">
-                <a16:creationId xmlns:a16="http://schemas.microsoft.com/office/drawing/2014/main" id="{39ED2E8C-DC46-988C-E4FE-131FE6CC4406}"/>
-              </a:ext>
-            </a:extLst>
-          </p:cNvPr>
-          <p:cNvSpPr>
-            <a:spLocks noGrp="1"/>
-          </p:cNvSpPr>
-          <p:nvPr>
-            <p:ph idx="1"/>
-          </p:nvPr>
-        </p:nvSpPr>
-        <p:spPr/>
-        <p:txBody>
-          <a:bodyPr/>
-          <a:lstStyle/>
-          <a:p>
-            <a:pPr marL="0" indent="0">
-              <a:spcAft>
-                <a:spcPts val="1200"/>
-              </a:spcAft>
-              <a:buNone/>
-            </a:pPr>
-            <a:r>
-              <a:rPr lang="en-GB" b="1" dirty="0"/>
-              <a:t>Using Images and Shapes:</a:t>
-            </a:r>
-          </a:p>
-          <a:p>
-            <a:pPr>
-              <a:spcAft>
-                <a:spcPts val="1200"/>
-              </a:spcAft>
-            </a:pPr>
-            <a:r>
-              <a:rPr lang="en-GB" dirty="0"/>
-              <a:t>Insert logos, icons, or shapes to brand your report and improve aesthetics.</a:t>
-            </a:r>
-          </a:p>
-          <a:p>
-            <a:pPr>
-              <a:spcAft>
-                <a:spcPts val="1200"/>
-              </a:spcAft>
-            </a:pPr>
-            <a:r>
-              <a:rPr lang="en-GB" dirty="0"/>
-              <a:t>Images can also act as clickable buttons with assigned actions.</a:t>
-            </a:r>
-          </a:p>
-          <a:p>
-            <a:pPr marL="0" indent="0">
-              <a:spcAft>
-                <a:spcPts val="1200"/>
-              </a:spcAft>
-              <a:buNone/>
-            </a:pPr>
-            <a:r>
-              <a:rPr lang="en-GB" b="1" dirty="0"/>
-              <a:t>Custom Buttons:  </a:t>
-            </a:r>
-            <a:r>
-              <a:rPr lang="en-GB" dirty="0"/>
-              <a:t>Create custom navigation buttons and assign actions like:</a:t>
-            </a:r>
-          </a:p>
-          <a:p>
-            <a:pPr lvl="1">
-              <a:spcAft>
-                <a:spcPts val="1200"/>
-              </a:spcAft>
-            </a:pPr>
-            <a:r>
-              <a:rPr lang="en-GB" b="1" dirty="0"/>
-              <a:t>Bookmark:</a:t>
-            </a:r>
-            <a:r>
-              <a:rPr lang="en-GB" dirty="0"/>
-              <a:t> Show/hide visuals or toggle filters.</a:t>
-            </a:r>
-          </a:p>
-          <a:p>
-            <a:pPr lvl="1">
-              <a:spcAft>
-                <a:spcPts val="1200"/>
-              </a:spcAft>
-            </a:pPr>
-            <a:r>
-              <a:rPr lang="en-GB" b="1" dirty="0"/>
-              <a:t>Page Navigation:</a:t>
-            </a:r>
-            <a:r>
-              <a:rPr lang="en-GB" dirty="0"/>
-              <a:t> Move to other report pages.</a:t>
-            </a:r>
-          </a:p>
-          <a:p>
-            <a:pPr lvl="1">
-              <a:spcAft>
-                <a:spcPts val="1200"/>
-              </a:spcAft>
-            </a:pPr>
-            <a:r>
-              <a:rPr lang="en-GB" b="1" dirty="0"/>
-              <a:t>Web URL:</a:t>
-            </a:r>
-            <a:r>
-              <a:rPr lang="en-GB" dirty="0"/>
-              <a:t> Link to external websites or documents.</a:t>
-            </a:r>
-          </a:p>
-          <a:p>
-            <a:pPr>
-              <a:spcAft>
-                <a:spcPts val="1200"/>
-              </a:spcAft>
-            </a:pPr>
-            <a:endParaRPr lang="en-IN" dirty="0"/>
-          </a:p>
-        </p:txBody>
-      </p:sp>
-      <p:sp>
-        <p:nvSpPr>
-          <p:cNvPr id="3" name="Text Placeholder 2">
-            <a:extLst>
-              <a:ext uri="{FF2B5EF4-FFF2-40B4-BE49-F238E27FC236}">
-                <a16:creationId xmlns:a16="http://schemas.microsoft.com/office/drawing/2014/main" id="{1123EE6D-B355-6709-2BCA-B15E6D3FB25B}"/>
-              </a:ext>
-            </a:extLst>
-          </p:cNvPr>
-          <p:cNvSpPr>
-            <a:spLocks noGrp="1"/>
-          </p:cNvSpPr>
-          <p:nvPr>
-            <p:ph type="body" sz="quarter" idx="10"/>
-          </p:nvPr>
-        </p:nvSpPr>
-        <p:spPr/>
-        <p:txBody>
-          <a:bodyPr/>
-          <a:lstStyle/>
-          <a:p>
-            <a:r>
-              <a:rPr lang="en-GB" dirty="0"/>
-              <a:t>Enhancing User Experience with Visual Elements</a:t>
-            </a:r>
-            <a:endParaRPr lang="en-IN" dirty="0"/>
-          </a:p>
-        </p:txBody>
-      </p:sp>
-    </p:spTree>
-    <p:extLst>
-      <p:ext uri="{BB962C8B-B14F-4D97-AF65-F5344CB8AC3E}">
-        <p14:creationId xmlns:p14="http://schemas.microsoft.com/office/powerpoint/2010/main" val="2797790653"/>
-      </p:ext>
-    </p:extLst>
-  </p:cSld>
-  <p:clrMapOvr>
-    <a:masterClrMapping/>
-  </p:clrMapOvr>
-</p:sld>
-</file>
-
-<file path=ppt/slides/slide71.xml><?xml version="1.0" encoding="utf-8"?>
-<p:sld xmlns:a="http://schemas.openxmlformats.org/drawingml/2006/main" xmlns:r="http://schemas.openxmlformats.org/officeDocument/2006/relationships" xmlns:p="http://schemas.openxmlformats.org/presentationml/2006/main">
-  <p:cSld>
-    <p:spTree>
-      <p:nvGrpSpPr>
-        <p:cNvPr id="1" name=""/>
-        <p:cNvGrpSpPr/>
-        <p:nvPr/>
-      </p:nvGrpSpPr>
-      <p:grpSpPr>
-        <a:xfrm>
-          <a:off x="0" y="0"/>
-          <a:ext cx="0" cy="0"/>
-          <a:chOff x="0" y="0"/>
-          <a:chExt cx="0" cy="0"/>
-        </a:xfrm>
-      </p:grpSpPr>
-      <p:sp>
-        <p:nvSpPr>
-          <p:cNvPr id="2" name="Content Placeholder 1">
-            <a:extLst>
-              <a:ext uri="{FF2B5EF4-FFF2-40B4-BE49-F238E27FC236}">
-                <a16:creationId xmlns:a16="http://schemas.microsoft.com/office/drawing/2014/main" id="{459CEFB4-99CA-ED75-EEDE-B3EE019238D8}"/>
-              </a:ext>
-            </a:extLst>
-          </p:cNvPr>
-          <p:cNvSpPr>
-            <a:spLocks noGrp="1"/>
-          </p:cNvSpPr>
-          <p:nvPr>
-            <p:ph idx="1"/>
-          </p:nvPr>
-        </p:nvSpPr>
-        <p:spPr>
-          <a:xfrm>
-            <a:off x="165768" y="812801"/>
-            <a:ext cx="8844548" cy="4261845"/>
-          </a:xfrm>
-        </p:spPr>
-        <p:txBody>
-          <a:bodyPr>
-            <a:normAutofit/>
-          </a:bodyPr>
-          <a:lstStyle/>
-          <a:p>
-            <a:pPr>
-              <a:lnSpc>
-                <a:spcPct val="150000"/>
-              </a:lnSpc>
-              <a:spcBef>
-                <a:spcPts val="0"/>
-              </a:spcBef>
-            </a:pPr>
-            <a:r>
-              <a:rPr lang="en-GB" b="1" dirty="0"/>
-              <a:t>Keep navigation intuitive and consistent</a:t>
-            </a:r>
-          </a:p>
-          <a:p>
-            <a:pPr lvl="1">
-              <a:lnSpc>
-                <a:spcPct val="150000"/>
-              </a:lnSpc>
-              <a:spcBef>
-                <a:spcPts val="0"/>
-              </a:spcBef>
-            </a:pPr>
-            <a:r>
-              <a:rPr lang="en-GB" dirty="0"/>
-              <a:t>Use clearly </a:t>
-            </a:r>
-            <a:r>
-              <a:rPr lang="en-GB" dirty="0" err="1"/>
-              <a:t>labeled</a:t>
-            </a:r>
-            <a:r>
-              <a:rPr lang="en-GB" dirty="0"/>
-              <a:t> buttons (e.g., “Home”, “Back”) and maintain their position across pages.</a:t>
-            </a:r>
-          </a:p>
-          <a:p>
-            <a:pPr>
-              <a:lnSpc>
-                <a:spcPct val="150000"/>
-              </a:lnSpc>
-              <a:spcBef>
-                <a:spcPts val="0"/>
-              </a:spcBef>
-            </a:pPr>
-            <a:r>
-              <a:rPr lang="en-GB" b="1" dirty="0"/>
-              <a:t>Use tooltips and button text to guide users</a:t>
-            </a:r>
-          </a:p>
-          <a:p>
-            <a:pPr lvl="1">
-              <a:lnSpc>
-                <a:spcPct val="150000"/>
-              </a:lnSpc>
-              <a:spcBef>
-                <a:spcPts val="0"/>
-              </a:spcBef>
-            </a:pPr>
-            <a:r>
-              <a:rPr lang="en-GB" dirty="0"/>
-              <a:t>Enable tooltips for visuals and navigation elements to help users understand purpose without clutter.</a:t>
-            </a:r>
-          </a:p>
-          <a:p>
-            <a:pPr>
-              <a:lnSpc>
-                <a:spcPct val="150000"/>
-              </a:lnSpc>
-              <a:spcBef>
-                <a:spcPts val="0"/>
-              </a:spcBef>
-            </a:pPr>
-            <a:r>
-              <a:rPr lang="en-GB" b="1" dirty="0"/>
-              <a:t>Combine bookmarks and buttons</a:t>
-            </a:r>
-          </a:p>
-          <a:p>
-            <a:pPr lvl="1">
-              <a:lnSpc>
-                <a:spcPct val="150000"/>
-              </a:lnSpc>
-              <a:spcBef>
-                <a:spcPts val="0"/>
-              </a:spcBef>
-            </a:pPr>
-            <a:r>
-              <a:rPr lang="en-GB" dirty="0"/>
-              <a:t>Create interactive reports where users can toggle views (e.g., show/hide visuals or switch between summaries and details).</a:t>
-            </a:r>
-          </a:p>
-          <a:p>
-            <a:pPr>
-              <a:lnSpc>
-                <a:spcPct val="150000"/>
-              </a:lnSpc>
-              <a:spcBef>
-                <a:spcPts val="0"/>
-              </a:spcBef>
-            </a:pPr>
-            <a:r>
-              <a:rPr lang="en-GB" b="1" dirty="0"/>
-              <a:t>Avoid clutter – less is more</a:t>
-            </a:r>
-          </a:p>
-          <a:p>
-            <a:pPr lvl="1">
-              <a:lnSpc>
-                <a:spcPct val="150000"/>
-              </a:lnSpc>
-              <a:spcBef>
-                <a:spcPts val="0"/>
-              </a:spcBef>
-            </a:pPr>
-            <a:r>
-              <a:rPr lang="en-GB" dirty="0"/>
-              <a:t>Show only essential visuals on a page. Use bookmarks or </a:t>
-            </a:r>
-            <a:r>
-              <a:rPr lang="en-GB" dirty="0" err="1"/>
-              <a:t>drillthroughs</a:t>
-            </a:r>
-            <a:r>
-              <a:rPr lang="en-GB" dirty="0"/>
-              <a:t> to display more when needed.</a:t>
-            </a:r>
-          </a:p>
-          <a:p>
-            <a:pPr>
-              <a:lnSpc>
-                <a:spcPct val="150000"/>
-              </a:lnSpc>
-              <a:spcBef>
-                <a:spcPts val="0"/>
-              </a:spcBef>
-            </a:pPr>
-            <a:r>
-              <a:rPr lang="en-GB" b="1" dirty="0"/>
-              <a:t>Group and align visuals properly</a:t>
-            </a:r>
-          </a:p>
-          <a:p>
-            <a:pPr lvl="1">
-              <a:lnSpc>
-                <a:spcPct val="150000"/>
-              </a:lnSpc>
-              <a:spcBef>
-                <a:spcPts val="0"/>
-              </a:spcBef>
-            </a:pPr>
-            <a:r>
-              <a:rPr lang="en-GB" dirty="0"/>
-              <a:t>Use the alignment tools to maintain visual consistency and a professional layout.</a:t>
-            </a:r>
-          </a:p>
-          <a:p>
-            <a:pPr>
-              <a:lnSpc>
-                <a:spcPct val="150000"/>
-              </a:lnSpc>
-              <a:spcBef>
-                <a:spcPts val="0"/>
-              </a:spcBef>
-            </a:pPr>
-            <a:r>
-              <a:rPr lang="en-GB" b="1" dirty="0"/>
-              <a:t>Use slicers for key filters</a:t>
-            </a:r>
-          </a:p>
-          <a:p>
-            <a:pPr lvl="1">
-              <a:lnSpc>
-                <a:spcPct val="150000"/>
-              </a:lnSpc>
-              <a:spcBef>
-                <a:spcPts val="0"/>
-              </a:spcBef>
-            </a:pPr>
-            <a:r>
-              <a:rPr lang="en-GB" dirty="0"/>
-              <a:t>Empower users with slicers for commonly changed filters like date, region, or product category.</a:t>
-            </a:r>
-          </a:p>
-          <a:p>
-            <a:pPr>
-              <a:lnSpc>
-                <a:spcPct val="150000"/>
-              </a:lnSpc>
-              <a:spcBef>
-                <a:spcPts val="0"/>
-              </a:spcBef>
-            </a:pPr>
-            <a:r>
-              <a:rPr lang="en-GB" b="1" dirty="0"/>
-              <a:t>Use themes and </a:t>
-            </a:r>
-            <a:r>
-              <a:rPr lang="en-GB" b="1" dirty="0" err="1"/>
-              <a:t>color</a:t>
-            </a:r>
-            <a:r>
-              <a:rPr lang="en-GB" b="1" dirty="0"/>
-              <a:t> schemes wisely</a:t>
-            </a:r>
-          </a:p>
-          <a:p>
-            <a:pPr lvl="1">
-              <a:lnSpc>
-                <a:spcPct val="150000"/>
-              </a:lnSpc>
-              <a:spcBef>
-                <a:spcPts val="0"/>
-              </a:spcBef>
-            </a:pPr>
-            <a:r>
-              <a:rPr lang="en-GB" dirty="0"/>
-              <a:t>Apply consistent </a:t>
-            </a:r>
-            <a:r>
-              <a:rPr lang="en-GB" dirty="0" err="1"/>
-              <a:t>color</a:t>
-            </a:r>
-            <a:r>
-              <a:rPr lang="en-GB" dirty="0"/>
-              <a:t> palettes (match brand guidelines) to improve readability and aesthetics.</a:t>
-            </a:r>
-          </a:p>
-          <a:p>
-            <a:pPr>
-              <a:lnSpc>
-                <a:spcPct val="150000"/>
-              </a:lnSpc>
-              <a:spcBef>
-                <a:spcPts val="0"/>
-              </a:spcBef>
-            </a:pPr>
-            <a:r>
-              <a:rPr lang="en-GB" b="1" dirty="0"/>
-              <a:t>Add a 'Reset Filters' or 'Clear Selection' button</a:t>
-            </a:r>
-          </a:p>
-          <a:p>
-            <a:pPr lvl="1">
-              <a:lnSpc>
-                <a:spcPct val="150000"/>
-              </a:lnSpc>
-              <a:spcBef>
-                <a:spcPts val="0"/>
-              </a:spcBef>
-            </a:pPr>
-            <a:r>
-              <a:rPr lang="en-GB" dirty="0"/>
-              <a:t>Use bookmarks to return all slicers and filters to their default state, making exploration easier.</a:t>
-            </a:r>
-          </a:p>
-          <a:p>
-            <a:pPr>
-              <a:lnSpc>
-                <a:spcPct val="150000"/>
-              </a:lnSpc>
-              <a:spcBef>
-                <a:spcPts val="0"/>
-              </a:spcBef>
-            </a:pPr>
-            <a:endParaRPr lang="en-IN" dirty="0"/>
-          </a:p>
-        </p:txBody>
-      </p:sp>
-      <p:sp>
-        <p:nvSpPr>
-          <p:cNvPr id="3" name="Text Placeholder 2">
-            <a:extLst>
-              <a:ext uri="{FF2B5EF4-FFF2-40B4-BE49-F238E27FC236}">
-                <a16:creationId xmlns:a16="http://schemas.microsoft.com/office/drawing/2014/main" id="{B9216EE1-3F9A-6753-4568-F27970E62305}"/>
-              </a:ext>
-            </a:extLst>
-          </p:cNvPr>
-          <p:cNvSpPr>
-            <a:spLocks noGrp="1"/>
-          </p:cNvSpPr>
-          <p:nvPr>
-            <p:ph type="body" sz="quarter" idx="10"/>
-          </p:nvPr>
-        </p:nvSpPr>
-        <p:spPr>
-          <a:xfrm>
-            <a:off x="667720" y="208546"/>
-            <a:ext cx="8342596" cy="426321"/>
-          </a:xfrm>
-        </p:spPr>
-        <p:txBody>
-          <a:bodyPr/>
-          <a:lstStyle/>
-          <a:p>
-            <a:r>
-              <a:rPr lang="en-IN" dirty="0"/>
-              <a:t>Better User Experience</a:t>
-            </a:r>
-          </a:p>
-        </p:txBody>
-      </p:sp>
-    </p:spTree>
-    <p:extLst>
-      <p:ext uri="{BB962C8B-B14F-4D97-AF65-F5344CB8AC3E}">
-        <p14:creationId xmlns:p14="http://schemas.microsoft.com/office/powerpoint/2010/main" val="3219133696"/>
-      </p:ext>
-    </p:extLst>
-  </p:cSld>
-  <p:clrMapOvr>
-    <a:masterClrMapping/>
-  </p:clrMapOvr>
-</p:sld>
-</file>
-
-<file path=ppt/slides/slide72.xml><?xml version="1.0" encoding="utf-8"?>
-<p:sld xmlns:a="http://schemas.openxmlformats.org/drawingml/2006/main" xmlns:r="http://schemas.openxmlformats.org/officeDocument/2006/relationships" xmlns:p="http://schemas.openxmlformats.org/presentationml/2006/main">
-  <p:cSld>
-    <p:spTree>
-      <p:nvGrpSpPr>
-        <p:cNvPr id="1" name=""/>
-        <p:cNvGrpSpPr/>
-        <p:nvPr/>
-      </p:nvGrpSpPr>
-      <p:grpSpPr>
-        <a:xfrm>
-          <a:off x="0" y="0"/>
-          <a:ext cx="0" cy="0"/>
-          <a:chOff x="0" y="0"/>
-          <a:chExt cx="0" cy="0"/>
-        </a:xfrm>
-      </p:grpSpPr>
-      <p:sp>
-        <p:nvSpPr>
-          <p:cNvPr id="3" name="Content Placeholder 2">
-            <a:extLst>
-              <a:ext uri="{FF2B5EF4-FFF2-40B4-BE49-F238E27FC236}">
-                <a16:creationId xmlns:a16="http://schemas.microsoft.com/office/drawing/2014/main" id="{EEB9C6A8-ADBD-5DB0-8E75-B783048C6409}"/>
-              </a:ext>
-            </a:extLst>
-          </p:cNvPr>
-          <p:cNvSpPr>
-            <a:spLocks noGrp="1"/>
-          </p:cNvSpPr>
-          <p:nvPr>
-            <p:ph idx="1"/>
-          </p:nvPr>
-        </p:nvSpPr>
-        <p:spPr/>
-        <p:txBody>
-          <a:bodyPr/>
-          <a:lstStyle/>
-          <a:p>
-            <a:endParaRPr lang="en-IN"/>
-          </a:p>
-        </p:txBody>
-      </p:sp>
-    </p:spTree>
-    <p:extLst>
-      <p:ext uri="{BB962C8B-B14F-4D97-AF65-F5344CB8AC3E}">
-        <p14:creationId xmlns:p14="http://schemas.microsoft.com/office/powerpoint/2010/main" val="2002414211"/>
-      </p:ext>
-    </p:extLst>
-  </p:cSld>
-  <p:clrMapOvr>
-    <a:masterClrMapping/>
-  </p:clrMapOvr>
-</p:sld>
-</file>
-
-<file path=ppt/slides/slide73.xml><?xml version="1.0" encoding="utf-8"?>
-<p:sld xmlns:a="http://schemas.openxmlformats.org/drawingml/2006/main" xmlns:r="http://schemas.openxmlformats.org/officeDocument/2006/relationships" xmlns:p="http://schemas.openxmlformats.org/presentationml/2006/main">
-  <p:cSld>
-    <p:spTree>
-      <p:nvGrpSpPr>
-        <p:cNvPr id="1" name=""/>
-        <p:cNvGrpSpPr/>
-        <p:nvPr/>
-      </p:nvGrpSpPr>
-      <p:grpSpPr>
-        <a:xfrm>
-          <a:off x="0" y="0"/>
-          <a:ext cx="0" cy="0"/>
-          <a:chOff x="0" y="0"/>
-          <a:chExt cx="0" cy="0"/>
-        </a:xfrm>
-      </p:grpSpPr>
-      <p:sp>
-        <p:nvSpPr>
-          <p:cNvPr id="2" name="Title 1">
-            <a:extLst>
-              <a:ext uri="{FF2B5EF4-FFF2-40B4-BE49-F238E27FC236}">
-                <a16:creationId xmlns:a16="http://schemas.microsoft.com/office/drawing/2014/main" id="{452608B5-51DB-5D71-7F04-E06E4BF7EB1F}"/>
-              </a:ext>
-            </a:extLst>
-          </p:cNvPr>
-          <p:cNvSpPr>
-            <a:spLocks noGrp="1"/>
-          </p:cNvSpPr>
-          <p:nvPr>
-            <p:ph type="ctrTitle"/>
-          </p:nvPr>
-        </p:nvSpPr>
-        <p:spPr>
-          <a:xfrm>
-            <a:off x="1454002" y="2226621"/>
-            <a:ext cx="6235995" cy="690258"/>
-          </a:xfrm>
-        </p:spPr>
-        <p:txBody>
-          <a:bodyPr/>
-          <a:lstStyle/>
-          <a:p>
-            <a:r>
-              <a:rPr lang="en-IN" dirty="0"/>
-              <a:t>Power BI Service</a:t>
-            </a:r>
-          </a:p>
-        </p:txBody>
-      </p:sp>
-    </p:spTree>
-    <p:extLst>
-      <p:ext uri="{BB962C8B-B14F-4D97-AF65-F5344CB8AC3E}">
-        <p14:creationId xmlns:p14="http://schemas.microsoft.com/office/powerpoint/2010/main" val="3208737695"/>
-      </p:ext>
-    </p:extLst>
-  </p:cSld>
-  <p:clrMapOvr>
-    <a:masterClrMapping/>
-  </p:clrMapOvr>
-</p:sld>
-</file>
-
-<file path=ppt/slides/slide74.xml><?xml version="1.0" encoding="utf-8"?>
-<p:sld xmlns:a="http://schemas.openxmlformats.org/drawingml/2006/main" xmlns:r="http://schemas.openxmlformats.org/officeDocument/2006/relationships" xmlns:p="http://schemas.openxmlformats.org/presentationml/2006/main">
-  <p:cSld>
-    <p:spTree>
-      <p:nvGrpSpPr>
-        <p:cNvPr id="1" name=""/>
-        <p:cNvGrpSpPr/>
-        <p:nvPr/>
-      </p:nvGrpSpPr>
-      <p:grpSpPr>
-        <a:xfrm>
-          <a:off x="0" y="0"/>
-          <a:ext cx="0" cy="0"/>
-          <a:chOff x="0" y="0"/>
-          <a:chExt cx="0" cy="0"/>
-        </a:xfrm>
-      </p:grpSpPr>
-      <p:sp>
-        <p:nvSpPr>
-          <p:cNvPr id="2" name="Content Placeholder 1">
-            <a:extLst>
-              <a:ext uri="{FF2B5EF4-FFF2-40B4-BE49-F238E27FC236}">
                 <a16:creationId xmlns:a16="http://schemas.microsoft.com/office/drawing/2014/main" id="{40605479-5707-B205-7865-4EEB9B31D9C6}"/>
               </a:ext>
             </a:extLst>
@@ -38492,7 +38499,7 @@
 </p:sld>
 </file>
 
-<file path=ppt/slides/slide75.xml><?xml version="1.0" encoding="utf-8"?>
+<file path=ppt/slides/slide71.xml><?xml version="1.0" encoding="utf-8"?>
 <p:sld xmlns:a="http://schemas.openxmlformats.org/drawingml/2006/main" xmlns:r="http://schemas.openxmlformats.org/officeDocument/2006/relationships" xmlns:p="http://schemas.openxmlformats.org/presentationml/2006/main">
   <p:cSld>
     <p:spTree>
@@ -38709,7 +38716,7 @@
 </p:sld>
 </file>
 
-<file path=ppt/slides/slide76.xml><?xml version="1.0" encoding="utf-8"?>
+<file path=ppt/slides/slide72.xml><?xml version="1.0" encoding="utf-8"?>
 <p:sld xmlns:a="http://schemas.openxmlformats.org/drawingml/2006/main" xmlns:r="http://schemas.openxmlformats.org/officeDocument/2006/relationships" xmlns:p="http://schemas.openxmlformats.org/presentationml/2006/main">
   <p:cSld>
     <p:spTree>
@@ -39774,7 +39781,7 @@
 </p:sld>
 </file>
 
-<file path=ppt/slides/slide77.xml><?xml version="1.0" encoding="utf-8"?>
+<file path=ppt/slides/slide73.xml><?xml version="1.0" encoding="utf-8"?>
 <p:sld xmlns:a="http://schemas.openxmlformats.org/drawingml/2006/main" xmlns:r="http://schemas.openxmlformats.org/officeDocument/2006/relationships" xmlns:p="http://schemas.openxmlformats.org/presentationml/2006/main">
   <p:cSld>
     <p:spTree>
@@ -40025,7 +40032,7 @@
 </p:sld>
 </file>
 
-<file path=ppt/slides/slide78.xml><?xml version="1.0" encoding="utf-8"?>
+<file path=ppt/slides/slide74.xml><?xml version="1.0" encoding="utf-8"?>
 <p:sld xmlns:a="http://schemas.openxmlformats.org/drawingml/2006/main" xmlns:r="http://schemas.openxmlformats.org/officeDocument/2006/relationships" xmlns:p="http://schemas.openxmlformats.org/presentationml/2006/main">
   <p:cSld>
     <p:spTree>
@@ -42541,7 +42548,7 @@
 </p:sld>
 </file>
 
-<file path=ppt/slides/slide79.xml><?xml version="1.0" encoding="utf-8"?>
+<file path=ppt/slides/slide75.xml><?xml version="1.0" encoding="utf-8"?>
 <p:sld xmlns:a="http://schemas.openxmlformats.org/drawingml/2006/main" xmlns:r="http://schemas.openxmlformats.org/officeDocument/2006/relationships" xmlns:p="http://schemas.openxmlformats.org/presentationml/2006/main">
   <p:cSld>
     <p:spTree>
@@ -42596,6 +42603,463 @@
     <p:extLst>
       <p:ext uri="{BB962C8B-B14F-4D97-AF65-F5344CB8AC3E}">
         <p14:creationId xmlns:p14="http://schemas.microsoft.com/office/powerpoint/2010/main" val="1607028644"/>
+      </p:ext>
+    </p:extLst>
+  </p:cSld>
+  <p:clrMapOvr>
+    <a:masterClrMapping/>
+  </p:clrMapOvr>
+</p:sld>
+</file>
+
+<file path=ppt/slides/slide76.xml><?xml version="1.0" encoding="utf-8"?>
+<p:sld xmlns:a="http://schemas.openxmlformats.org/drawingml/2006/main" xmlns:r="http://schemas.openxmlformats.org/officeDocument/2006/relationships" xmlns:p="http://schemas.openxmlformats.org/presentationml/2006/main">
+  <p:cSld>
+    <p:spTree>
+      <p:nvGrpSpPr>
+        <p:cNvPr id="1" name=""/>
+        <p:cNvGrpSpPr/>
+        <p:nvPr/>
+      </p:nvGrpSpPr>
+      <p:grpSpPr>
+        <a:xfrm>
+          <a:off x="0" y="0"/>
+          <a:ext cx="0" cy="0"/>
+          <a:chOff x="0" y="0"/>
+          <a:chExt cx="0" cy="0"/>
+        </a:xfrm>
+      </p:grpSpPr>
+      <p:sp>
+        <p:nvSpPr>
+          <p:cNvPr id="2" name="Content Placeholder 1">
+            <a:extLst>
+              <a:ext uri="{FF2B5EF4-FFF2-40B4-BE49-F238E27FC236}">
+                <a16:creationId xmlns:a16="http://schemas.microsoft.com/office/drawing/2014/main" id="{8B36CA00-417C-9402-4CAE-63F2393DD6A7}"/>
+              </a:ext>
+            </a:extLst>
+          </p:cNvPr>
+          <p:cNvSpPr>
+            <a:spLocks noGrp="1"/>
+          </p:cNvSpPr>
+          <p:nvPr>
+            <p:ph idx="1"/>
+          </p:nvPr>
+        </p:nvSpPr>
+        <p:spPr/>
+        <p:txBody>
+          <a:bodyPr>
+            <a:normAutofit/>
+          </a:bodyPr>
+          <a:lstStyle/>
+          <a:p>
+            <a:pPr marL="0" indent="0">
+              <a:buNone/>
+            </a:pPr>
+            <a:r>
+              <a:rPr lang="en-GB" b="1" dirty="0"/>
+              <a:t>1. Smart Narrative (Narrative Visuals)</a:t>
+            </a:r>
+          </a:p>
+          <a:p>
+            <a:pPr lvl="1"/>
+            <a:r>
+              <a:rPr lang="en-GB" dirty="0"/>
+              <a:t>Auto-generates text summaries for visuals or entire reports</a:t>
+            </a:r>
+          </a:p>
+          <a:p>
+            <a:pPr lvl="1"/>
+            <a:r>
+              <a:rPr lang="en-GB" dirty="0"/>
+              <a:t>Useful for automated insights, highlighting trends, key drivers, and anomalies</a:t>
+            </a:r>
+          </a:p>
+          <a:p>
+            <a:pPr marL="0" indent="0">
+              <a:buNone/>
+            </a:pPr>
+            <a:r>
+              <a:rPr lang="en-GB" b="1" dirty="0"/>
+              <a:t>2. Q&amp;A Visual</a:t>
+            </a:r>
+          </a:p>
+          <a:p>
+            <a:pPr lvl="1"/>
+            <a:r>
+              <a:rPr lang="en-GB" dirty="0"/>
+              <a:t>Allows users to ask natural language questions (e.g., "total sales by region")</a:t>
+            </a:r>
+          </a:p>
+          <a:p>
+            <a:pPr lvl="1"/>
+            <a:r>
+              <a:rPr lang="en-GB" dirty="0"/>
+              <a:t>Power BI interprets the query and generates visuals accordingly</a:t>
+            </a:r>
+          </a:p>
+          <a:p>
+            <a:pPr lvl="1"/>
+            <a:r>
+              <a:rPr lang="en-GB" dirty="0"/>
+              <a:t>Auto-suggests valid field names and values for better usability</a:t>
+            </a:r>
+          </a:p>
+          <a:p>
+            <a:pPr marL="0" indent="0">
+              <a:buNone/>
+            </a:pPr>
+            <a:r>
+              <a:rPr lang="en-GB" b="1" dirty="0"/>
+              <a:t>3. Decomposition Tree</a:t>
+            </a:r>
+          </a:p>
+          <a:p>
+            <a:pPr lvl="1"/>
+            <a:r>
+              <a:rPr lang="en-GB" dirty="0"/>
+              <a:t>Breaks down metrics (like Sales) by multiple dimensions</a:t>
+            </a:r>
+          </a:p>
+          <a:p>
+            <a:pPr lvl="1"/>
+            <a:r>
+              <a:rPr lang="en-GB" dirty="0"/>
+              <a:t>Automatically surfaces key contributors to a value</a:t>
+            </a:r>
+          </a:p>
+          <a:p>
+            <a:pPr lvl="1"/>
+            <a:r>
+              <a:rPr lang="en-GB" dirty="0"/>
+              <a:t>Includes AI-driven "High Value" and "Low Value" options</a:t>
+            </a:r>
+          </a:p>
+          <a:p>
+            <a:pPr marL="0" indent="0">
+              <a:buNone/>
+            </a:pPr>
+            <a:r>
+              <a:rPr lang="en-GB" b="1" dirty="0"/>
+              <a:t>4. Key Influencers Visual</a:t>
+            </a:r>
+          </a:p>
+          <a:p>
+            <a:pPr lvl="1"/>
+            <a:r>
+              <a:rPr lang="en-GB" dirty="0"/>
+              <a:t>Uses ML to identify what factors impact a given metric</a:t>
+            </a:r>
+          </a:p>
+          <a:p>
+            <a:pPr lvl="1"/>
+            <a:r>
+              <a:rPr lang="en-GB" dirty="0"/>
+              <a:t>Great for understanding drivers behind outcomes (e.g., what affects customer satisfaction)</a:t>
+            </a:r>
+          </a:p>
+          <a:p>
+            <a:endParaRPr lang="en-GB" dirty="0"/>
+          </a:p>
+          <a:p>
+            <a:endParaRPr lang="en-GB" dirty="0"/>
+          </a:p>
+          <a:p>
+            <a:endParaRPr lang="en-IN" dirty="0"/>
+          </a:p>
+        </p:txBody>
+      </p:sp>
+      <p:sp>
+        <p:nvSpPr>
+          <p:cNvPr id="3" name="Text Placeholder 2">
+            <a:extLst>
+              <a:ext uri="{FF2B5EF4-FFF2-40B4-BE49-F238E27FC236}">
+                <a16:creationId xmlns:a16="http://schemas.microsoft.com/office/drawing/2014/main" id="{19CF8218-C69A-7157-EFBE-81EE3917E207}"/>
+              </a:ext>
+            </a:extLst>
+          </p:cNvPr>
+          <p:cNvSpPr>
+            <a:spLocks noGrp="1"/>
+          </p:cNvSpPr>
+          <p:nvPr>
+            <p:ph type="body" sz="quarter" idx="10"/>
+          </p:nvPr>
+        </p:nvSpPr>
+        <p:spPr/>
+        <p:txBody>
+          <a:bodyPr/>
+          <a:lstStyle/>
+          <a:p>
+            <a:r>
+              <a:rPr lang="en-GB" dirty="0"/>
+              <a:t>AI Features in Power BI</a:t>
+            </a:r>
+            <a:endParaRPr lang="en-IN" dirty="0"/>
+          </a:p>
+        </p:txBody>
+      </p:sp>
+    </p:spTree>
+    <p:extLst>
+      <p:ext uri="{BB962C8B-B14F-4D97-AF65-F5344CB8AC3E}">
+        <p14:creationId xmlns:p14="http://schemas.microsoft.com/office/powerpoint/2010/main" val="872493122"/>
+      </p:ext>
+    </p:extLst>
+  </p:cSld>
+  <p:clrMapOvr>
+    <a:masterClrMapping/>
+  </p:clrMapOvr>
+</p:sld>
+</file>
+
+<file path=ppt/slides/slide77.xml><?xml version="1.0" encoding="utf-8"?>
+<p:sld xmlns:a="http://schemas.openxmlformats.org/drawingml/2006/main" xmlns:r="http://schemas.openxmlformats.org/officeDocument/2006/relationships" xmlns:p="http://schemas.openxmlformats.org/presentationml/2006/main">
+  <p:cSld>
+    <p:spTree>
+      <p:nvGrpSpPr>
+        <p:cNvPr id="1" name="">
+          <a:extLst>
+            <a:ext uri="{FF2B5EF4-FFF2-40B4-BE49-F238E27FC236}">
+              <a16:creationId xmlns:a16="http://schemas.microsoft.com/office/drawing/2014/main" id="{1A6EAEE4-4BA9-D974-CC53-873C8E990D74}"/>
+            </a:ext>
+          </a:extLst>
+        </p:cNvPr>
+        <p:cNvGrpSpPr/>
+        <p:nvPr/>
+      </p:nvGrpSpPr>
+      <p:grpSpPr>
+        <a:xfrm>
+          <a:off x="0" y="0"/>
+          <a:ext cx="0" cy="0"/>
+          <a:chOff x="0" y="0"/>
+          <a:chExt cx="0" cy="0"/>
+        </a:xfrm>
+      </p:grpSpPr>
+      <p:sp>
+        <p:nvSpPr>
+          <p:cNvPr id="2" name="Content Placeholder 1">
+            <a:extLst>
+              <a:ext uri="{FF2B5EF4-FFF2-40B4-BE49-F238E27FC236}">
+                <a16:creationId xmlns:a16="http://schemas.microsoft.com/office/drawing/2014/main" id="{C5724C9F-7EAB-3C3D-6EB8-15A8628AE540}"/>
+              </a:ext>
+            </a:extLst>
+          </p:cNvPr>
+          <p:cNvSpPr>
+            <a:spLocks noGrp="1"/>
+          </p:cNvSpPr>
+          <p:nvPr>
+            <p:ph idx="1"/>
+          </p:nvPr>
+        </p:nvSpPr>
+        <p:spPr/>
+        <p:txBody>
+          <a:bodyPr>
+            <a:normAutofit lnSpcReduction="10000"/>
+          </a:bodyPr>
+          <a:lstStyle/>
+          <a:p>
+            <a:pPr marL="0" indent="0">
+              <a:buNone/>
+            </a:pPr>
+            <a:r>
+              <a:rPr lang="en-GB" b="1" dirty="0"/>
+              <a:t>5. Anomaly Detection</a:t>
+            </a:r>
+          </a:p>
+          <a:p>
+            <a:pPr lvl="1"/>
+            <a:r>
+              <a:rPr lang="en-GB" dirty="0"/>
+              <a:t>Detects outliers and unexpected data patterns in time-series visuals</a:t>
+            </a:r>
+          </a:p>
+          <a:p>
+            <a:pPr lvl="1"/>
+            <a:r>
+              <a:rPr lang="en-GB" dirty="0"/>
+              <a:t>Auto-explains anomalies with context and contributing factors</a:t>
+            </a:r>
+          </a:p>
+          <a:p>
+            <a:pPr marL="0" indent="0">
+              <a:buNone/>
+            </a:pPr>
+            <a:r>
+              <a:rPr lang="en-GB" b="1" dirty="0"/>
+              <a:t>6. </a:t>
+            </a:r>
+            <a:r>
+              <a:rPr lang="en-GB" b="1" dirty="0" err="1"/>
+              <a:t>AutoML</a:t>
+            </a:r>
+            <a:r>
+              <a:rPr lang="en-GB" b="1" dirty="0"/>
+              <a:t> in Power BI Premium</a:t>
+            </a:r>
+          </a:p>
+          <a:p>
+            <a:pPr lvl="1"/>
+            <a:r>
+              <a:rPr lang="en-GB" dirty="0"/>
+              <a:t>Create machine learning models (like classification or regression) directly in Power BI using </a:t>
+            </a:r>
+            <a:r>
+              <a:rPr lang="en-GB" dirty="0" err="1"/>
+              <a:t>AutoML</a:t>
+            </a:r>
+            <a:endParaRPr lang="en-GB" dirty="0"/>
+          </a:p>
+          <a:p>
+            <a:pPr lvl="1"/>
+            <a:r>
+              <a:rPr lang="en-GB" dirty="0"/>
+              <a:t>No coding required – built on top of Azure Machine Learning</a:t>
+            </a:r>
+          </a:p>
+          <a:p>
+            <a:pPr lvl="1"/>
+            <a:r>
+              <a:rPr lang="en-GB" dirty="0"/>
+              <a:t>Can be used in Dataflows</a:t>
+            </a:r>
+          </a:p>
+          <a:p>
+            <a:pPr marL="0" indent="0">
+              <a:buNone/>
+            </a:pPr>
+            <a:r>
+              <a:rPr lang="en-GB" b="1" dirty="0"/>
+              <a:t>7. Cognitive Services Integration</a:t>
+            </a:r>
+          </a:p>
+          <a:p>
+            <a:pPr marL="0" indent="0">
+              <a:buNone/>
+            </a:pPr>
+            <a:r>
+              <a:rPr lang="en-GB" dirty="0"/>
+              <a:t>         Use Azure Cognitive Services in Power BI for:</a:t>
+            </a:r>
+          </a:p>
+          <a:p>
+            <a:pPr lvl="1"/>
+            <a:r>
+              <a:rPr lang="en-GB" dirty="0"/>
+              <a:t>Text analytics (key phrases, sentiment)</a:t>
+            </a:r>
+          </a:p>
+          <a:p>
+            <a:pPr lvl="1"/>
+            <a:r>
+              <a:rPr lang="en-GB" dirty="0"/>
+              <a:t>Image tagging</a:t>
+            </a:r>
+          </a:p>
+          <a:p>
+            <a:pPr lvl="1"/>
+            <a:r>
+              <a:rPr lang="en-GB" dirty="0"/>
+              <a:t>Language detection</a:t>
+            </a:r>
+          </a:p>
+          <a:p>
+            <a:pPr lvl="1"/>
+            <a:r>
+              <a:rPr lang="en-GB" dirty="0"/>
+              <a:t>Available via AI Insights in Power Query</a:t>
+            </a:r>
+          </a:p>
+          <a:p>
+            <a:pPr marL="0" indent="0">
+              <a:buNone/>
+            </a:pPr>
+            <a:r>
+              <a:rPr lang="en-GB" b="1" dirty="0"/>
+              <a:t>8. Quick Insights</a:t>
+            </a:r>
+          </a:p>
+          <a:p>
+            <a:pPr lvl="1"/>
+            <a:r>
+              <a:rPr lang="en-GB" dirty="0"/>
+              <a:t>Automatically </a:t>
+            </a:r>
+            <a:r>
+              <a:rPr lang="en-GB" dirty="0" err="1"/>
+              <a:t>analyzes</a:t>
+            </a:r>
+            <a:r>
+              <a:rPr lang="en-GB" dirty="0"/>
+              <a:t> datasets and provides instant insights</a:t>
+            </a:r>
+          </a:p>
+          <a:p>
+            <a:pPr lvl="1"/>
+            <a:r>
+              <a:rPr lang="en-GB" dirty="0"/>
+              <a:t>Uses AI to surface patterns, outliers, and trends</a:t>
+            </a:r>
+          </a:p>
+          <a:p>
+            <a:pPr marL="0" indent="0">
+              <a:buNone/>
+            </a:pPr>
+            <a:r>
+              <a:rPr lang="en-GB" b="1" dirty="0"/>
+              <a:t> Pro Tip:  </a:t>
+            </a:r>
+            <a:r>
+              <a:rPr lang="en-GB" dirty="0"/>
+              <a:t>Many AI features (like </a:t>
+            </a:r>
+            <a:r>
+              <a:rPr lang="en-GB" dirty="0" err="1"/>
+              <a:t>AutoML</a:t>
+            </a:r>
+            <a:r>
+              <a:rPr lang="en-GB" dirty="0"/>
+              <a:t> and Cognitive Services) require Power BI Premium or Premium per user (PPU) licensing.</a:t>
+            </a:r>
+          </a:p>
+          <a:p>
+            <a:endParaRPr lang="en-GB" dirty="0"/>
+          </a:p>
+          <a:p>
+            <a:endParaRPr lang="en-IN" dirty="0"/>
+          </a:p>
+        </p:txBody>
+      </p:sp>
+      <p:sp>
+        <p:nvSpPr>
+          <p:cNvPr id="3" name="Text Placeholder 2">
+            <a:extLst>
+              <a:ext uri="{FF2B5EF4-FFF2-40B4-BE49-F238E27FC236}">
+                <a16:creationId xmlns:a16="http://schemas.microsoft.com/office/drawing/2014/main" id="{59BFC4CF-D61A-F960-AD83-A46D8D3F2930}"/>
+              </a:ext>
+            </a:extLst>
+          </p:cNvPr>
+          <p:cNvSpPr>
+            <a:spLocks noGrp="1"/>
+          </p:cNvSpPr>
+          <p:nvPr>
+            <p:ph type="body" sz="quarter" idx="10"/>
+          </p:nvPr>
+        </p:nvSpPr>
+        <p:spPr/>
+        <p:txBody>
+          <a:bodyPr/>
+          <a:lstStyle/>
+          <a:p>
+            <a:r>
+              <a:rPr lang="en-GB" dirty="0"/>
+              <a:t>AI Features in Power BI</a:t>
+            </a:r>
+            <a:endParaRPr lang="en-IN" dirty="0"/>
+          </a:p>
+        </p:txBody>
+      </p:sp>
+    </p:spTree>
+    <p:extLst>
+      <p:ext uri="{BB962C8B-B14F-4D97-AF65-F5344CB8AC3E}">
+        <p14:creationId xmlns:p14="http://schemas.microsoft.com/office/powerpoint/2010/main" val="2993464280"/>
       </p:ext>
     </p:extLst>
   </p:cSld>
@@ -42705,463 +43169,6 @@
     <p:extLst>
       <p:ext uri="{BB962C8B-B14F-4D97-AF65-F5344CB8AC3E}">
         <p14:creationId xmlns:p14="http://schemas.microsoft.com/office/powerpoint/2010/main" val="860913542"/>
-      </p:ext>
-    </p:extLst>
-  </p:cSld>
-  <p:clrMapOvr>
-    <a:masterClrMapping/>
-  </p:clrMapOvr>
-</p:sld>
-</file>
-
-<file path=ppt/slides/slide80.xml><?xml version="1.0" encoding="utf-8"?>
-<p:sld xmlns:a="http://schemas.openxmlformats.org/drawingml/2006/main" xmlns:r="http://schemas.openxmlformats.org/officeDocument/2006/relationships" xmlns:p="http://schemas.openxmlformats.org/presentationml/2006/main">
-  <p:cSld>
-    <p:spTree>
-      <p:nvGrpSpPr>
-        <p:cNvPr id="1" name=""/>
-        <p:cNvGrpSpPr/>
-        <p:nvPr/>
-      </p:nvGrpSpPr>
-      <p:grpSpPr>
-        <a:xfrm>
-          <a:off x="0" y="0"/>
-          <a:ext cx="0" cy="0"/>
-          <a:chOff x="0" y="0"/>
-          <a:chExt cx="0" cy="0"/>
-        </a:xfrm>
-      </p:grpSpPr>
-      <p:sp>
-        <p:nvSpPr>
-          <p:cNvPr id="2" name="Content Placeholder 1">
-            <a:extLst>
-              <a:ext uri="{FF2B5EF4-FFF2-40B4-BE49-F238E27FC236}">
-                <a16:creationId xmlns:a16="http://schemas.microsoft.com/office/drawing/2014/main" id="{8B36CA00-417C-9402-4CAE-63F2393DD6A7}"/>
-              </a:ext>
-            </a:extLst>
-          </p:cNvPr>
-          <p:cNvSpPr>
-            <a:spLocks noGrp="1"/>
-          </p:cNvSpPr>
-          <p:nvPr>
-            <p:ph idx="1"/>
-          </p:nvPr>
-        </p:nvSpPr>
-        <p:spPr/>
-        <p:txBody>
-          <a:bodyPr>
-            <a:normAutofit/>
-          </a:bodyPr>
-          <a:lstStyle/>
-          <a:p>
-            <a:pPr marL="0" indent="0">
-              <a:buNone/>
-            </a:pPr>
-            <a:r>
-              <a:rPr lang="en-GB" b="1" dirty="0"/>
-              <a:t>1. Smart Narrative (Narrative Visuals)</a:t>
-            </a:r>
-          </a:p>
-          <a:p>
-            <a:pPr lvl="1"/>
-            <a:r>
-              <a:rPr lang="en-GB" dirty="0"/>
-              <a:t>Auto-generates text summaries for visuals or entire reports</a:t>
-            </a:r>
-          </a:p>
-          <a:p>
-            <a:pPr lvl="1"/>
-            <a:r>
-              <a:rPr lang="en-GB" dirty="0"/>
-              <a:t>Useful for automated insights, highlighting trends, key drivers, and anomalies</a:t>
-            </a:r>
-          </a:p>
-          <a:p>
-            <a:pPr marL="0" indent="0">
-              <a:buNone/>
-            </a:pPr>
-            <a:r>
-              <a:rPr lang="en-GB" b="1" dirty="0"/>
-              <a:t>2. Q&amp;A Visual</a:t>
-            </a:r>
-          </a:p>
-          <a:p>
-            <a:pPr lvl="1"/>
-            <a:r>
-              <a:rPr lang="en-GB" dirty="0"/>
-              <a:t>Allows users to ask natural language questions (e.g., "total sales by region")</a:t>
-            </a:r>
-          </a:p>
-          <a:p>
-            <a:pPr lvl="1"/>
-            <a:r>
-              <a:rPr lang="en-GB" dirty="0"/>
-              <a:t>Power BI interprets the query and generates visuals accordingly</a:t>
-            </a:r>
-          </a:p>
-          <a:p>
-            <a:pPr lvl="1"/>
-            <a:r>
-              <a:rPr lang="en-GB" dirty="0"/>
-              <a:t>Auto-suggests valid field names and values for better usability</a:t>
-            </a:r>
-          </a:p>
-          <a:p>
-            <a:pPr marL="0" indent="0">
-              <a:buNone/>
-            </a:pPr>
-            <a:r>
-              <a:rPr lang="en-GB" b="1" dirty="0"/>
-              <a:t>3. Decomposition Tree</a:t>
-            </a:r>
-          </a:p>
-          <a:p>
-            <a:pPr lvl="1"/>
-            <a:r>
-              <a:rPr lang="en-GB" dirty="0"/>
-              <a:t>Breaks down metrics (like Sales) by multiple dimensions</a:t>
-            </a:r>
-          </a:p>
-          <a:p>
-            <a:pPr lvl="1"/>
-            <a:r>
-              <a:rPr lang="en-GB" dirty="0"/>
-              <a:t>Automatically surfaces key contributors to a value</a:t>
-            </a:r>
-          </a:p>
-          <a:p>
-            <a:pPr lvl="1"/>
-            <a:r>
-              <a:rPr lang="en-GB" dirty="0"/>
-              <a:t>Includes AI-driven "High Value" and "Low Value" options</a:t>
-            </a:r>
-          </a:p>
-          <a:p>
-            <a:pPr marL="0" indent="0">
-              <a:buNone/>
-            </a:pPr>
-            <a:r>
-              <a:rPr lang="en-GB" b="1" dirty="0"/>
-              <a:t>4. Key Influencers Visual</a:t>
-            </a:r>
-          </a:p>
-          <a:p>
-            <a:pPr lvl="1"/>
-            <a:r>
-              <a:rPr lang="en-GB" dirty="0"/>
-              <a:t>Uses ML to identify what factors impact a given metric</a:t>
-            </a:r>
-          </a:p>
-          <a:p>
-            <a:pPr lvl="1"/>
-            <a:r>
-              <a:rPr lang="en-GB" dirty="0"/>
-              <a:t>Great for understanding drivers behind outcomes (e.g., what affects customer satisfaction)</a:t>
-            </a:r>
-          </a:p>
-          <a:p>
-            <a:endParaRPr lang="en-GB" dirty="0"/>
-          </a:p>
-          <a:p>
-            <a:endParaRPr lang="en-GB" dirty="0"/>
-          </a:p>
-          <a:p>
-            <a:endParaRPr lang="en-IN" dirty="0"/>
-          </a:p>
-        </p:txBody>
-      </p:sp>
-      <p:sp>
-        <p:nvSpPr>
-          <p:cNvPr id="3" name="Text Placeholder 2">
-            <a:extLst>
-              <a:ext uri="{FF2B5EF4-FFF2-40B4-BE49-F238E27FC236}">
-                <a16:creationId xmlns:a16="http://schemas.microsoft.com/office/drawing/2014/main" id="{19CF8218-C69A-7157-EFBE-81EE3917E207}"/>
-              </a:ext>
-            </a:extLst>
-          </p:cNvPr>
-          <p:cNvSpPr>
-            <a:spLocks noGrp="1"/>
-          </p:cNvSpPr>
-          <p:nvPr>
-            <p:ph type="body" sz="quarter" idx="10"/>
-          </p:nvPr>
-        </p:nvSpPr>
-        <p:spPr/>
-        <p:txBody>
-          <a:bodyPr/>
-          <a:lstStyle/>
-          <a:p>
-            <a:r>
-              <a:rPr lang="en-GB" dirty="0"/>
-              <a:t>AI Features in Power BI</a:t>
-            </a:r>
-            <a:endParaRPr lang="en-IN" dirty="0"/>
-          </a:p>
-        </p:txBody>
-      </p:sp>
-    </p:spTree>
-    <p:extLst>
-      <p:ext uri="{BB962C8B-B14F-4D97-AF65-F5344CB8AC3E}">
-        <p14:creationId xmlns:p14="http://schemas.microsoft.com/office/powerpoint/2010/main" val="872493122"/>
-      </p:ext>
-    </p:extLst>
-  </p:cSld>
-  <p:clrMapOvr>
-    <a:masterClrMapping/>
-  </p:clrMapOvr>
-</p:sld>
-</file>
-
-<file path=ppt/slides/slide81.xml><?xml version="1.0" encoding="utf-8"?>
-<p:sld xmlns:a="http://schemas.openxmlformats.org/drawingml/2006/main" xmlns:r="http://schemas.openxmlformats.org/officeDocument/2006/relationships" xmlns:p="http://schemas.openxmlformats.org/presentationml/2006/main">
-  <p:cSld>
-    <p:spTree>
-      <p:nvGrpSpPr>
-        <p:cNvPr id="1" name="">
-          <a:extLst>
-            <a:ext uri="{FF2B5EF4-FFF2-40B4-BE49-F238E27FC236}">
-              <a16:creationId xmlns:a16="http://schemas.microsoft.com/office/drawing/2014/main" id="{1A6EAEE4-4BA9-D974-CC53-873C8E990D74}"/>
-            </a:ext>
-          </a:extLst>
-        </p:cNvPr>
-        <p:cNvGrpSpPr/>
-        <p:nvPr/>
-      </p:nvGrpSpPr>
-      <p:grpSpPr>
-        <a:xfrm>
-          <a:off x="0" y="0"/>
-          <a:ext cx="0" cy="0"/>
-          <a:chOff x="0" y="0"/>
-          <a:chExt cx="0" cy="0"/>
-        </a:xfrm>
-      </p:grpSpPr>
-      <p:sp>
-        <p:nvSpPr>
-          <p:cNvPr id="2" name="Content Placeholder 1">
-            <a:extLst>
-              <a:ext uri="{FF2B5EF4-FFF2-40B4-BE49-F238E27FC236}">
-                <a16:creationId xmlns:a16="http://schemas.microsoft.com/office/drawing/2014/main" id="{C5724C9F-7EAB-3C3D-6EB8-15A8628AE540}"/>
-              </a:ext>
-            </a:extLst>
-          </p:cNvPr>
-          <p:cNvSpPr>
-            <a:spLocks noGrp="1"/>
-          </p:cNvSpPr>
-          <p:nvPr>
-            <p:ph idx="1"/>
-          </p:nvPr>
-        </p:nvSpPr>
-        <p:spPr/>
-        <p:txBody>
-          <a:bodyPr>
-            <a:normAutofit lnSpcReduction="10000"/>
-          </a:bodyPr>
-          <a:lstStyle/>
-          <a:p>
-            <a:pPr marL="0" indent="0">
-              <a:buNone/>
-            </a:pPr>
-            <a:r>
-              <a:rPr lang="en-GB" b="1" dirty="0"/>
-              <a:t>5. Anomaly Detection</a:t>
-            </a:r>
-          </a:p>
-          <a:p>
-            <a:pPr lvl="1"/>
-            <a:r>
-              <a:rPr lang="en-GB" dirty="0"/>
-              <a:t>Detects outliers and unexpected data patterns in time-series visuals</a:t>
-            </a:r>
-          </a:p>
-          <a:p>
-            <a:pPr lvl="1"/>
-            <a:r>
-              <a:rPr lang="en-GB" dirty="0"/>
-              <a:t>Auto-explains anomalies with context and contributing factors</a:t>
-            </a:r>
-          </a:p>
-          <a:p>
-            <a:pPr marL="0" indent="0">
-              <a:buNone/>
-            </a:pPr>
-            <a:r>
-              <a:rPr lang="en-GB" b="1" dirty="0"/>
-              <a:t>6. </a:t>
-            </a:r>
-            <a:r>
-              <a:rPr lang="en-GB" b="1" dirty="0" err="1"/>
-              <a:t>AutoML</a:t>
-            </a:r>
-            <a:r>
-              <a:rPr lang="en-GB" b="1" dirty="0"/>
-              <a:t> in Power BI Premium</a:t>
-            </a:r>
-          </a:p>
-          <a:p>
-            <a:pPr lvl="1"/>
-            <a:r>
-              <a:rPr lang="en-GB" dirty="0"/>
-              <a:t>Create machine learning models (like classification or regression) directly in Power BI using </a:t>
-            </a:r>
-            <a:r>
-              <a:rPr lang="en-GB" dirty="0" err="1"/>
-              <a:t>AutoML</a:t>
-            </a:r>
-            <a:endParaRPr lang="en-GB" dirty="0"/>
-          </a:p>
-          <a:p>
-            <a:pPr lvl="1"/>
-            <a:r>
-              <a:rPr lang="en-GB" dirty="0"/>
-              <a:t>No coding required – built on top of Azure Machine Learning</a:t>
-            </a:r>
-          </a:p>
-          <a:p>
-            <a:pPr lvl="1"/>
-            <a:r>
-              <a:rPr lang="en-GB" dirty="0"/>
-              <a:t>Can be used in Dataflows</a:t>
-            </a:r>
-          </a:p>
-          <a:p>
-            <a:pPr marL="0" indent="0">
-              <a:buNone/>
-            </a:pPr>
-            <a:r>
-              <a:rPr lang="en-GB" b="1" dirty="0"/>
-              <a:t>7. Cognitive Services Integration</a:t>
-            </a:r>
-          </a:p>
-          <a:p>
-            <a:pPr marL="0" indent="0">
-              <a:buNone/>
-            </a:pPr>
-            <a:r>
-              <a:rPr lang="en-GB" dirty="0"/>
-              <a:t>         Use Azure Cognitive Services in Power BI for:</a:t>
-            </a:r>
-          </a:p>
-          <a:p>
-            <a:pPr lvl="1"/>
-            <a:r>
-              <a:rPr lang="en-GB" dirty="0"/>
-              <a:t>Text analytics (key phrases, sentiment)</a:t>
-            </a:r>
-          </a:p>
-          <a:p>
-            <a:pPr lvl="1"/>
-            <a:r>
-              <a:rPr lang="en-GB" dirty="0"/>
-              <a:t>Image tagging</a:t>
-            </a:r>
-          </a:p>
-          <a:p>
-            <a:pPr lvl="1"/>
-            <a:r>
-              <a:rPr lang="en-GB" dirty="0"/>
-              <a:t>Language detection</a:t>
-            </a:r>
-          </a:p>
-          <a:p>
-            <a:pPr lvl="1"/>
-            <a:r>
-              <a:rPr lang="en-GB" dirty="0"/>
-              <a:t>Available via AI Insights in Power Query</a:t>
-            </a:r>
-          </a:p>
-          <a:p>
-            <a:pPr marL="0" indent="0">
-              <a:buNone/>
-            </a:pPr>
-            <a:r>
-              <a:rPr lang="en-GB" b="1" dirty="0"/>
-              <a:t>8. Quick Insights</a:t>
-            </a:r>
-          </a:p>
-          <a:p>
-            <a:pPr lvl="1"/>
-            <a:r>
-              <a:rPr lang="en-GB" dirty="0"/>
-              <a:t>Automatically </a:t>
-            </a:r>
-            <a:r>
-              <a:rPr lang="en-GB" dirty="0" err="1"/>
-              <a:t>analyzes</a:t>
-            </a:r>
-            <a:r>
-              <a:rPr lang="en-GB" dirty="0"/>
-              <a:t> datasets and provides instant insights</a:t>
-            </a:r>
-          </a:p>
-          <a:p>
-            <a:pPr lvl="1"/>
-            <a:r>
-              <a:rPr lang="en-GB" dirty="0"/>
-              <a:t>Uses AI to surface patterns, outliers, and trends</a:t>
-            </a:r>
-          </a:p>
-          <a:p>
-            <a:pPr marL="0" indent="0">
-              <a:buNone/>
-            </a:pPr>
-            <a:r>
-              <a:rPr lang="en-GB" b="1" dirty="0"/>
-              <a:t> Pro Tip:  </a:t>
-            </a:r>
-            <a:r>
-              <a:rPr lang="en-GB" dirty="0"/>
-              <a:t>Many AI features (like </a:t>
-            </a:r>
-            <a:r>
-              <a:rPr lang="en-GB" dirty="0" err="1"/>
-              <a:t>AutoML</a:t>
-            </a:r>
-            <a:r>
-              <a:rPr lang="en-GB" dirty="0"/>
-              <a:t> and Cognitive Services) require Power BI Premium or Premium per user (PPU) licensing.</a:t>
-            </a:r>
-          </a:p>
-          <a:p>
-            <a:endParaRPr lang="en-GB" dirty="0"/>
-          </a:p>
-          <a:p>
-            <a:endParaRPr lang="en-IN" dirty="0"/>
-          </a:p>
-        </p:txBody>
-      </p:sp>
-      <p:sp>
-        <p:nvSpPr>
-          <p:cNvPr id="3" name="Text Placeholder 2">
-            <a:extLst>
-              <a:ext uri="{FF2B5EF4-FFF2-40B4-BE49-F238E27FC236}">
-                <a16:creationId xmlns:a16="http://schemas.microsoft.com/office/drawing/2014/main" id="{59BFC4CF-D61A-F960-AD83-A46D8D3F2930}"/>
-              </a:ext>
-            </a:extLst>
-          </p:cNvPr>
-          <p:cNvSpPr>
-            <a:spLocks noGrp="1"/>
-          </p:cNvSpPr>
-          <p:nvPr>
-            <p:ph type="body" sz="quarter" idx="10"/>
-          </p:nvPr>
-        </p:nvSpPr>
-        <p:spPr/>
-        <p:txBody>
-          <a:bodyPr/>
-          <a:lstStyle/>
-          <a:p>
-            <a:r>
-              <a:rPr lang="en-GB" dirty="0"/>
-              <a:t>AI Features in Power BI</a:t>
-            </a:r>
-            <a:endParaRPr lang="en-IN" dirty="0"/>
-          </a:p>
-        </p:txBody>
-      </p:sp>
-    </p:spTree>
-    <p:extLst>
-      <p:ext uri="{BB962C8B-B14F-4D97-AF65-F5344CB8AC3E}">
-        <p14:creationId xmlns:p14="http://schemas.microsoft.com/office/powerpoint/2010/main" val="2993464280"/>
       </p:ext>
     </p:extLst>
   </p:cSld>
